--- a/doc/CS1/task10/Präsentation Task10.pptx
+++ b/doc/CS1/task10/Präsentation Task10.pptx
@@ -262,7 +262,7 @@
                   <c:v>270</c:v>
                 </c:pt>
                 <c:pt idx="1">
-                  <c:v>235</c:v>
+                  <c:v>244</c:v>
                 </c:pt>
               </c:numCache>
             </c:numRef>
@@ -270,7 +270,7 @@
           <c:smooth val="0"/>
           <c:extLst>
             <c:ext xmlns:c16="http://schemas.microsoft.com/office/drawing/2014/chart" uri="{C3380CC4-5D6E-409C-BE32-E72D297353CC}">
-              <c16:uniqueId val="{00000000-784C-4982-A451-C12CECA806BC}"/>
+              <c16:uniqueId val="{00000000-56DF-43C4-A8FC-8524A102C6D7}"/>
             </c:ext>
           </c:extLst>
         </c:ser>
@@ -325,7 +325,7 @@
           <c:smooth val="0"/>
           <c:extLst>
             <c:ext xmlns:c16="http://schemas.microsoft.com/office/drawing/2014/chart" uri="{C3380CC4-5D6E-409C-BE32-E72D297353CC}">
-              <c16:uniqueId val="{00000001-784C-4982-A451-C12CECA806BC}"/>
+              <c16:uniqueId val="{00000001-56DF-43C4-A8FC-8524A102C6D7}"/>
             </c:ext>
           </c:extLst>
         </c:ser>
@@ -1151,7 +1151,7 @@
           <a:p>
             <a:fld id="{BF75C9B3-8DFD-4D8D-A621-6446D25FF5D3}" type="datetimeFigureOut">
               <a:rPr lang="en-US" smtClean="0"/>
-              <a:t>5/11/2017</a:t>
+              <a:t>5/12/2017</a:t>
             </a:fld>
             <a:endParaRPr lang="en-US"/>
           </a:p>
@@ -2051,7 +2051,7 @@
           <a:p>
             <a:fld id="{67B926F0-54F8-4A58-BAAD-23E529B91028}" type="datetimeFigureOut">
               <a:rPr lang="de-CH" smtClean="0"/>
-              <a:t>11.05.2017</a:t>
+              <a:t>12.05.2017</a:t>
             </a:fld>
             <a:endParaRPr lang="de-CH"/>
           </a:p>
@@ -2219,7 +2219,7 @@
           <a:p>
             <a:fld id="{67B926F0-54F8-4A58-BAAD-23E529B91028}" type="datetimeFigureOut">
               <a:rPr lang="de-CH" smtClean="0"/>
-              <a:t>11.05.2017</a:t>
+              <a:t>12.05.2017</a:t>
             </a:fld>
             <a:endParaRPr lang="de-CH"/>
           </a:p>
@@ -2397,7 +2397,7 @@
           <a:p>
             <a:fld id="{67B926F0-54F8-4A58-BAAD-23E529B91028}" type="datetimeFigureOut">
               <a:rPr lang="de-CH" smtClean="0"/>
-              <a:t>11.05.2017</a:t>
+              <a:t>12.05.2017</a:t>
             </a:fld>
             <a:endParaRPr lang="de-CH"/>
           </a:p>
@@ -2565,7 +2565,7 @@
           <a:p>
             <a:fld id="{67B926F0-54F8-4A58-BAAD-23E529B91028}" type="datetimeFigureOut">
               <a:rPr lang="de-CH" smtClean="0"/>
-              <a:t>11.05.2017</a:t>
+              <a:t>12.05.2017</a:t>
             </a:fld>
             <a:endParaRPr lang="de-CH"/>
           </a:p>
@@ -2810,7 +2810,7 @@
           <a:p>
             <a:fld id="{67B926F0-54F8-4A58-BAAD-23E529B91028}" type="datetimeFigureOut">
               <a:rPr lang="de-CH" smtClean="0"/>
-              <a:t>11.05.2017</a:t>
+              <a:t>12.05.2017</a:t>
             </a:fld>
             <a:endParaRPr lang="de-CH"/>
           </a:p>
@@ -3039,7 +3039,7 @@
           <a:p>
             <a:fld id="{67B926F0-54F8-4A58-BAAD-23E529B91028}" type="datetimeFigureOut">
               <a:rPr lang="de-CH" smtClean="0"/>
-              <a:t>11.05.2017</a:t>
+              <a:t>12.05.2017</a:t>
             </a:fld>
             <a:endParaRPr lang="de-CH"/>
           </a:p>
@@ -3403,7 +3403,7 @@
           <a:p>
             <a:fld id="{67B926F0-54F8-4A58-BAAD-23E529B91028}" type="datetimeFigureOut">
               <a:rPr lang="de-CH" smtClean="0"/>
-              <a:t>11.05.2017</a:t>
+              <a:t>12.05.2017</a:t>
             </a:fld>
             <a:endParaRPr lang="de-CH"/>
           </a:p>
@@ -3520,7 +3520,7 @@
           <a:p>
             <a:fld id="{67B926F0-54F8-4A58-BAAD-23E529B91028}" type="datetimeFigureOut">
               <a:rPr lang="de-CH" smtClean="0"/>
-              <a:t>11.05.2017</a:t>
+              <a:t>12.05.2017</a:t>
             </a:fld>
             <a:endParaRPr lang="de-CH"/>
           </a:p>
@@ -3615,7 +3615,7 @@
           <a:p>
             <a:fld id="{67B926F0-54F8-4A58-BAAD-23E529B91028}" type="datetimeFigureOut">
               <a:rPr lang="de-CH" smtClean="0"/>
-              <a:t>11.05.2017</a:t>
+              <a:t>12.05.2017</a:t>
             </a:fld>
             <a:endParaRPr lang="de-CH"/>
           </a:p>
@@ -3890,7 +3890,7 @@
           <a:p>
             <a:fld id="{67B926F0-54F8-4A58-BAAD-23E529B91028}" type="datetimeFigureOut">
               <a:rPr lang="de-CH" smtClean="0"/>
-              <a:t>11.05.2017</a:t>
+              <a:t>12.05.2017</a:t>
             </a:fld>
             <a:endParaRPr lang="de-CH"/>
           </a:p>
@@ -4142,7 +4142,7 @@
           <a:p>
             <a:fld id="{67B926F0-54F8-4A58-BAAD-23E529B91028}" type="datetimeFigureOut">
               <a:rPr lang="de-CH" smtClean="0"/>
-              <a:t>11.05.2017</a:t>
+              <a:t>12.05.2017</a:t>
             </a:fld>
             <a:endParaRPr lang="de-CH"/>
           </a:p>
@@ -4353,7 +4353,7 @@
           <a:p>
             <a:fld id="{67B926F0-54F8-4A58-BAAD-23E529B91028}" type="datetimeFigureOut">
               <a:rPr lang="de-CH" smtClean="0"/>
-              <a:t>11.05.2017</a:t>
+              <a:t>12.05.2017</a:t>
             </a:fld>
             <a:endParaRPr lang="de-CH"/>
           </a:p>
@@ -5012,7 +5012,7 @@
           <p:nvPr>
             <p:extLst>
               <p:ext uri="{D42A27DB-BD31-4B8C-83A1-F6EECF244321}">
-                <p14:modId xmlns:p14="http://schemas.microsoft.com/office/powerpoint/2010/main" val="803402950"/>
+                <p14:modId xmlns:p14="http://schemas.microsoft.com/office/powerpoint/2010/main" val="1511111831"/>
               </p:ext>
             </p:extLst>
           </p:nvPr>
@@ -5029,84 +5029,84 @@
                 <a:gridCol w="270163">
                   <a:extLst>
                     <a:ext uri="{9D8B030D-6E8A-4147-A177-3AD203B41FA5}">
-                      <a16:colId xmlns:a16="http://schemas.microsoft.com/office/drawing/2014/main" val="3826934996"/>
+                      <a16:colId xmlns:a16="http://schemas.microsoft.com/office/drawing/2014/main" val="4130050318"/>
                     </a:ext>
                   </a:extLst>
                 </a:gridCol>
                 <a:gridCol w="363682">
                   <a:extLst>
                     <a:ext uri="{9D8B030D-6E8A-4147-A177-3AD203B41FA5}">
-                      <a16:colId xmlns:a16="http://schemas.microsoft.com/office/drawing/2014/main" val="2395402860"/>
+                      <a16:colId xmlns:a16="http://schemas.microsoft.com/office/drawing/2014/main" val="577072214"/>
                     </a:ext>
                   </a:extLst>
                 </a:gridCol>
                 <a:gridCol w="1704109">
                   <a:extLst>
                     <a:ext uri="{9D8B030D-6E8A-4147-A177-3AD203B41FA5}">
-                      <a16:colId xmlns:a16="http://schemas.microsoft.com/office/drawing/2014/main" val="4006428931"/>
+                      <a16:colId xmlns:a16="http://schemas.microsoft.com/office/drawing/2014/main" val="2141097334"/>
                     </a:ext>
                   </a:extLst>
                 </a:gridCol>
                 <a:gridCol w="2940627">
                   <a:extLst>
                     <a:ext uri="{9D8B030D-6E8A-4147-A177-3AD203B41FA5}">
-                      <a16:colId xmlns:a16="http://schemas.microsoft.com/office/drawing/2014/main" val="2772587932"/>
+                      <a16:colId xmlns:a16="http://schemas.microsoft.com/office/drawing/2014/main" val="3749899385"/>
                     </a:ext>
                   </a:extLst>
                 </a:gridCol>
                 <a:gridCol w="1122218">
                   <a:extLst>
                     <a:ext uri="{9D8B030D-6E8A-4147-A177-3AD203B41FA5}">
-                      <a16:colId xmlns:a16="http://schemas.microsoft.com/office/drawing/2014/main" val="2831658609"/>
+                      <a16:colId xmlns:a16="http://schemas.microsoft.com/office/drawing/2014/main" val="3691457227"/>
                     </a:ext>
                   </a:extLst>
                 </a:gridCol>
                 <a:gridCol w="665018">
                   <a:extLst>
                     <a:ext uri="{9D8B030D-6E8A-4147-A177-3AD203B41FA5}">
-                      <a16:colId xmlns:a16="http://schemas.microsoft.com/office/drawing/2014/main" val="2788500751"/>
+                      <a16:colId xmlns:a16="http://schemas.microsoft.com/office/drawing/2014/main" val="2033274636"/>
                     </a:ext>
                   </a:extLst>
                 </a:gridCol>
                 <a:gridCol w="550718">
                   <a:extLst>
                     <a:ext uri="{9D8B030D-6E8A-4147-A177-3AD203B41FA5}">
-                      <a16:colId xmlns:a16="http://schemas.microsoft.com/office/drawing/2014/main" val="133636686"/>
+                      <a16:colId xmlns:a16="http://schemas.microsoft.com/office/drawing/2014/main" val="2690406426"/>
                     </a:ext>
                   </a:extLst>
                 </a:gridCol>
                 <a:gridCol w="477981">
                   <a:extLst>
                     <a:ext uri="{9D8B030D-6E8A-4147-A177-3AD203B41FA5}">
-                      <a16:colId xmlns:a16="http://schemas.microsoft.com/office/drawing/2014/main" val="405118574"/>
+                      <a16:colId xmlns:a16="http://schemas.microsoft.com/office/drawing/2014/main" val="4012822750"/>
                     </a:ext>
                   </a:extLst>
                 </a:gridCol>
                 <a:gridCol w="457200">
                   <a:extLst>
                     <a:ext uri="{9D8B030D-6E8A-4147-A177-3AD203B41FA5}">
-                      <a16:colId xmlns:a16="http://schemas.microsoft.com/office/drawing/2014/main" val="1356303068"/>
+                      <a16:colId xmlns:a16="http://schemas.microsoft.com/office/drawing/2014/main" val="1745034283"/>
                     </a:ext>
                   </a:extLst>
                 </a:gridCol>
                 <a:gridCol w="519545">
                   <a:extLst>
                     <a:ext uri="{9D8B030D-6E8A-4147-A177-3AD203B41FA5}">
-                      <a16:colId xmlns:a16="http://schemas.microsoft.com/office/drawing/2014/main" val="2031234282"/>
+                      <a16:colId xmlns:a16="http://schemas.microsoft.com/office/drawing/2014/main" val="957057902"/>
                     </a:ext>
                   </a:extLst>
                 </a:gridCol>
                 <a:gridCol w="426027">
                   <a:extLst>
                     <a:ext uri="{9D8B030D-6E8A-4147-A177-3AD203B41FA5}">
-                      <a16:colId xmlns:a16="http://schemas.microsoft.com/office/drawing/2014/main" val="2124986032"/>
+                      <a16:colId xmlns:a16="http://schemas.microsoft.com/office/drawing/2014/main" val="2849288403"/>
                     </a:ext>
                   </a:extLst>
                 </a:gridCol>
                 <a:gridCol w="1018309">
                   <a:extLst>
                     <a:ext uri="{9D8B030D-6E8A-4147-A177-3AD203B41FA5}">
-                      <a16:colId xmlns:a16="http://schemas.microsoft.com/office/drawing/2014/main" val="903990916"/>
+                      <a16:colId xmlns:a16="http://schemas.microsoft.com/office/drawing/2014/main" val="1079784108"/>
                     </a:ext>
                   </a:extLst>
                 </a:gridCol>
@@ -5155,6 +5155,14 @@
                     <a:lnB>
                       <a:noFill/>
                     </a:lnB>
+                    <a:lnTlToBr w="12700" cmpd="sng">
+                      <a:noFill/>
+                      <a:prstDash val="solid"/>
+                    </a:lnTlToBr>
+                    <a:lnBlToTr w="12700" cmpd="sng">
+                      <a:noFill/>
+                      <a:prstDash val="solid"/>
+                    </a:lnBlToTr>
                     <a:solidFill>
                       <a:srgbClr val="10243E"/>
                     </a:solidFill>
@@ -5197,6 +5205,14 @@
                     <a:lnB>
                       <a:noFill/>
                     </a:lnB>
+                    <a:lnTlToBr w="12700" cmpd="sng">
+                      <a:noFill/>
+                      <a:prstDash val="solid"/>
+                    </a:lnTlToBr>
+                    <a:lnBlToTr w="12700" cmpd="sng">
+                      <a:noFill/>
+                      <a:prstDash val="solid"/>
+                    </a:lnBlToTr>
                     <a:solidFill>
                       <a:srgbClr val="10243E"/>
                     </a:solidFill>
@@ -5239,6 +5255,14 @@
                     <a:lnB>
                       <a:noFill/>
                     </a:lnB>
+                    <a:lnTlToBr w="12700" cmpd="sng">
+                      <a:noFill/>
+                      <a:prstDash val="solid"/>
+                    </a:lnTlToBr>
+                    <a:lnBlToTr w="12700" cmpd="sng">
+                      <a:noFill/>
+                      <a:prstDash val="solid"/>
+                    </a:lnBlToTr>
                     <a:solidFill>
                       <a:srgbClr val="10243E"/>
                     </a:solidFill>
@@ -5251,7 +5275,7 @@
                     <a:p>
                       <a:pPr algn="l" fontAlgn="t"/>
                       <a:r>
-                        <a:rPr lang="de-CH" sz="900" b="1" i="0" u="none" strike="noStrike">
+                        <a:rPr lang="de-CH" sz="900" b="1" i="0" u="none" strike="noStrike" dirty="0">
                           <a:solidFill>
                             <a:srgbClr val="FFFFFF"/>
                           </a:solidFill>
@@ -5281,6 +5305,14 @@
                     <a:lnB>
                       <a:noFill/>
                     </a:lnB>
+                    <a:lnTlToBr w="12700" cmpd="sng">
+                      <a:noFill/>
+                      <a:prstDash val="solid"/>
+                    </a:lnTlToBr>
+                    <a:lnBlToTr w="12700" cmpd="sng">
+                      <a:noFill/>
+                      <a:prstDash val="solid"/>
+                    </a:lnBlToTr>
                     <a:solidFill>
                       <a:srgbClr val="10243E"/>
                     </a:solidFill>
@@ -5323,6 +5355,14 @@
                     <a:lnB>
                       <a:noFill/>
                     </a:lnB>
+                    <a:lnTlToBr w="12700" cmpd="sng">
+                      <a:noFill/>
+                      <a:prstDash val="solid"/>
+                    </a:lnTlToBr>
+                    <a:lnBlToTr w="12700" cmpd="sng">
+                      <a:noFill/>
+                      <a:prstDash val="solid"/>
+                    </a:lnBlToTr>
                     <a:solidFill>
                       <a:srgbClr val="10243E"/>
                     </a:solidFill>
@@ -5365,6 +5405,14 @@
                     <a:lnB>
                       <a:noFill/>
                     </a:lnB>
+                    <a:lnTlToBr w="12700" cmpd="sng">
+                      <a:noFill/>
+                      <a:prstDash val="solid"/>
+                    </a:lnTlToBr>
+                    <a:lnBlToTr w="12700" cmpd="sng">
+                      <a:noFill/>
+                      <a:prstDash val="solid"/>
+                    </a:lnBlToTr>
                     <a:solidFill>
                       <a:srgbClr val="10243E"/>
                     </a:solidFill>
@@ -5407,6 +5455,14 @@
                     <a:lnB>
                       <a:noFill/>
                     </a:lnB>
+                    <a:lnTlToBr w="12700" cmpd="sng">
+                      <a:noFill/>
+                      <a:prstDash val="solid"/>
+                    </a:lnTlToBr>
+                    <a:lnBlToTr w="12700" cmpd="sng">
+                      <a:noFill/>
+                      <a:prstDash val="solid"/>
+                    </a:lnBlToTr>
                     <a:solidFill>
                       <a:srgbClr val="10243E"/>
                     </a:solidFill>
@@ -5449,6 +5505,14 @@
                     <a:lnB>
                       <a:noFill/>
                     </a:lnB>
+                    <a:lnTlToBr w="12700" cmpd="sng">
+                      <a:noFill/>
+                      <a:prstDash val="solid"/>
+                    </a:lnTlToBr>
+                    <a:lnBlToTr w="12700" cmpd="sng">
+                      <a:noFill/>
+                      <a:prstDash val="solid"/>
+                    </a:lnBlToTr>
                     <a:solidFill>
                       <a:srgbClr val="10243E"/>
                     </a:solidFill>
@@ -5491,6 +5555,14 @@
                     <a:lnB>
                       <a:noFill/>
                     </a:lnB>
+                    <a:lnTlToBr w="12700" cmpd="sng">
+                      <a:noFill/>
+                      <a:prstDash val="solid"/>
+                    </a:lnTlToBr>
+                    <a:lnBlToTr w="12700" cmpd="sng">
+                      <a:noFill/>
+                      <a:prstDash val="solid"/>
+                    </a:lnBlToTr>
                     <a:solidFill>
                       <a:srgbClr val="10243E"/>
                     </a:solidFill>
@@ -5533,6 +5605,14 @@
                     <a:lnB>
                       <a:noFill/>
                     </a:lnB>
+                    <a:lnTlToBr w="12700" cmpd="sng">
+                      <a:noFill/>
+                      <a:prstDash val="solid"/>
+                    </a:lnTlToBr>
+                    <a:lnBlToTr w="12700" cmpd="sng">
+                      <a:noFill/>
+                      <a:prstDash val="solid"/>
+                    </a:lnBlToTr>
                     <a:solidFill>
                       <a:srgbClr val="10243E"/>
                     </a:solidFill>
@@ -5575,6 +5655,14 @@
                     <a:lnB>
                       <a:noFill/>
                     </a:lnB>
+                    <a:lnTlToBr w="12700" cmpd="sng">
+                      <a:noFill/>
+                      <a:prstDash val="solid"/>
+                    </a:lnTlToBr>
+                    <a:lnBlToTr w="12700" cmpd="sng">
+                      <a:noFill/>
+                      <a:prstDash val="solid"/>
+                    </a:lnBlToTr>
                     <a:solidFill>
                       <a:srgbClr val="10243E"/>
                     </a:solidFill>
@@ -5623,6 +5711,14 @@
                     <a:lnB>
                       <a:noFill/>
                     </a:lnB>
+                    <a:lnTlToBr w="12700" cmpd="sng">
+                      <a:noFill/>
+                      <a:prstDash val="solid"/>
+                    </a:lnTlToBr>
+                    <a:lnBlToTr w="12700" cmpd="sng">
+                      <a:noFill/>
+                      <a:prstDash val="solid"/>
+                    </a:lnBlToTr>
                     <a:solidFill>
                       <a:srgbClr val="10243E"/>
                     </a:solidFill>
@@ -5630,7 +5726,7 @@
                 </a:tc>
                 <a:extLst>
                   <a:ext uri="{0D108BD9-81ED-4DB2-BD59-A6C34878D82A}">
-                    <a16:rowId xmlns:a16="http://schemas.microsoft.com/office/drawing/2014/main" val="616686253"/>
+                    <a16:rowId xmlns:a16="http://schemas.microsoft.com/office/drawing/2014/main" val="929917634"/>
                   </a:ext>
                 </a:extLst>
               </a:tr>
@@ -5672,6 +5768,14 @@
                     <a:lnB>
                       <a:noFill/>
                     </a:lnB>
+                    <a:lnTlToBr w="12700" cmpd="sng">
+                      <a:noFill/>
+                      <a:prstDash val="solid"/>
+                    </a:lnTlToBr>
+                    <a:lnBlToTr w="12700" cmpd="sng">
+                      <a:noFill/>
+                      <a:prstDash val="solid"/>
+                    </a:lnBlToTr>
                     <a:solidFill>
                       <a:srgbClr val="E2EFDA"/>
                     </a:solidFill>
@@ -5708,6 +5812,14 @@
                     <a:lnB>
                       <a:noFill/>
                     </a:lnB>
+                    <a:lnTlToBr w="12700" cmpd="sng">
+                      <a:noFill/>
+                      <a:prstDash val="solid"/>
+                    </a:lnTlToBr>
+                    <a:lnBlToTr w="12700" cmpd="sng">
+                      <a:noFill/>
+                      <a:prstDash val="solid"/>
+                    </a:lnBlToTr>
                     <a:solidFill>
                       <a:srgbClr val="E2EFDA"/>
                     </a:solidFill>
@@ -5744,6 +5856,14 @@
                     <a:lnB>
                       <a:noFill/>
                     </a:lnB>
+                    <a:lnTlToBr w="12700" cmpd="sng">
+                      <a:noFill/>
+                      <a:prstDash val="solid"/>
+                    </a:lnTlToBr>
+                    <a:lnBlToTr w="12700" cmpd="sng">
+                      <a:noFill/>
+                      <a:prstDash val="solid"/>
+                    </a:lnBlToTr>
                     <a:solidFill>
                       <a:srgbClr val="E2EFDA"/>
                     </a:solidFill>
@@ -5780,6 +5900,14 @@
                     <a:lnB>
                       <a:noFill/>
                     </a:lnB>
+                    <a:lnTlToBr w="12700" cmpd="sng">
+                      <a:noFill/>
+                      <a:prstDash val="solid"/>
+                    </a:lnTlToBr>
+                    <a:lnBlToTr w="12700" cmpd="sng">
+                      <a:noFill/>
+                      <a:prstDash val="solid"/>
+                    </a:lnBlToTr>
                     <a:solidFill>
                       <a:srgbClr val="E2EFDA"/>
                     </a:solidFill>
@@ -5816,6 +5944,14 @@
                     <a:lnB>
                       <a:noFill/>
                     </a:lnB>
+                    <a:lnTlToBr w="12700" cmpd="sng">
+                      <a:noFill/>
+                      <a:prstDash val="solid"/>
+                    </a:lnTlToBr>
+                    <a:lnBlToTr w="12700" cmpd="sng">
+                      <a:noFill/>
+                      <a:prstDash val="solid"/>
+                    </a:lnBlToTr>
                     <a:solidFill>
                       <a:srgbClr val="E2EFDA"/>
                     </a:solidFill>
@@ -5852,6 +5988,14 @@
                     <a:lnB>
                       <a:noFill/>
                     </a:lnB>
+                    <a:lnTlToBr w="12700" cmpd="sng">
+                      <a:noFill/>
+                      <a:prstDash val="solid"/>
+                    </a:lnTlToBr>
+                    <a:lnBlToTr w="12700" cmpd="sng">
+                      <a:noFill/>
+                      <a:prstDash val="solid"/>
+                    </a:lnBlToTr>
                     <a:solidFill>
                       <a:srgbClr val="E2EFDA"/>
                     </a:solidFill>
@@ -5888,6 +6032,14 @@
                     <a:lnB>
                       <a:noFill/>
                     </a:lnB>
+                    <a:lnTlToBr w="12700" cmpd="sng">
+                      <a:noFill/>
+                      <a:prstDash val="solid"/>
+                    </a:lnTlToBr>
+                    <a:lnBlToTr w="12700" cmpd="sng">
+                      <a:noFill/>
+                      <a:prstDash val="solid"/>
+                    </a:lnBlToTr>
                     <a:solidFill>
                       <a:srgbClr val="E2EFDA"/>
                     </a:solidFill>
@@ -5924,6 +6076,14 @@
                     <a:lnB>
                       <a:noFill/>
                     </a:lnB>
+                    <a:lnTlToBr w="12700" cmpd="sng">
+                      <a:noFill/>
+                      <a:prstDash val="solid"/>
+                    </a:lnTlToBr>
+                    <a:lnBlToTr w="12700" cmpd="sng">
+                      <a:noFill/>
+                      <a:prstDash val="solid"/>
+                    </a:lnBlToTr>
                     <a:solidFill>
                       <a:srgbClr val="E2EFDA"/>
                     </a:solidFill>
@@ -5960,6 +6120,14 @@
                     <a:lnB>
                       <a:noFill/>
                     </a:lnB>
+                    <a:lnTlToBr w="12700" cmpd="sng">
+                      <a:noFill/>
+                      <a:prstDash val="solid"/>
+                    </a:lnTlToBr>
+                    <a:lnBlToTr w="12700" cmpd="sng">
+                      <a:noFill/>
+                      <a:prstDash val="solid"/>
+                    </a:lnBlToTr>
                     <a:solidFill>
                       <a:srgbClr val="E2EFDA"/>
                     </a:solidFill>
@@ -5993,6 +6161,14 @@
                     <a:lnB>
                       <a:noFill/>
                     </a:lnB>
+                    <a:lnTlToBr w="12700" cmpd="sng">
+                      <a:noFill/>
+                      <a:prstDash val="solid"/>
+                    </a:lnTlToBr>
+                    <a:lnBlToTr w="12700" cmpd="sng">
+                      <a:noFill/>
+                      <a:prstDash val="solid"/>
+                    </a:lnBlToTr>
                     <a:solidFill>
                       <a:srgbClr val="E2EFDA"/>
                     </a:solidFill>
@@ -6029,6 +6205,14 @@
                     <a:lnB>
                       <a:noFill/>
                     </a:lnB>
+                    <a:lnTlToBr w="12700" cmpd="sng">
+                      <a:noFill/>
+                      <a:prstDash val="solid"/>
+                    </a:lnTlToBr>
+                    <a:lnBlToTr w="12700" cmpd="sng">
+                      <a:noFill/>
+                      <a:prstDash val="solid"/>
+                    </a:lnBlToTr>
                     <a:solidFill>
                       <a:srgbClr val="E2EFDA"/>
                     </a:solidFill>
@@ -6071,6 +6255,14 @@
                     <a:lnB>
                       <a:noFill/>
                     </a:lnB>
+                    <a:lnTlToBr w="12700" cmpd="sng">
+                      <a:noFill/>
+                      <a:prstDash val="solid"/>
+                    </a:lnTlToBr>
+                    <a:lnBlToTr w="12700" cmpd="sng">
+                      <a:noFill/>
+                      <a:prstDash val="solid"/>
+                    </a:lnBlToTr>
                     <a:solidFill>
                       <a:srgbClr val="E2EFDA"/>
                     </a:solidFill>
@@ -6078,7 +6270,7 @@
                 </a:tc>
                 <a:extLst>
                   <a:ext uri="{0D108BD9-81ED-4DB2-BD59-A6C34878D82A}">
-                    <a16:rowId xmlns:a16="http://schemas.microsoft.com/office/drawing/2014/main" val="4014763246"/>
+                    <a16:rowId xmlns:a16="http://schemas.microsoft.com/office/drawing/2014/main" val="3415176428"/>
                   </a:ext>
                 </a:extLst>
               </a:tr>
@@ -6120,8 +6312,16 @@
                     <a:lnB>
                       <a:noFill/>
                     </a:lnB>
+                    <a:lnTlToBr w="12700" cmpd="sng">
+                      <a:noFill/>
+                      <a:prstDash val="solid"/>
+                    </a:lnTlToBr>
+                    <a:lnBlToTr w="12700" cmpd="sng">
+                      <a:noFill/>
+                      <a:prstDash val="solid"/>
+                    </a:lnBlToTr>
                     <a:solidFill>
-                      <a:srgbClr val="FFF2CC"/>
+                      <a:srgbClr val="F8CBAD"/>
                     </a:solidFill>
                   </a:tcPr>
                 </a:tc>
@@ -6156,8 +6356,16 @@
                     <a:lnB>
                       <a:noFill/>
                     </a:lnB>
+                    <a:lnTlToBr w="12700" cmpd="sng">
+                      <a:noFill/>
+                      <a:prstDash val="solid"/>
+                    </a:lnTlToBr>
+                    <a:lnBlToTr w="12700" cmpd="sng">
+                      <a:noFill/>
+                      <a:prstDash val="solid"/>
+                    </a:lnBlToTr>
                     <a:solidFill>
-                      <a:srgbClr val="FFF2CC"/>
+                      <a:srgbClr val="F8CBAD"/>
                     </a:solidFill>
                   </a:tcPr>
                 </a:tc>
@@ -6192,8 +6400,16 @@
                     <a:lnB>
                       <a:noFill/>
                     </a:lnB>
+                    <a:lnTlToBr w="12700" cmpd="sng">
+                      <a:noFill/>
+                      <a:prstDash val="solid"/>
+                    </a:lnTlToBr>
+                    <a:lnBlToTr w="12700" cmpd="sng">
+                      <a:noFill/>
+                      <a:prstDash val="solid"/>
+                    </a:lnBlToTr>
                     <a:solidFill>
-                      <a:srgbClr val="FFF2CC"/>
+                      <a:srgbClr val="F8CBAD"/>
                     </a:solidFill>
                   </a:tcPr>
                 </a:tc>
@@ -6228,8 +6444,16 @@
                     <a:lnB>
                       <a:noFill/>
                     </a:lnB>
+                    <a:lnTlToBr w="12700" cmpd="sng">
+                      <a:noFill/>
+                      <a:prstDash val="solid"/>
+                    </a:lnTlToBr>
+                    <a:lnBlToTr w="12700" cmpd="sng">
+                      <a:noFill/>
+                      <a:prstDash val="solid"/>
+                    </a:lnBlToTr>
                     <a:solidFill>
-                      <a:srgbClr val="FFF2CC"/>
+                      <a:srgbClr val="F8CBAD"/>
                     </a:solidFill>
                   </a:tcPr>
                 </a:tc>
@@ -6264,8 +6488,16 @@
                     <a:lnB>
                       <a:noFill/>
                     </a:lnB>
+                    <a:lnTlToBr w="12700" cmpd="sng">
+                      <a:noFill/>
+                      <a:prstDash val="solid"/>
+                    </a:lnTlToBr>
+                    <a:lnBlToTr w="12700" cmpd="sng">
+                      <a:noFill/>
+                      <a:prstDash val="solid"/>
+                    </a:lnBlToTr>
                     <a:solidFill>
-                      <a:srgbClr val="FFF2CC"/>
+                      <a:srgbClr val="F8CBAD"/>
                     </a:solidFill>
                   </a:tcPr>
                 </a:tc>
@@ -6300,8 +6532,16 @@
                     <a:lnB>
                       <a:noFill/>
                     </a:lnB>
+                    <a:lnTlToBr w="12700" cmpd="sng">
+                      <a:noFill/>
+                      <a:prstDash val="solid"/>
+                    </a:lnTlToBr>
+                    <a:lnBlToTr w="12700" cmpd="sng">
+                      <a:noFill/>
+                      <a:prstDash val="solid"/>
+                    </a:lnBlToTr>
                     <a:solidFill>
-                      <a:srgbClr val="FFF2CC"/>
+                      <a:srgbClr val="F8CBAD"/>
                     </a:solidFill>
                   </a:tcPr>
                 </a:tc>
@@ -6336,8 +6576,16 @@
                     <a:lnB>
                       <a:noFill/>
                     </a:lnB>
+                    <a:lnTlToBr w="12700" cmpd="sng">
+                      <a:noFill/>
+                      <a:prstDash val="solid"/>
+                    </a:lnTlToBr>
+                    <a:lnBlToTr w="12700" cmpd="sng">
+                      <a:noFill/>
+                      <a:prstDash val="solid"/>
+                    </a:lnBlToTr>
                     <a:solidFill>
-                      <a:srgbClr val="FFF2CC"/>
+                      <a:srgbClr val="F8CBAD"/>
                     </a:solidFill>
                   </a:tcPr>
                 </a:tc>
@@ -6372,8 +6620,16 @@
                     <a:lnB>
                       <a:noFill/>
                     </a:lnB>
+                    <a:lnTlToBr w="12700" cmpd="sng">
+                      <a:noFill/>
+                      <a:prstDash val="solid"/>
+                    </a:lnTlToBr>
+                    <a:lnBlToTr w="12700" cmpd="sng">
+                      <a:noFill/>
+                      <a:prstDash val="solid"/>
+                    </a:lnBlToTr>
                     <a:solidFill>
-                      <a:srgbClr val="FFF2CC"/>
+                      <a:srgbClr val="F8CBAD"/>
                     </a:solidFill>
                   </a:tcPr>
                 </a:tc>
@@ -6408,8 +6664,16 @@
                     <a:lnB>
                       <a:noFill/>
                     </a:lnB>
+                    <a:lnTlToBr w="12700" cmpd="sng">
+                      <a:noFill/>
+                      <a:prstDash val="solid"/>
+                    </a:lnTlToBr>
+                    <a:lnBlToTr w="12700" cmpd="sng">
+                      <a:noFill/>
+                      <a:prstDash val="solid"/>
+                    </a:lnBlToTr>
                     <a:solidFill>
-                      <a:srgbClr val="FFF2CC"/>
+                      <a:srgbClr val="F8CBAD"/>
                     </a:solidFill>
                   </a:tcPr>
                 </a:tc>
@@ -6441,8 +6705,16 @@
                     <a:lnB>
                       <a:noFill/>
                     </a:lnB>
+                    <a:lnTlToBr w="12700" cmpd="sng">
+                      <a:noFill/>
+                      <a:prstDash val="solid"/>
+                    </a:lnTlToBr>
+                    <a:lnBlToTr w="12700" cmpd="sng">
+                      <a:noFill/>
+                      <a:prstDash val="solid"/>
+                    </a:lnBlToTr>
                     <a:solidFill>
-                      <a:srgbClr val="FFF2CC"/>
+                      <a:srgbClr val="F8CBAD"/>
                     </a:solidFill>
                   </a:tcPr>
                 </a:tc>
@@ -6451,17 +6723,14 @@
                     <a:bodyPr/>
                     <a:lstStyle/>
                     <a:p>
-                      <a:pPr algn="r" fontAlgn="b"/>
-                      <a:r>
-                        <a:rPr lang="de-CH" sz="900" b="0" i="0" u="none" strike="noStrike">
-                          <a:solidFill>
-                            <a:srgbClr val="000000"/>
-                          </a:solidFill>
-                          <a:effectLst/>
-                          <a:latin typeface="Calibri" panose="020F0502020204030204" pitchFamily="34" charset="0"/>
-                        </a:rPr>
-                        <a:t>6</a:t>
-                      </a:r>
+                      <a:pPr algn="l" fontAlgn="b"/>
+                      <a:endParaRPr lang="de-CH" sz="900" b="0" i="0" u="none" strike="noStrike">
+                        <a:solidFill>
+                          <a:srgbClr val="000000"/>
+                        </a:solidFill>
+                        <a:effectLst/>
+                        <a:latin typeface="Calibri" panose="020F0502020204030204" pitchFamily="34" charset="0"/>
+                      </a:endParaRPr>
                     </a:p>
                   </a:txBody>
                   <a:tcPr marL="5206" marR="5206" marT="5206" marB="37481" anchor="b">
@@ -6477,8 +6746,16 @@
                     <a:lnB>
                       <a:noFill/>
                     </a:lnB>
+                    <a:lnTlToBr w="12700" cmpd="sng">
+                      <a:noFill/>
+                      <a:prstDash val="solid"/>
+                    </a:lnTlToBr>
+                    <a:lnBlToTr w="12700" cmpd="sng">
+                      <a:noFill/>
+                      <a:prstDash val="solid"/>
+                    </a:lnBlToTr>
                     <a:solidFill>
-                      <a:srgbClr val="FFF2CC"/>
+                      <a:srgbClr val="F8CBAD"/>
                     </a:solidFill>
                   </a:tcPr>
                 </a:tc>
@@ -6496,7 +6773,7 @@
                           <a:effectLst/>
                           <a:latin typeface="Calibri" panose="020F0502020204030204" pitchFamily="34" charset="0"/>
                         </a:rPr>
-                        <a:t>Open?</a:t>
+                        <a:t>Open</a:t>
                       </a:r>
                     </a:p>
                   </a:txBody>
@@ -6519,14 +6796,22 @@
                     <a:lnB>
                       <a:noFill/>
                     </a:lnB>
+                    <a:lnTlToBr w="12700" cmpd="sng">
+                      <a:noFill/>
+                      <a:prstDash val="solid"/>
+                    </a:lnTlToBr>
+                    <a:lnBlToTr w="12700" cmpd="sng">
+                      <a:noFill/>
+                      <a:prstDash val="solid"/>
+                    </a:lnBlToTr>
                     <a:solidFill>
-                      <a:srgbClr val="FFF2CC"/>
+                      <a:srgbClr val="F8CBAD"/>
                     </a:solidFill>
                   </a:tcPr>
                 </a:tc>
                 <a:extLst>
                   <a:ext uri="{0D108BD9-81ED-4DB2-BD59-A6C34878D82A}">
-                    <a16:rowId xmlns:a16="http://schemas.microsoft.com/office/drawing/2014/main" val="2806819934"/>
+                    <a16:rowId xmlns:a16="http://schemas.microsoft.com/office/drawing/2014/main" val="1908175144"/>
                   </a:ext>
                 </a:extLst>
               </a:tr>
@@ -6568,8 +6853,16 @@
                     <a:lnB>
                       <a:noFill/>
                     </a:lnB>
+                    <a:lnTlToBr w="12700" cmpd="sng">
+                      <a:noFill/>
+                      <a:prstDash val="solid"/>
+                    </a:lnTlToBr>
+                    <a:lnBlToTr w="12700" cmpd="sng">
+                      <a:noFill/>
+                      <a:prstDash val="solid"/>
+                    </a:lnBlToTr>
                     <a:solidFill>
-                      <a:srgbClr val="E2EFDA"/>
+                      <a:srgbClr val="F8CBAD"/>
                     </a:solidFill>
                   </a:tcPr>
                 </a:tc>
@@ -6604,8 +6897,16 @@
                     <a:lnB>
                       <a:noFill/>
                     </a:lnB>
+                    <a:lnTlToBr w="12700" cmpd="sng">
+                      <a:noFill/>
+                      <a:prstDash val="solid"/>
+                    </a:lnTlToBr>
+                    <a:lnBlToTr w="12700" cmpd="sng">
+                      <a:noFill/>
+                      <a:prstDash val="solid"/>
+                    </a:lnBlToTr>
                     <a:solidFill>
-                      <a:srgbClr val="E2EFDA"/>
+                      <a:srgbClr val="F8CBAD"/>
                     </a:solidFill>
                   </a:tcPr>
                 </a:tc>
@@ -6640,8 +6941,16 @@
                     <a:lnB>
                       <a:noFill/>
                     </a:lnB>
+                    <a:lnTlToBr w="12700" cmpd="sng">
+                      <a:noFill/>
+                      <a:prstDash val="solid"/>
+                    </a:lnTlToBr>
+                    <a:lnBlToTr w="12700" cmpd="sng">
+                      <a:noFill/>
+                      <a:prstDash val="solid"/>
+                    </a:lnBlToTr>
                     <a:solidFill>
-                      <a:srgbClr val="E2EFDA"/>
+                      <a:srgbClr val="F8CBAD"/>
                     </a:solidFill>
                   </a:tcPr>
                 </a:tc>
@@ -6676,8 +6985,16 @@
                     <a:lnB>
                       <a:noFill/>
                     </a:lnB>
+                    <a:lnTlToBr w="12700" cmpd="sng">
+                      <a:noFill/>
+                      <a:prstDash val="solid"/>
+                    </a:lnTlToBr>
+                    <a:lnBlToTr w="12700" cmpd="sng">
+                      <a:noFill/>
+                      <a:prstDash val="solid"/>
+                    </a:lnBlToTr>
                     <a:solidFill>
-                      <a:srgbClr val="E2EFDA"/>
+                      <a:srgbClr val="F8CBAD"/>
                     </a:solidFill>
                   </a:tcPr>
                 </a:tc>
@@ -6712,8 +7029,16 @@
                     <a:lnB>
                       <a:noFill/>
                     </a:lnB>
+                    <a:lnTlToBr w="12700" cmpd="sng">
+                      <a:noFill/>
+                      <a:prstDash val="solid"/>
+                    </a:lnTlToBr>
+                    <a:lnBlToTr w="12700" cmpd="sng">
+                      <a:noFill/>
+                      <a:prstDash val="solid"/>
+                    </a:lnBlToTr>
                     <a:solidFill>
-                      <a:srgbClr val="E2EFDA"/>
+                      <a:srgbClr val="F8CBAD"/>
                     </a:solidFill>
                   </a:tcPr>
                 </a:tc>
@@ -6748,8 +7073,16 @@
                     <a:lnB>
                       <a:noFill/>
                     </a:lnB>
+                    <a:lnTlToBr w="12700" cmpd="sng">
+                      <a:noFill/>
+                      <a:prstDash val="solid"/>
+                    </a:lnTlToBr>
+                    <a:lnBlToTr w="12700" cmpd="sng">
+                      <a:noFill/>
+                      <a:prstDash val="solid"/>
+                    </a:lnBlToTr>
                     <a:solidFill>
-                      <a:srgbClr val="E2EFDA"/>
+                      <a:srgbClr val="F8CBAD"/>
                     </a:solidFill>
                   </a:tcPr>
                 </a:tc>
@@ -6784,8 +7117,16 @@
                     <a:lnB>
                       <a:noFill/>
                     </a:lnB>
+                    <a:lnTlToBr w="12700" cmpd="sng">
+                      <a:noFill/>
+                      <a:prstDash val="solid"/>
+                    </a:lnTlToBr>
+                    <a:lnBlToTr w="12700" cmpd="sng">
+                      <a:noFill/>
+                      <a:prstDash val="solid"/>
+                    </a:lnBlToTr>
                     <a:solidFill>
-                      <a:srgbClr val="E2EFDA"/>
+                      <a:srgbClr val="F8CBAD"/>
                     </a:solidFill>
                   </a:tcPr>
                 </a:tc>
@@ -6820,8 +7161,16 @@
                     <a:lnB>
                       <a:noFill/>
                     </a:lnB>
+                    <a:lnTlToBr w="12700" cmpd="sng">
+                      <a:noFill/>
+                      <a:prstDash val="solid"/>
+                    </a:lnTlToBr>
+                    <a:lnBlToTr w="12700" cmpd="sng">
+                      <a:noFill/>
+                      <a:prstDash val="solid"/>
+                    </a:lnBlToTr>
                     <a:solidFill>
-                      <a:srgbClr val="E2EFDA"/>
+                      <a:srgbClr val="F8CBAD"/>
                     </a:solidFill>
                   </a:tcPr>
                 </a:tc>
@@ -6856,8 +7205,16 @@
                     <a:lnB>
                       <a:noFill/>
                     </a:lnB>
+                    <a:lnTlToBr w="12700" cmpd="sng">
+                      <a:noFill/>
+                      <a:prstDash val="solid"/>
+                    </a:lnTlToBr>
+                    <a:lnBlToTr w="12700" cmpd="sng">
+                      <a:noFill/>
+                      <a:prstDash val="solid"/>
+                    </a:lnBlToTr>
                     <a:solidFill>
-                      <a:srgbClr val="E2EFDA"/>
+                      <a:srgbClr val="F8CBAD"/>
                     </a:solidFill>
                   </a:tcPr>
                 </a:tc>
@@ -6889,6 +7246,555 @@
                     <a:lnB>
                       <a:noFill/>
                     </a:lnB>
+                    <a:lnTlToBr w="12700" cmpd="sng">
+                      <a:noFill/>
+                      <a:prstDash val="solid"/>
+                    </a:lnTlToBr>
+                    <a:lnBlToTr w="12700" cmpd="sng">
+                      <a:noFill/>
+                      <a:prstDash val="solid"/>
+                    </a:lnBlToTr>
+                    <a:solidFill>
+                      <a:srgbClr val="F8CBAD"/>
+                    </a:solidFill>
+                  </a:tcPr>
+                </a:tc>
+                <a:tc>
+                  <a:txBody>
+                    <a:bodyPr/>
+                    <a:lstStyle/>
+                    <a:p>
+                      <a:pPr algn="l" fontAlgn="b"/>
+                      <a:endParaRPr lang="de-CH" sz="900" b="0" i="0" u="none" strike="noStrike">
+                        <a:solidFill>
+                          <a:srgbClr val="000000"/>
+                        </a:solidFill>
+                        <a:effectLst/>
+                        <a:latin typeface="Calibri" panose="020F0502020204030204" pitchFamily="34" charset="0"/>
+                      </a:endParaRPr>
+                    </a:p>
+                  </a:txBody>
+                  <a:tcPr marL="5206" marR="5206" marT="5206" marB="37481" anchor="b">
+                    <a:lnL>
+                      <a:noFill/>
+                    </a:lnL>
+                    <a:lnR>
+                      <a:noFill/>
+                    </a:lnR>
+                    <a:lnT>
+                      <a:noFill/>
+                    </a:lnT>
+                    <a:lnB>
+                      <a:noFill/>
+                    </a:lnB>
+                    <a:lnTlToBr w="12700" cmpd="sng">
+                      <a:noFill/>
+                      <a:prstDash val="solid"/>
+                    </a:lnTlToBr>
+                    <a:lnBlToTr w="12700" cmpd="sng">
+                      <a:noFill/>
+                      <a:prstDash val="solid"/>
+                    </a:lnBlToTr>
+                    <a:solidFill>
+                      <a:srgbClr val="F8CBAD"/>
+                    </a:solidFill>
+                  </a:tcPr>
+                </a:tc>
+                <a:tc>
+                  <a:txBody>
+                    <a:bodyPr/>
+                    <a:lstStyle/>
+                    <a:p>
+                      <a:pPr algn="l" fontAlgn="b"/>
+                      <a:r>
+                        <a:rPr lang="de-CH" sz="900" b="0" i="0" u="none" strike="noStrike">
+                          <a:solidFill>
+                            <a:srgbClr val="000000"/>
+                          </a:solidFill>
+                          <a:effectLst/>
+                          <a:latin typeface="Calibri" panose="020F0502020204030204" pitchFamily="34" charset="0"/>
+                        </a:rPr>
+                        <a:t>Open</a:t>
+                      </a:r>
+                    </a:p>
+                  </a:txBody>
+                  <a:tcPr marL="5206" marR="5206" marT="5206" marB="37481" anchor="b">
+                    <a:lnL>
+                      <a:noFill/>
+                    </a:lnL>
+                    <a:lnR w="12700" cap="flat" cmpd="sng" algn="ctr">
+                      <a:solidFill>
+                        <a:schemeClr val="tx1"/>
+                      </a:solidFill>
+                      <a:prstDash val="solid"/>
+                      <a:round/>
+                      <a:headEnd type="none" w="med" len="med"/>
+                      <a:tailEnd type="none" w="med" len="med"/>
+                    </a:lnR>
+                    <a:lnT>
+                      <a:noFill/>
+                    </a:lnT>
+                    <a:lnB>
+                      <a:noFill/>
+                    </a:lnB>
+                    <a:lnTlToBr w="12700" cmpd="sng">
+                      <a:noFill/>
+                      <a:prstDash val="solid"/>
+                    </a:lnTlToBr>
+                    <a:lnBlToTr w="12700" cmpd="sng">
+                      <a:noFill/>
+                      <a:prstDash val="solid"/>
+                    </a:lnBlToTr>
+                    <a:solidFill>
+                      <a:srgbClr val="F8CBAD"/>
+                    </a:solidFill>
+                  </a:tcPr>
+                </a:tc>
+                <a:extLst>
+                  <a:ext uri="{0D108BD9-81ED-4DB2-BD59-A6C34878D82A}">
+                    <a16:rowId xmlns:a16="http://schemas.microsoft.com/office/drawing/2014/main" val="3387922157"/>
+                  </a:ext>
+                </a:extLst>
+              </a:tr>
+              <a:tr h="317550">
+                <a:tc>
+                  <a:txBody>
+                    <a:bodyPr/>
+                    <a:lstStyle/>
+                    <a:p>
+                      <a:pPr algn="r" fontAlgn="b"/>
+                      <a:r>
+                        <a:rPr lang="de-CH" sz="900" b="0" i="0" u="none" strike="noStrike">
+                          <a:solidFill>
+                            <a:srgbClr val="000000"/>
+                          </a:solidFill>
+                          <a:effectLst/>
+                          <a:latin typeface="Calibri" panose="020F0502020204030204" pitchFamily="34" charset="0"/>
+                        </a:rPr>
+                        <a:t>1.3</a:t>
+                      </a:r>
+                    </a:p>
+                  </a:txBody>
+                  <a:tcPr marL="5206" marR="5206" marT="5206" marB="37481" anchor="b">
+                    <a:lnL w="12700" cap="flat" cmpd="sng" algn="ctr">
+                      <a:solidFill>
+                        <a:schemeClr val="tx1"/>
+                      </a:solidFill>
+                      <a:prstDash val="solid"/>
+                      <a:round/>
+                      <a:headEnd type="none" w="med" len="med"/>
+                      <a:tailEnd type="none" w="med" len="med"/>
+                    </a:lnL>
+                    <a:lnR>
+                      <a:noFill/>
+                    </a:lnR>
+                    <a:lnT>
+                      <a:noFill/>
+                    </a:lnT>
+                    <a:lnB>
+                      <a:noFill/>
+                    </a:lnB>
+                    <a:lnTlToBr w="12700" cmpd="sng">
+                      <a:noFill/>
+                      <a:prstDash val="solid"/>
+                    </a:lnTlToBr>
+                    <a:lnBlToTr w="12700" cmpd="sng">
+                      <a:noFill/>
+                      <a:prstDash val="solid"/>
+                    </a:lnBlToTr>
+                    <a:solidFill>
+                      <a:srgbClr val="E2EFDA"/>
+                    </a:solidFill>
+                  </a:tcPr>
+                </a:tc>
+                <a:tc>
+                  <a:txBody>
+                    <a:bodyPr/>
+                    <a:lstStyle/>
+                    <a:p>
+                      <a:pPr algn="r" fontAlgn="b"/>
+                      <a:r>
+                        <a:rPr lang="de-CH" sz="900" b="0" i="0" u="none" strike="noStrike">
+                          <a:solidFill>
+                            <a:srgbClr val="000000"/>
+                          </a:solidFill>
+                          <a:effectLst/>
+                          <a:latin typeface="Calibri" panose="020F0502020204030204" pitchFamily="34" charset="0"/>
+                        </a:rPr>
+                        <a:t>1</a:t>
+                      </a:r>
+                    </a:p>
+                  </a:txBody>
+                  <a:tcPr marL="5206" marR="5206" marT="5206" marB="37481" anchor="b">
+                    <a:lnL>
+                      <a:noFill/>
+                    </a:lnL>
+                    <a:lnR>
+                      <a:noFill/>
+                    </a:lnR>
+                    <a:lnT>
+                      <a:noFill/>
+                    </a:lnT>
+                    <a:lnB>
+                      <a:noFill/>
+                    </a:lnB>
+                    <a:lnTlToBr w="12700" cmpd="sng">
+                      <a:noFill/>
+                      <a:prstDash val="solid"/>
+                    </a:lnTlToBr>
+                    <a:lnBlToTr w="12700" cmpd="sng">
+                      <a:noFill/>
+                      <a:prstDash val="solid"/>
+                    </a:lnBlToTr>
+                    <a:solidFill>
+                      <a:srgbClr val="E2EFDA"/>
+                    </a:solidFill>
+                  </a:tcPr>
+                </a:tc>
+                <a:tc>
+                  <a:txBody>
+                    <a:bodyPr/>
+                    <a:lstStyle/>
+                    <a:p>
+                      <a:pPr algn="l" fontAlgn="b"/>
+                      <a:r>
+                        <a:rPr lang="de-CH" sz="900" b="0" i="0" u="none" strike="noStrike">
+                          <a:solidFill>
+                            <a:srgbClr val="000000"/>
+                          </a:solidFill>
+                          <a:effectLst/>
+                          <a:latin typeface="Calibri" panose="020F0502020204030204" pitchFamily="34" charset="0"/>
+                        </a:rPr>
+                        <a:t>Manage patient</a:t>
+                      </a:r>
+                    </a:p>
+                  </a:txBody>
+                  <a:tcPr marL="5206" marR="5206" marT="5206" marB="37481" anchor="b">
+                    <a:lnL>
+                      <a:noFill/>
+                    </a:lnL>
+                    <a:lnR>
+                      <a:noFill/>
+                    </a:lnR>
+                    <a:lnT>
+                      <a:noFill/>
+                    </a:lnT>
+                    <a:lnB>
+                      <a:noFill/>
+                    </a:lnB>
+                    <a:lnTlToBr w="12700" cmpd="sng">
+                      <a:noFill/>
+                      <a:prstDash val="solid"/>
+                    </a:lnTlToBr>
+                    <a:lnBlToTr w="12700" cmpd="sng">
+                      <a:noFill/>
+                      <a:prstDash val="solid"/>
+                    </a:lnBlToTr>
+                    <a:solidFill>
+                      <a:srgbClr val="E2EFDA"/>
+                    </a:solidFill>
+                  </a:tcPr>
+                </a:tc>
+                <a:tc>
+                  <a:txBody>
+                    <a:bodyPr/>
+                    <a:lstStyle/>
+                    <a:p>
+                      <a:pPr algn="l" fontAlgn="b"/>
+                      <a:r>
+                        <a:rPr lang="en-US" sz="900" b="0" i="0" u="none" strike="noStrike">
+                          <a:solidFill>
+                            <a:srgbClr val="000000"/>
+                          </a:solidFill>
+                          <a:effectLst/>
+                          <a:latin typeface="Calibri" panose="020F0502020204030204" pitchFamily="34" charset="0"/>
+                        </a:rPr>
+                        <a:t>Implenment Service and Class, providing a template for all future implementations</a:t>
+                      </a:r>
+                    </a:p>
+                  </a:txBody>
+                  <a:tcPr marL="5206" marR="5206" marT="5206" marB="37481" anchor="b">
+                    <a:lnL>
+                      <a:noFill/>
+                    </a:lnL>
+                    <a:lnR>
+                      <a:noFill/>
+                    </a:lnR>
+                    <a:lnT>
+                      <a:noFill/>
+                    </a:lnT>
+                    <a:lnB>
+                      <a:noFill/>
+                    </a:lnB>
+                    <a:lnTlToBr w="12700" cmpd="sng">
+                      <a:noFill/>
+                      <a:prstDash val="solid"/>
+                    </a:lnTlToBr>
+                    <a:lnBlToTr w="12700" cmpd="sng">
+                      <a:noFill/>
+                      <a:prstDash val="solid"/>
+                    </a:lnBlToTr>
+                    <a:solidFill>
+                      <a:srgbClr val="E2EFDA"/>
+                    </a:solidFill>
+                  </a:tcPr>
+                </a:tc>
+                <a:tc>
+                  <a:txBody>
+                    <a:bodyPr/>
+                    <a:lstStyle/>
+                    <a:p>
+                      <a:pPr algn="l" fontAlgn="b"/>
+                      <a:r>
+                        <a:rPr lang="de-CH" sz="900" b="0" i="0" u="none" strike="noStrike">
+                          <a:solidFill>
+                            <a:srgbClr val="000000"/>
+                          </a:solidFill>
+                          <a:effectLst/>
+                          <a:latin typeface="Calibri" panose="020F0502020204030204" pitchFamily="34" charset="0"/>
+                        </a:rPr>
+                        <a:t>Model, Services</a:t>
+                      </a:r>
+                    </a:p>
+                  </a:txBody>
+                  <a:tcPr marL="5206" marR="5206" marT="5206" marB="37481" anchor="b">
+                    <a:lnL>
+                      <a:noFill/>
+                    </a:lnL>
+                    <a:lnR>
+                      <a:noFill/>
+                    </a:lnR>
+                    <a:lnT>
+                      <a:noFill/>
+                    </a:lnT>
+                    <a:lnB>
+                      <a:noFill/>
+                    </a:lnB>
+                    <a:lnTlToBr w="12700" cmpd="sng">
+                      <a:noFill/>
+                      <a:prstDash val="solid"/>
+                    </a:lnTlToBr>
+                    <a:lnBlToTr w="12700" cmpd="sng">
+                      <a:noFill/>
+                      <a:prstDash val="solid"/>
+                    </a:lnBlToTr>
+                    <a:solidFill>
+                      <a:srgbClr val="E2EFDA"/>
+                    </a:solidFill>
+                  </a:tcPr>
+                </a:tc>
+                <a:tc>
+                  <a:txBody>
+                    <a:bodyPr/>
+                    <a:lstStyle/>
+                    <a:p>
+                      <a:pPr algn="l" fontAlgn="b"/>
+                      <a:r>
+                        <a:rPr lang="de-CH" sz="900" b="0" i="0" u="none" strike="noStrike">
+                          <a:solidFill>
+                            <a:srgbClr val="000000"/>
+                          </a:solidFill>
+                          <a:effectLst/>
+                          <a:latin typeface="Calibri" panose="020F0502020204030204" pitchFamily="34" charset="0"/>
+                        </a:rPr>
+                        <a:t>Samuel</a:t>
+                      </a:r>
+                    </a:p>
+                  </a:txBody>
+                  <a:tcPr marL="5206" marR="5206" marT="5206" marB="37481" anchor="b">
+                    <a:lnL>
+                      <a:noFill/>
+                    </a:lnL>
+                    <a:lnR>
+                      <a:noFill/>
+                    </a:lnR>
+                    <a:lnT>
+                      <a:noFill/>
+                    </a:lnT>
+                    <a:lnB>
+                      <a:noFill/>
+                    </a:lnB>
+                    <a:lnTlToBr w="12700" cmpd="sng">
+                      <a:noFill/>
+                      <a:prstDash val="solid"/>
+                    </a:lnTlToBr>
+                    <a:lnBlToTr w="12700" cmpd="sng">
+                      <a:noFill/>
+                      <a:prstDash val="solid"/>
+                    </a:lnBlToTr>
+                    <a:solidFill>
+                      <a:srgbClr val="E2EFDA"/>
+                    </a:solidFill>
+                  </a:tcPr>
+                </a:tc>
+                <a:tc>
+                  <a:txBody>
+                    <a:bodyPr/>
+                    <a:lstStyle/>
+                    <a:p>
+                      <a:pPr algn="l" fontAlgn="b"/>
+                      <a:r>
+                        <a:rPr lang="de-CH" sz="900" b="0" i="0" u="none" strike="noStrike">
+                          <a:solidFill>
+                            <a:srgbClr val="000000"/>
+                          </a:solidFill>
+                          <a:effectLst/>
+                          <a:latin typeface="Calibri" panose="020F0502020204030204" pitchFamily="34" charset="0"/>
+                        </a:rPr>
+                        <a:t>Rolf</a:t>
+                      </a:r>
+                    </a:p>
+                  </a:txBody>
+                  <a:tcPr marL="5206" marR="5206" marT="5206" marB="37481" anchor="b">
+                    <a:lnL>
+                      <a:noFill/>
+                    </a:lnL>
+                    <a:lnR>
+                      <a:noFill/>
+                    </a:lnR>
+                    <a:lnT>
+                      <a:noFill/>
+                    </a:lnT>
+                    <a:lnB>
+                      <a:noFill/>
+                    </a:lnB>
+                    <a:lnTlToBr w="12700" cmpd="sng">
+                      <a:noFill/>
+                      <a:prstDash val="solid"/>
+                    </a:lnTlToBr>
+                    <a:lnBlToTr w="12700" cmpd="sng">
+                      <a:noFill/>
+                      <a:prstDash val="solid"/>
+                    </a:lnBlToTr>
+                    <a:solidFill>
+                      <a:srgbClr val="E2EFDA"/>
+                    </a:solidFill>
+                  </a:tcPr>
+                </a:tc>
+                <a:tc>
+                  <a:txBody>
+                    <a:bodyPr/>
+                    <a:lstStyle/>
+                    <a:p>
+                      <a:pPr algn="l" fontAlgn="b"/>
+                      <a:r>
+                        <a:rPr lang="de-CH" sz="900" b="0" i="0" u="none" strike="noStrike">
+                          <a:solidFill>
+                            <a:srgbClr val="000000"/>
+                          </a:solidFill>
+                          <a:effectLst/>
+                          <a:latin typeface="Calibri" panose="020F0502020204030204" pitchFamily="34" charset="0"/>
+                        </a:rPr>
+                        <a:t>medium</a:t>
+                      </a:r>
+                    </a:p>
+                  </a:txBody>
+                  <a:tcPr marL="5206" marR="5206" marT="5206" marB="37481" anchor="b">
+                    <a:lnL>
+                      <a:noFill/>
+                    </a:lnL>
+                    <a:lnR>
+                      <a:noFill/>
+                    </a:lnR>
+                    <a:lnT>
+                      <a:noFill/>
+                    </a:lnT>
+                    <a:lnB>
+                      <a:noFill/>
+                    </a:lnB>
+                    <a:lnTlToBr w="12700" cmpd="sng">
+                      <a:noFill/>
+                      <a:prstDash val="solid"/>
+                    </a:lnTlToBr>
+                    <a:lnBlToTr w="12700" cmpd="sng">
+                      <a:noFill/>
+                      <a:prstDash val="solid"/>
+                    </a:lnBlToTr>
+                    <a:solidFill>
+                      <a:srgbClr val="E2EFDA"/>
+                    </a:solidFill>
+                  </a:tcPr>
+                </a:tc>
+                <a:tc>
+                  <a:txBody>
+                    <a:bodyPr/>
+                    <a:lstStyle/>
+                    <a:p>
+                      <a:pPr algn="r" fontAlgn="b"/>
+                      <a:r>
+                        <a:rPr lang="de-CH" sz="900" b="0" i="0" u="none" strike="noStrike">
+                          <a:solidFill>
+                            <a:srgbClr val="000000"/>
+                          </a:solidFill>
+                          <a:effectLst/>
+                          <a:latin typeface="Calibri" panose="020F0502020204030204" pitchFamily="34" charset="0"/>
+                        </a:rPr>
+                        <a:t>4</a:t>
+                      </a:r>
+                    </a:p>
+                  </a:txBody>
+                  <a:tcPr marL="5206" marR="5206" marT="5206" marB="37481" anchor="b">
+                    <a:lnL>
+                      <a:noFill/>
+                    </a:lnL>
+                    <a:lnR>
+                      <a:noFill/>
+                    </a:lnR>
+                    <a:lnT>
+                      <a:noFill/>
+                    </a:lnT>
+                    <a:lnB>
+                      <a:noFill/>
+                    </a:lnB>
+                    <a:lnTlToBr w="12700" cmpd="sng">
+                      <a:noFill/>
+                      <a:prstDash val="solid"/>
+                    </a:lnTlToBr>
+                    <a:lnBlToTr w="12700" cmpd="sng">
+                      <a:noFill/>
+                      <a:prstDash val="solid"/>
+                    </a:lnBlToTr>
+                    <a:solidFill>
+                      <a:srgbClr val="E2EFDA"/>
+                    </a:solidFill>
+                  </a:tcPr>
+                </a:tc>
+                <a:tc>
+                  <a:txBody>
+                    <a:bodyPr/>
+                    <a:lstStyle/>
+                    <a:p>
+                      <a:pPr algn="l" fontAlgn="b"/>
+                      <a:endParaRPr lang="de-CH" sz="900" b="0" i="0" u="none" strike="noStrike">
+                        <a:solidFill>
+                          <a:srgbClr val="000000"/>
+                        </a:solidFill>
+                        <a:effectLst/>
+                        <a:latin typeface="Calibri" panose="020F0502020204030204" pitchFamily="34" charset="0"/>
+                      </a:endParaRPr>
+                    </a:p>
+                  </a:txBody>
+                  <a:tcPr marL="5206" marR="5206" marT="5206" marB="37481" anchor="b">
+                    <a:lnL>
+                      <a:noFill/>
+                    </a:lnL>
+                    <a:lnR>
+                      <a:noFill/>
+                    </a:lnR>
+                    <a:lnT>
+                      <a:noFill/>
+                    </a:lnT>
+                    <a:lnB>
+                      <a:noFill/>
+                    </a:lnB>
+                    <a:lnTlToBr w="12700" cmpd="sng">
+                      <a:noFill/>
+                      <a:prstDash val="solid"/>
+                    </a:lnTlToBr>
+                    <a:lnBlToTr w="12700" cmpd="sng">
+                      <a:noFill/>
+                      <a:prstDash val="solid"/>
+                    </a:lnBlToTr>
                     <a:solidFill>
                       <a:srgbClr val="E2EFDA"/>
                     </a:solidFill>
@@ -6925,6 +7831,14 @@
                     <a:lnB>
                       <a:noFill/>
                     </a:lnB>
+                    <a:lnTlToBr w="12700" cmpd="sng">
+                      <a:noFill/>
+                      <a:prstDash val="solid"/>
+                    </a:lnTlToBr>
+                    <a:lnBlToTr w="12700" cmpd="sng">
+                      <a:noFill/>
+                      <a:prstDash val="solid"/>
+                    </a:lnBlToTr>
                     <a:solidFill>
                       <a:srgbClr val="E2EFDA"/>
                     </a:solidFill>
@@ -6967,6 +7881,14 @@
                     <a:lnB>
                       <a:noFill/>
                     </a:lnB>
+                    <a:lnTlToBr w="12700" cmpd="sng">
+                      <a:noFill/>
+                      <a:prstDash val="solid"/>
+                    </a:lnTlToBr>
+                    <a:lnBlToTr w="12700" cmpd="sng">
+                      <a:noFill/>
+                      <a:prstDash val="solid"/>
+                    </a:lnBlToTr>
                     <a:solidFill>
                       <a:srgbClr val="E2EFDA"/>
                     </a:solidFill>
@@ -6974,11 +7896,11 @@
                 </a:tc>
                 <a:extLst>
                   <a:ext uri="{0D108BD9-81ED-4DB2-BD59-A6C34878D82A}">
-                    <a16:rowId xmlns:a16="http://schemas.microsoft.com/office/drawing/2014/main" val="3163629536"/>
+                    <a16:rowId xmlns:a16="http://schemas.microsoft.com/office/drawing/2014/main" val="729513446"/>
                   </a:ext>
                 </a:extLst>
               </a:tr>
-              <a:tr h="317550">
+              <a:tr h="180119">
                 <a:tc>
                   <a:txBody>
                     <a:bodyPr/>
@@ -6993,7 +7915,7 @@
                           <a:effectLst/>
                           <a:latin typeface="Calibri" panose="020F0502020204030204" pitchFamily="34" charset="0"/>
                         </a:rPr>
-                        <a:t>1.3</a:t>
+                        <a:t>0.1</a:t>
                       </a:r>
                     </a:p>
                   </a:txBody>
@@ -7016,8 +7938,16 @@
                     <a:lnB>
                       <a:noFill/>
                     </a:lnB>
+                    <a:lnTlToBr w="12700" cmpd="sng">
+                      <a:noFill/>
+                      <a:prstDash val="solid"/>
+                    </a:lnTlToBr>
+                    <a:lnBlToTr w="12700" cmpd="sng">
+                      <a:noFill/>
+                      <a:prstDash val="solid"/>
+                    </a:lnBlToTr>
                     <a:solidFill>
-                      <a:srgbClr val="FFF2CC"/>
+                      <a:srgbClr val="E2EFDA"/>
                     </a:solidFill>
                   </a:tcPr>
                 </a:tc>
@@ -7052,8 +7982,16 @@
                     <a:lnB>
                       <a:noFill/>
                     </a:lnB>
+                    <a:lnTlToBr w="12700" cmpd="sng">
+                      <a:noFill/>
+                      <a:prstDash val="solid"/>
+                    </a:lnTlToBr>
+                    <a:lnBlToTr w="12700" cmpd="sng">
+                      <a:noFill/>
+                      <a:prstDash val="solid"/>
+                    </a:lnBlToTr>
                     <a:solidFill>
-                      <a:srgbClr val="FFF2CC"/>
+                      <a:srgbClr val="E2EFDA"/>
                     </a:solidFill>
                   </a:tcPr>
                 </a:tc>
@@ -7071,7 +8009,7 @@
                           <a:effectLst/>
                           <a:latin typeface="Calibri" panose="020F0502020204030204" pitchFamily="34" charset="0"/>
                         </a:rPr>
-                        <a:t>Manage patient</a:t>
+                        <a:t>Basic project setup</a:t>
                       </a:r>
                     </a:p>
                   </a:txBody>
@@ -7088,8 +8026,1104 @@
                     <a:lnB>
                       <a:noFill/>
                     </a:lnB>
+                    <a:lnTlToBr w="12700" cmpd="sng">
+                      <a:noFill/>
+                      <a:prstDash val="solid"/>
+                    </a:lnTlToBr>
+                    <a:lnBlToTr w="12700" cmpd="sng">
+                      <a:noFill/>
+                      <a:prstDash val="solid"/>
+                    </a:lnBlToTr>
                     <a:solidFill>
-                      <a:srgbClr val="FFF2CC"/>
+                      <a:srgbClr val="E2EFDA"/>
+                    </a:solidFill>
+                  </a:tcPr>
+                </a:tc>
+                <a:tc>
+                  <a:txBody>
+                    <a:bodyPr/>
+                    <a:lstStyle/>
+                    <a:p>
+                      <a:pPr algn="l" fontAlgn="b"/>
+                      <a:r>
+                        <a:rPr lang="de-CH" sz="900" b="0" i="0" u="none" strike="noStrike">
+                          <a:solidFill>
+                            <a:srgbClr val="000000"/>
+                          </a:solidFill>
+                          <a:effectLst/>
+                          <a:latin typeface="Calibri" panose="020F0502020204030204" pitchFamily="34" charset="0"/>
+                        </a:rPr>
+                        <a:t>Create empty packages/classes etc…</a:t>
+                      </a:r>
+                    </a:p>
+                  </a:txBody>
+                  <a:tcPr marL="5206" marR="5206" marT="5206" marB="37481" anchor="b">
+                    <a:lnL>
+                      <a:noFill/>
+                    </a:lnL>
+                    <a:lnR>
+                      <a:noFill/>
+                    </a:lnR>
+                    <a:lnT>
+                      <a:noFill/>
+                    </a:lnT>
+                    <a:lnB>
+                      <a:noFill/>
+                    </a:lnB>
+                    <a:lnTlToBr w="12700" cmpd="sng">
+                      <a:noFill/>
+                      <a:prstDash val="solid"/>
+                    </a:lnTlToBr>
+                    <a:lnBlToTr w="12700" cmpd="sng">
+                      <a:noFill/>
+                      <a:prstDash val="solid"/>
+                    </a:lnBlToTr>
+                    <a:solidFill>
+                      <a:srgbClr val="E2EFDA"/>
+                    </a:solidFill>
+                  </a:tcPr>
+                </a:tc>
+                <a:tc>
+                  <a:txBody>
+                    <a:bodyPr/>
+                    <a:lstStyle/>
+                    <a:p>
+                      <a:pPr algn="l" fontAlgn="b"/>
+                      <a:r>
+                        <a:rPr lang="de-CH" sz="900" b="0" i="0" u="none" strike="noStrike">
+                          <a:solidFill>
+                            <a:srgbClr val="000000"/>
+                          </a:solidFill>
+                          <a:effectLst/>
+                          <a:latin typeface="Calibri" panose="020F0502020204030204" pitchFamily="34" charset="0"/>
+                        </a:rPr>
+                        <a:t>Implementation</a:t>
+                      </a:r>
+                    </a:p>
+                  </a:txBody>
+                  <a:tcPr marL="5206" marR="5206" marT="5206" marB="37481" anchor="b">
+                    <a:lnL>
+                      <a:noFill/>
+                    </a:lnL>
+                    <a:lnR>
+                      <a:noFill/>
+                    </a:lnR>
+                    <a:lnT>
+                      <a:noFill/>
+                    </a:lnT>
+                    <a:lnB>
+                      <a:noFill/>
+                    </a:lnB>
+                    <a:lnTlToBr w="12700" cmpd="sng">
+                      <a:noFill/>
+                      <a:prstDash val="solid"/>
+                    </a:lnTlToBr>
+                    <a:lnBlToTr w="12700" cmpd="sng">
+                      <a:noFill/>
+                      <a:prstDash val="solid"/>
+                    </a:lnBlToTr>
+                    <a:solidFill>
+                      <a:srgbClr val="E2EFDA"/>
+                    </a:solidFill>
+                  </a:tcPr>
+                </a:tc>
+                <a:tc>
+                  <a:txBody>
+                    <a:bodyPr/>
+                    <a:lstStyle/>
+                    <a:p>
+                      <a:pPr algn="l" fontAlgn="b"/>
+                      <a:r>
+                        <a:rPr lang="de-CH" sz="900" b="0" i="0" u="none" strike="noStrike">
+                          <a:solidFill>
+                            <a:srgbClr val="000000"/>
+                          </a:solidFill>
+                          <a:effectLst/>
+                          <a:latin typeface="Calibri" panose="020F0502020204030204" pitchFamily="34" charset="0"/>
+                        </a:rPr>
+                        <a:t>All</a:t>
+                      </a:r>
+                    </a:p>
+                  </a:txBody>
+                  <a:tcPr marL="5206" marR="5206" marT="5206" marB="37481" anchor="b">
+                    <a:lnL>
+                      <a:noFill/>
+                    </a:lnL>
+                    <a:lnR>
+                      <a:noFill/>
+                    </a:lnR>
+                    <a:lnT>
+                      <a:noFill/>
+                    </a:lnT>
+                    <a:lnB>
+                      <a:noFill/>
+                    </a:lnB>
+                    <a:lnTlToBr w="12700" cmpd="sng">
+                      <a:noFill/>
+                      <a:prstDash val="solid"/>
+                    </a:lnTlToBr>
+                    <a:lnBlToTr w="12700" cmpd="sng">
+                      <a:noFill/>
+                      <a:prstDash val="solid"/>
+                    </a:lnBlToTr>
+                    <a:solidFill>
+                      <a:srgbClr val="E2EFDA"/>
+                    </a:solidFill>
+                  </a:tcPr>
+                </a:tc>
+                <a:tc>
+                  <a:txBody>
+                    <a:bodyPr/>
+                    <a:lstStyle/>
+                    <a:p>
+                      <a:pPr algn="l" fontAlgn="b"/>
+                      <a:r>
+                        <a:rPr lang="de-CH" sz="900" b="0" i="0" u="none" strike="noStrike">
+                          <a:solidFill>
+                            <a:srgbClr val="000000"/>
+                          </a:solidFill>
+                          <a:effectLst/>
+                          <a:latin typeface="Calibri" panose="020F0502020204030204" pitchFamily="34" charset="0"/>
+                        </a:rPr>
+                        <a:t>All</a:t>
+                      </a:r>
+                    </a:p>
+                  </a:txBody>
+                  <a:tcPr marL="5206" marR="5206" marT="5206" marB="37481" anchor="b">
+                    <a:lnL>
+                      <a:noFill/>
+                    </a:lnL>
+                    <a:lnR>
+                      <a:noFill/>
+                    </a:lnR>
+                    <a:lnT>
+                      <a:noFill/>
+                    </a:lnT>
+                    <a:lnB>
+                      <a:noFill/>
+                    </a:lnB>
+                    <a:lnTlToBr w="12700" cmpd="sng">
+                      <a:noFill/>
+                      <a:prstDash val="solid"/>
+                    </a:lnTlToBr>
+                    <a:lnBlToTr w="12700" cmpd="sng">
+                      <a:noFill/>
+                      <a:prstDash val="solid"/>
+                    </a:lnBlToTr>
+                    <a:solidFill>
+                      <a:srgbClr val="E2EFDA"/>
+                    </a:solidFill>
+                  </a:tcPr>
+                </a:tc>
+                <a:tc>
+                  <a:txBody>
+                    <a:bodyPr/>
+                    <a:lstStyle/>
+                    <a:p>
+                      <a:pPr algn="l" fontAlgn="b"/>
+                      <a:r>
+                        <a:rPr lang="de-CH" sz="900" b="0" i="0" u="none" strike="noStrike">
+                          <a:solidFill>
+                            <a:srgbClr val="000000"/>
+                          </a:solidFill>
+                          <a:effectLst/>
+                          <a:latin typeface="Calibri" panose="020F0502020204030204" pitchFamily="34" charset="0"/>
+                        </a:rPr>
+                        <a:t>high</a:t>
+                      </a:r>
+                    </a:p>
+                  </a:txBody>
+                  <a:tcPr marL="5206" marR="5206" marT="5206" marB="37481" anchor="b">
+                    <a:lnL>
+                      <a:noFill/>
+                    </a:lnL>
+                    <a:lnR>
+                      <a:noFill/>
+                    </a:lnR>
+                    <a:lnT>
+                      <a:noFill/>
+                    </a:lnT>
+                    <a:lnB>
+                      <a:noFill/>
+                    </a:lnB>
+                    <a:lnTlToBr w="12700" cmpd="sng">
+                      <a:noFill/>
+                      <a:prstDash val="solid"/>
+                    </a:lnTlToBr>
+                    <a:lnBlToTr w="12700" cmpd="sng">
+                      <a:noFill/>
+                      <a:prstDash val="solid"/>
+                    </a:lnBlToTr>
+                    <a:solidFill>
+                      <a:srgbClr val="E2EFDA"/>
+                    </a:solidFill>
+                  </a:tcPr>
+                </a:tc>
+                <a:tc>
+                  <a:txBody>
+                    <a:bodyPr/>
+                    <a:lstStyle/>
+                    <a:p>
+                      <a:pPr algn="r" fontAlgn="b"/>
+                      <a:r>
+                        <a:rPr lang="de-CH" sz="900" b="0" i="0" u="none" strike="noStrike">
+                          <a:solidFill>
+                            <a:srgbClr val="000000"/>
+                          </a:solidFill>
+                          <a:effectLst/>
+                          <a:latin typeface="Calibri" panose="020F0502020204030204" pitchFamily="34" charset="0"/>
+                        </a:rPr>
+                        <a:t>2</a:t>
+                      </a:r>
+                    </a:p>
+                  </a:txBody>
+                  <a:tcPr marL="5206" marR="5206" marT="5206" marB="37481" anchor="b">
+                    <a:lnL>
+                      <a:noFill/>
+                    </a:lnL>
+                    <a:lnR>
+                      <a:noFill/>
+                    </a:lnR>
+                    <a:lnT>
+                      <a:noFill/>
+                    </a:lnT>
+                    <a:lnB>
+                      <a:noFill/>
+                    </a:lnB>
+                    <a:lnTlToBr w="12700" cmpd="sng">
+                      <a:noFill/>
+                      <a:prstDash val="solid"/>
+                    </a:lnTlToBr>
+                    <a:lnBlToTr w="12700" cmpd="sng">
+                      <a:noFill/>
+                      <a:prstDash val="solid"/>
+                    </a:lnBlToTr>
+                    <a:solidFill>
+                      <a:srgbClr val="E2EFDA"/>
+                    </a:solidFill>
+                  </a:tcPr>
+                </a:tc>
+                <a:tc>
+                  <a:txBody>
+                    <a:bodyPr/>
+                    <a:lstStyle/>
+                    <a:p>
+                      <a:pPr algn="l" fontAlgn="b"/>
+                      <a:endParaRPr lang="de-CH" sz="900" b="0" i="0" u="none" strike="noStrike">
+                        <a:solidFill>
+                          <a:srgbClr val="000000"/>
+                        </a:solidFill>
+                        <a:effectLst/>
+                        <a:latin typeface="Calibri" panose="020F0502020204030204" pitchFamily="34" charset="0"/>
+                      </a:endParaRPr>
+                    </a:p>
+                  </a:txBody>
+                  <a:tcPr marL="5206" marR="5206" marT="5206" marB="37481" anchor="b">
+                    <a:lnL>
+                      <a:noFill/>
+                    </a:lnL>
+                    <a:lnR>
+                      <a:noFill/>
+                    </a:lnR>
+                    <a:lnT>
+                      <a:noFill/>
+                    </a:lnT>
+                    <a:lnB>
+                      <a:noFill/>
+                    </a:lnB>
+                    <a:lnTlToBr w="12700" cmpd="sng">
+                      <a:noFill/>
+                      <a:prstDash val="solid"/>
+                    </a:lnTlToBr>
+                    <a:lnBlToTr w="12700" cmpd="sng">
+                      <a:noFill/>
+                      <a:prstDash val="solid"/>
+                    </a:lnBlToTr>
+                    <a:solidFill>
+                      <a:srgbClr val="E2EFDA"/>
+                    </a:solidFill>
+                  </a:tcPr>
+                </a:tc>
+                <a:tc>
+                  <a:txBody>
+                    <a:bodyPr/>
+                    <a:lstStyle/>
+                    <a:p>
+                      <a:pPr algn="r" fontAlgn="b"/>
+                      <a:r>
+                        <a:rPr lang="de-CH" sz="900" b="0" i="0" u="none" strike="noStrike">
+                          <a:solidFill>
+                            <a:srgbClr val="000000"/>
+                          </a:solidFill>
+                          <a:effectLst/>
+                          <a:latin typeface="Calibri" panose="020F0502020204030204" pitchFamily="34" charset="0"/>
+                        </a:rPr>
+                        <a:t>1</a:t>
+                      </a:r>
+                    </a:p>
+                  </a:txBody>
+                  <a:tcPr marL="5206" marR="5206" marT="5206" marB="37481" anchor="b">
+                    <a:lnL>
+                      <a:noFill/>
+                    </a:lnL>
+                    <a:lnR>
+                      <a:noFill/>
+                    </a:lnR>
+                    <a:lnT>
+                      <a:noFill/>
+                    </a:lnT>
+                    <a:lnB>
+                      <a:noFill/>
+                    </a:lnB>
+                    <a:lnTlToBr w="12700" cmpd="sng">
+                      <a:noFill/>
+                      <a:prstDash val="solid"/>
+                    </a:lnTlToBr>
+                    <a:lnBlToTr w="12700" cmpd="sng">
+                      <a:noFill/>
+                      <a:prstDash val="solid"/>
+                    </a:lnBlToTr>
+                    <a:solidFill>
+                      <a:srgbClr val="E2EFDA"/>
+                    </a:solidFill>
+                  </a:tcPr>
+                </a:tc>
+                <a:tc>
+                  <a:txBody>
+                    <a:bodyPr/>
+                    <a:lstStyle/>
+                    <a:p>
+                      <a:pPr algn="l" fontAlgn="b"/>
+                      <a:r>
+                        <a:rPr lang="de-CH" sz="900" b="0" i="0" u="none" strike="noStrike">
+                          <a:solidFill>
+                            <a:srgbClr val="000000"/>
+                          </a:solidFill>
+                          <a:effectLst/>
+                          <a:latin typeface="Calibri" panose="020F0502020204030204" pitchFamily="34" charset="0"/>
+                        </a:rPr>
+                        <a:t>Done</a:t>
+                      </a:r>
+                    </a:p>
+                  </a:txBody>
+                  <a:tcPr marL="5206" marR="5206" marT="5206" marB="37481" anchor="b">
+                    <a:lnL>
+                      <a:noFill/>
+                    </a:lnL>
+                    <a:lnR w="12700" cap="flat" cmpd="sng" algn="ctr">
+                      <a:solidFill>
+                        <a:schemeClr val="tx1"/>
+                      </a:solidFill>
+                      <a:prstDash val="solid"/>
+                      <a:round/>
+                      <a:headEnd type="none" w="med" len="med"/>
+                      <a:tailEnd type="none" w="med" len="med"/>
+                    </a:lnR>
+                    <a:lnT>
+                      <a:noFill/>
+                    </a:lnT>
+                    <a:lnB>
+                      <a:noFill/>
+                    </a:lnB>
+                    <a:lnTlToBr w="12700" cmpd="sng">
+                      <a:noFill/>
+                      <a:prstDash val="solid"/>
+                    </a:lnTlToBr>
+                    <a:lnBlToTr w="12700" cmpd="sng">
+                      <a:noFill/>
+                      <a:prstDash val="solid"/>
+                    </a:lnBlToTr>
+                    <a:solidFill>
+                      <a:srgbClr val="E2EFDA"/>
+                    </a:solidFill>
+                  </a:tcPr>
+                </a:tc>
+                <a:extLst>
+                  <a:ext uri="{0D108BD9-81ED-4DB2-BD59-A6C34878D82A}">
+                    <a16:rowId xmlns:a16="http://schemas.microsoft.com/office/drawing/2014/main" val="1272836314"/>
+                  </a:ext>
+                </a:extLst>
+              </a:tr>
+              <a:tr h="180119">
+                <a:tc>
+                  <a:txBody>
+                    <a:bodyPr/>
+                    <a:lstStyle/>
+                    <a:p>
+                      <a:pPr algn="r" fontAlgn="b"/>
+                      <a:r>
+                        <a:rPr lang="de-CH" sz="900" b="0" i="0" u="none" strike="noStrike">
+                          <a:solidFill>
+                            <a:srgbClr val="000000"/>
+                          </a:solidFill>
+                          <a:effectLst/>
+                          <a:latin typeface="Calibri" panose="020F0502020204030204" pitchFamily="34" charset="0"/>
+                        </a:rPr>
+                        <a:t>1.4</a:t>
+                      </a:r>
+                    </a:p>
+                  </a:txBody>
+                  <a:tcPr marL="5206" marR="5206" marT="5206" marB="37481" anchor="b">
+                    <a:lnL w="12700" cap="flat" cmpd="sng" algn="ctr">
+                      <a:solidFill>
+                        <a:schemeClr val="tx1"/>
+                      </a:solidFill>
+                      <a:prstDash val="solid"/>
+                      <a:round/>
+                      <a:headEnd type="none" w="med" len="med"/>
+                      <a:tailEnd type="none" w="med" len="med"/>
+                    </a:lnL>
+                    <a:lnR>
+                      <a:noFill/>
+                    </a:lnR>
+                    <a:lnT>
+                      <a:noFill/>
+                    </a:lnT>
+                    <a:lnB>
+                      <a:noFill/>
+                    </a:lnB>
+                    <a:lnTlToBr w="12700" cmpd="sng">
+                      <a:noFill/>
+                      <a:prstDash val="solid"/>
+                    </a:lnTlToBr>
+                    <a:lnBlToTr w="12700" cmpd="sng">
+                      <a:noFill/>
+                      <a:prstDash val="solid"/>
+                    </a:lnBlToTr>
+                    <a:solidFill>
+                      <a:srgbClr val="E2EFDA"/>
+                    </a:solidFill>
+                  </a:tcPr>
+                </a:tc>
+                <a:tc>
+                  <a:txBody>
+                    <a:bodyPr/>
+                    <a:lstStyle/>
+                    <a:p>
+                      <a:pPr algn="r" fontAlgn="b"/>
+                      <a:r>
+                        <a:rPr lang="de-CH" sz="900" b="0" i="0" u="none" strike="noStrike">
+                          <a:solidFill>
+                            <a:srgbClr val="000000"/>
+                          </a:solidFill>
+                          <a:effectLst/>
+                          <a:latin typeface="Calibri" panose="020F0502020204030204" pitchFamily="34" charset="0"/>
+                        </a:rPr>
+                        <a:t>1</a:t>
+                      </a:r>
+                    </a:p>
+                  </a:txBody>
+                  <a:tcPr marL="5206" marR="5206" marT="5206" marB="37481" anchor="b">
+                    <a:lnL>
+                      <a:noFill/>
+                    </a:lnL>
+                    <a:lnR>
+                      <a:noFill/>
+                    </a:lnR>
+                    <a:lnT>
+                      <a:noFill/>
+                    </a:lnT>
+                    <a:lnB>
+                      <a:noFill/>
+                    </a:lnB>
+                    <a:lnTlToBr w="12700" cmpd="sng">
+                      <a:noFill/>
+                      <a:prstDash val="solid"/>
+                    </a:lnTlToBr>
+                    <a:lnBlToTr w="12700" cmpd="sng">
+                      <a:noFill/>
+                      <a:prstDash val="solid"/>
+                    </a:lnBlToTr>
+                    <a:solidFill>
+                      <a:srgbClr val="E2EFDA"/>
+                    </a:solidFill>
+                  </a:tcPr>
+                </a:tc>
+                <a:tc>
+                  <a:txBody>
+                    <a:bodyPr/>
+                    <a:lstStyle/>
+                    <a:p>
+                      <a:pPr algn="l" fontAlgn="b"/>
+                      <a:r>
+                        <a:rPr lang="de-CH" sz="900" b="0" i="0" u="none" strike="noStrike">
+                          <a:solidFill>
+                            <a:srgbClr val="000000"/>
+                          </a:solidFill>
+                          <a:effectLst/>
+                          <a:latin typeface="Calibri" panose="020F0502020204030204" pitchFamily="34" charset="0"/>
+                        </a:rPr>
+                        <a:t>General UI Layout</a:t>
+                      </a:r>
+                    </a:p>
+                  </a:txBody>
+                  <a:tcPr marL="5206" marR="5206" marT="5206" marB="37481" anchor="b">
+                    <a:lnL>
+                      <a:noFill/>
+                    </a:lnL>
+                    <a:lnR>
+                      <a:noFill/>
+                    </a:lnR>
+                    <a:lnT>
+                      <a:noFill/>
+                    </a:lnT>
+                    <a:lnB>
+                      <a:noFill/>
+                    </a:lnB>
+                    <a:lnTlToBr w="12700" cmpd="sng">
+                      <a:noFill/>
+                      <a:prstDash val="solid"/>
+                    </a:lnTlToBr>
+                    <a:lnBlToTr w="12700" cmpd="sng">
+                      <a:noFill/>
+                      <a:prstDash val="solid"/>
+                    </a:lnBlToTr>
+                    <a:solidFill>
+                      <a:srgbClr val="E2EFDA"/>
+                    </a:solidFill>
+                  </a:tcPr>
+                </a:tc>
+                <a:tc>
+                  <a:txBody>
+                    <a:bodyPr/>
+                    <a:lstStyle/>
+                    <a:p>
+                      <a:pPr algn="l" fontAlgn="b"/>
+                      <a:r>
+                        <a:rPr lang="de-CH" sz="900" b="0" i="0" u="none" strike="noStrike">
+                          <a:solidFill>
+                            <a:srgbClr val="000000"/>
+                          </a:solidFill>
+                          <a:effectLst/>
+                          <a:latin typeface="Calibri" panose="020F0502020204030204" pitchFamily="34" charset="0"/>
+                        </a:rPr>
+                        <a:t>Vaadin layout definition</a:t>
+                      </a:r>
+                    </a:p>
+                  </a:txBody>
+                  <a:tcPr marL="5206" marR="5206" marT="5206" marB="37481" anchor="b">
+                    <a:lnL>
+                      <a:noFill/>
+                    </a:lnL>
+                    <a:lnR>
+                      <a:noFill/>
+                    </a:lnR>
+                    <a:lnT>
+                      <a:noFill/>
+                    </a:lnT>
+                    <a:lnB>
+                      <a:noFill/>
+                    </a:lnB>
+                    <a:lnTlToBr w="12700" cmpd="sng">
+                      <a:noFill/>
+                      <a:prstDash val="solid"/>
+                    </a:lnTlToBr>
+                    <a:lnBlToTr w="12700" cmpd="sng">
+                      <a:noFill/>
+                      <a:prstDash val="solid"/>
+                    </a:lnBlToTr>
+                    <a:solidFill>
+                      <a:srgbClr val="E2EFDA"/>
+                    </a:solidFill>
+                  </a:tcPr>
+                </a:tc>
+                <a:tc>
+                  <a:txBody>
+                    <a:bodyPr/>
+                    <a:lstStyle/>
+                    <a:p>
+                      <a:pPr algn="l" fontAlgn="b"/>
+                      <a:r>
+                        <a:rPr lang="de-CH" sz="900" b="0" i="0" u="none" strike="noStrike">
+                          <a:solidFill>
+                            <a:srgbClr val="000000"/>
+                          </a:solidFill>
+                          <a:effectLst/>
+                          <a:latin typeface="Calibri" panose="020F0502020204030204" pitchFamily="34" charset="0"/>
+                        </a:rPr>
+                        <a:t>UI</a:t>
+                      </a:r>
+                    </a:p>
+                  </a:txBody>
+                  <a:tcPr marL="5206" marR="5206" marT="5206" marB="37481" anchor="b">
+                    <a:lnL>
+                      <a:noFill/>
+                    </a:lnL>
+                    <a:lnR>
+                      <a:noFill/>
+                    </a:lnR>
+                    <a:lnT>
+                      <a:noFill/>
+                    </a:lnT>
+                    <a:lnB>
+                      <a:noFill/>
+                    </a:lnB>
+                    <a:lnTlToBr w="12700" cmpd="sng">
+                      <a:noFill/>
+                      <a:prstDash val="solid"/>
+                    </a:lnTlToBr>
+                    <a:lnBlToTr w="12700" cmpd="sng">
+                      <a:noFill/>
+                      <a:prstDash val="solid"/>
+                    </a:lnBlToTr>
+                    <a:solidFill>
+                      <a:srgbClr val="E2EFDA"/>
+                    </a:solidFill>
+                  </a:tcPr>
+                </a:tc>
+                <a:tc>
+                  <a:txBody>
+                    <a:bodyPr/>
+                    <a:lstStyle/>
+                    <a:p>
+                      <a:pPr algn="l" fontAlgn="b"/>
+                      <a:r>
+                        <a:rPr lang="de-CH" sz="900" b="0" i="0" u="none" strike="noStrike">
+                          <a:solidFill>
+                            <a:srgbClr val="000000"/>
+                          </a:solidFill>
+                          <a:effectLst/>
+                          <a:latin typeface="Calibri" panose="020F0502020204030204" pitchFamily="34" charset="0"/>
+                        </a:rPr>
+                        <a:t>Ali/Adrian</a:t>
+                      </a:r>
+                    </a:p>
+                  </a:txBody>
+                  <a:tcPr marL="5206" marR="5206" marT="5206" marB="37481" anchor="b">
+                    <a:lnL>
+                      <a:noFill/>
+                    </a:lnL>
+                    <a:lnR>
+                      <a:noFill/>
+                    </a:lnR>
+                    <a:lnT>
+                      <a:noFill/>
+                    </a:lnT>
+                    <a:lnB>
+                      <a:noFill/>
+                    </a:lnB>
+                    <a:lnTlToBr w="12700" cmpd="sng">
+                      <a:noFill/>
+                      <a:prstDash val="solid"/>
+                    </a:lnTlToBr>
+                    <a:lnBlToTr w="12700" cmpd="sng">
+                      <a:noFill/>
+                      <a:prstDash val="solid"/>
+                    </a:lnBlToTr>
+                    <a:solidFill>
+                      <a:srgbClr val="E2EFDA"/>
+                    </a:solidFill>
+                  </a:tcPr>
+                </a:tc>
+                <a:tc>
+                  <a:txBody>
+                    <a:bodyPr/>
+                    <a:lstStyle/>
+                    <a:p>
+                      <a:pPr algn="l" fontAlgn="b"/>
+                      <a:r>
+                        <a:rPr lang="de-CH" sz="900" b="0" i="0" u="none" strike="noStrike">
+                          <a:solidFill>
+                            <a:srgbClr val="000000"/>
+                          </a:solidFill>
+                          <a:effectLst/>
+                          <a:latin typeface="Calibri" panose="020F0502020204030204" pitchFamily="34" charset="0"/>
+                        </a:rPr>
+                        <a:t>Florian</a:t>
+                      </a:r>
+                    </a:p>
+                  </a:txBody>
+                  <a:tcPr marL="5206" marR="5206" marT="5206" marB="37481" anchor="b">
+                    <a:lnL>
+                      <a:noFill/>
+                    </a:lnL>
+                    <a:lnR>
+                      <a:noFill/>
+                    </a:lnR>
+                    <a:lnT>
+                      <a:noFill/>
+                    </a:lnT>
+                    <a:lnB>
+                      <a:noFill/>
+                    </a:lnB>
+                    <a:lnTlToBr w="12700" cmpd="sng">
+                      <a:noFill/>
+                      <a:prstDash val="solid"/>
+                    </a:lnTlToBr>
+                    <a:lnBlToTr w="12700" cmpd="sng">
+                      <a:noFill/>
+                      <a:prstDash val="solid"/>
+                    </a:lnBlToTr>
+                    <a:solidFill>
+                      <a:srgbClr val="E2EFDA"/>
+                    </a:solidFill>
+                  </a:tcPr>
+                </a:tc>
+                <a:tc>
+                  <a:txBody>
+                    <a:bodyPr/>
+                    <a:lstStyle/>
+                    <a:p>
+                      <a:pPr algn="l" fontAlgn="b"/>
+                      <a:r>
+                        <a:rPr lang="de-CH" sz="900" b="0" i="0" u="none" strike="noStrike">
+                          <a:solidFill>
+                            <a:srgbClr val="000000"/>
+                          </a:solidFill>
+                          <a:effectLst/>
+                          <a:latin typeface="Calibri" panose="020F0502020204030204" pitchFamily="34" charset="0"/>
+                        </a:rPr>
+                        <a:t>high</a:t>
+                      </a:r>
+                    </a:p>
+                  </a:txBody>
+                  <a:tcPr marL="5206" marR="5206" marT="5206" marB="37481" anchor="b">
+                    <a:lnL>
+                      <a:noFill/>
+                    </a:lnL>
+                    <a:lnR>
+                      <a:noFill/>
+                    </a:lnR>
+                    <a:lnT>
+                      <a:noFill/>
+                    </a:lnT>
+                    <a:lnB>
+                      <a:noFill/>
+                    </a:lnB>
+                    <a:lnTlToBr w="12700" cmpd="sng">
+                      <a:noFill/>
+                      <a:prstDash val="solid"/>
+                    </a:lnTlToBr>
+                    <a:lnBlToTr w="12700" cmpd="sng">
+                      <a:noFill/>
+                      <a:prstDash val="solid"/>
+                    </a:lnBlToTr>
+                    <a:solidFill>
+                      <a:srgbClr val="E2EFDA"/>
+                    </a:solidFill>
+                  </a:tcPr>
+                </a:tc>
+                <a:tc>
+                  <a:txBody>
+                    <a:bodyPr/>
+                    <a:lstStyle/>
+                    <a:p>
+                      <a:pPr algn="r" fontAlgn="b"/>
+                      <a:r>
+                        <a:rPr lang="de-CH" sz="900" b="0" i="0" u="none" strike="noStrike">
+                          <a:solidFill>
+                            <a:srgbClr val="000000"/>
+                          </a:solidFill>
+                          <a:effectLst/>
+                          <a:latin typeface="Calibri" panose="020F0502020204030204" pitchFamily="34" charset="0"/>
+                        </a:rPr>
+                        <a:t>8</a:t>
+                      </a:r>
+                    </a:p>
+                  </a:txBody>
+                  <a:tcPr marL="5206" marR="5206" marT="5206" marB="37481" anchor="b">
+                    <a:lnL>
+                      <a:noFill/>
+                    </a:lnL>
+                    <a:lnR>
+                      <a:noFill/>
+                    </a:lnR>
+                    <a:lnT>
+                      <a:noFill/>
+                    </a:lnT>
+                    <a:lnB>
+                      <a:noFill/>
+                    </a:lnB>
+                    <a:lnTlToBr w="12700" cmpd="sng">
+                      <a:noFill/>
+                      <a:prstDash val="solid"/>
+                    </a:lnTlToBr>
+                    <a:lnBlToTr w="12700" cmpd="sng">
+                      <a:noFill/>
+                      <a:prstDash val="solid"/>
+                    </a:lnBlToTr>
+                    <a:solidFill>
+                      <a:srgbClr val="E2EFDA"/>
+                    </a:solidFill>
+                  </a:tcPr>
+                </a:tc>
+                <a:tc>
+                  <a:txBody>
+                    <a:bodyPr/>
+                    <a:lstStyle/>
+                    <a:p>
+                      <a:pPr algn="l" fontAlgn="b"/>
+                      <a:endParaRPr lang="de-CH" sz="900" b="0" i="0" u="none" strike="noStrike">
+                        <a:solidFill>
+                          <a:srgbClr val="000000"/>
+                        </a:solidFill>
+                        <a:effectLst/>
+                        <a:latin typeface="Calibri" panose="020F0502020204030204" pitchFamily="34" charset="0"/>
+                      </a:endParaRPr>
+                    </a:p>
+                  </a:txBody>
+                  <a:tcPr marL="5206" marR="5206" marT="5206" marB="37481" anchor="b">
+                    <a:lnL>
+                      <a:noFill/>
+                    </a:lnL>
+                    <a:lnR>
+                      <a:noFill/>
+                    </a:lnR>
+                    <a:lnT>
+                      <a:noFill/>
+                    </a:lnT>
+                    <a:lnB>
+                      <a:noFill/>
+                    </a:lnB>
+                    <a:lnTlToBr w="12700" cmpd="sng">
+                      <a:noFill/>
+                      <a:prstDash val="solid"/>
+                    </a:lnTlToBr>
+                    <a:lnBlToTr w="12700" cmpd="sng">
+                      <a:noFill/>
+                      <a:prstDash val="solid"/>
+                    </a:lnBlToTr>
+                    <a:solidFill>
+                      <a:srgbClr val="E2EFDA"/>
+                    </a:solidFill>
+                  </a:tcPr>
+                </a:tc>
+                <a:tc>
+                  <a:txBody>
+                    <a:bodyPr/>
+                    <a:lstStyle/>
+                    <a:p>
+                      <a:pPr algn="r" fontAlgn="b"/>
+                      <a:r>
+                        <a:rPr lang="de-CH" sz="900" b="0" i="0" u="none" strike="noStrike">
+                          <a:solidFill>
+                            <a:srgbClr val="000000"/>
+                          </a:solidFill>
+                          <a:effectLst/>
+                          <a:latin typeface="Calibri" panose="020F0502020204030204" pitchFamily="34" charset="0"/>
+                        </a:rPr>
+                        <a:t>4</a:t>
+                      </a:r>
+                    </a:p>
+                  </a:txBody>
+                  <a:tcPr marL="5206" marR="5206" marT="5206" marB="37481" anchor="b">
+                    <a:lnL>
+                      <a:noFill/>
+                    </a:lnL>
+                    <a:lnR>
+                      <a:noFill/>
+                    </a:lnR>
+                    <a:lnT>
+                      <a:noFill/>
+                    </a:lnT>
+                    <a:lnB>
+                      <a:noFill/>
+                    </a:lnB>
+                    <a:lnTlToBr w="12700" cmpd="sng">
+                      <a:noFill/>
+                      <a:prstDash val="solid"/>
+                    </a:lnTlToBr>
+                    <a:lnBlToTr w="12700" cmpd="sng">
+                      <a:noFill/>
+                      <a:prstDash val="solid"/>
+                    </a:lnBlToTr>
+                    <a:solidFill>
+                      <a:srgbClr val="E2EFDA"/>
+                    </a:solidFill>
+                  </a:tcPr>
+                </a:tc>
+                <a:tc>
+                  <a:txBody>
+                    <a:bodyPr/>
+                    <a:lstStyle/>
+                    <a:p>
+                      <a:pPr algn="l" fontAlgn="b"/>
+                      <a:r>
+                        <a:rPr lang="de-CH" sz="900" b="0" i="0" u="none" strike="noStrike">
+                          <a:solidFill>
+                            <a:srgbClr val="000000"/>
+                          </a:solidFill>
+                          <a:effectLst/>
+                          <a:latin typeface="Calibri" panose="020F0502020204030204" pitchFamily="34" charset="0"/>
+                        </a:rPr>
+                        <a:t>Done</a:t>
+                      </a:r>
+                    </a:p>
+                  </a:txBody>
+                  <a:tcPr marL="5206" marR="5206" marT="5206" marB="37481" anchor="b">
+                    <a:lnL>
+                      <a:noFill/>
+                    </a:lnL>
+                    <a:lnR w="12700" cap="flat" cmpd="sng" algn="ctr">
+                      <a:solidFill>
+                        <a:schemeClr val="tx1"/>
+                      </a:solidFill>
+                      <a:prstDash val="solid"/>
+                      <a:round/>
+                      <a:headEnd type="none" w="med" len="med"/>
+                      <a:tailEnd type="none" w="med" len="med"/>
+                    </a:lnR>
+                    <a:lnT>
+                      <a:noFill/>
+                    </a:lnT>
+                    <a:lnB>
+                      <a:noFill/>
+                    </a:lnB>
+                    <a:lnTlToBr w="12700" cmpd="sng">
+                      <a:noFill/>
+                      <a:prstDash val="solid"/>
+                    </a:lnTlToBr>
+                    <a:lnBlToTr w="12700" cmpd="sng">
+                      <a:noFill/>
+                      <a:prstDash val="solid"/>
+                    </a:lnBlToTr>
+                    <a:solidFill>
+                      <a:srgbClr val="E2EFDA"/>
+                    </a:solidFill>
+                  </a:tcPr>
+                </a:tc>
+                <a:extLst>
+                  <a:ext uri="{0D108BD9-81ED-4DB2-BD59-A6C34878D82A}">
+                    <a16:rowId xmlns:a16="http://schemas.microsoft.com/office/drawing/2014/main" val="1787484966"/>
+                  </a:ext>
+                </a:extLst>
+              </a:tr>
+              <a:tr h="180119">
+                <a:tc>
+                  <a:txBody>
+                    <a:bodyPr/>
+                    <a:lstStyle/>
+                    <a:p>
+                      <a:pPr algn="r" fontAlgn="b"/>
+                      <a:r>
+                        <a:rPr lang="de-CH" sz="900" b="0" i="0" u="none" strike="noStrike">
+                          <a:solidFill>
+                            <a:srgbClr val="000000"/>
+                          </a:solidFill>
+                          <a:effectLst/>
+                          <a:latin typeface="Calibri" panose="020F0502020204030204" pitchFamily="34" charset="0"/>
+                        </a:rPr>
+                        <a:t>2.1</a:t>
+                      </a:r>
+                    </a:p>
+                  </a:txBody>
+                  <a:tcPr marL="5206" marR="5206" marT="5206" marB="37481" anchor="b">
+                    <a:lnL w="12700" cap="flat" cmpd="sng" algn="ctr">
+                      <a:solidFill>
+                        <a:schemeClr val="tx1"/>
+                      </a:solidFill>
+                      <a:prstDash val="solid"/>
+                      <a:round/>
+                      <a:headEnd type="none" w="med" len="med"/>
+                      <a:tailEnd type="none" w="med" len="med"/>
+                    </a:lnL>
+                    <a:lnR>
+                      <a:noFill/>
+                    </a:lnR>
+                    <a:lnT>
+                      <a:noFill/>
+                    </a:lnT>
+                    <a:lnB>
+                      <a:noFill/>
+                    </a:lnB>
+                    <a:lnTlToBr w="12700" cmpd="sng">
+                      <a:noFill/>
+                      <a:prstDash val="solid"/>
+                    </a:lnTlToBr>
+                    <a:lnBlToTr w="12700" cmpd="sng">
+                      <a:noFill/>
+                      <a:prstDash val="solid"/>
+                    </a:lnBlToTr>
+                    <a:solidFill>
+                      <a:srgbClr val="F8CBAD"/>
+                    </a:solidFill>
+                  </a:tcPr>
+                </a:tc>
+                <a:tc>
+                  <a:txBody>
+                    <a:bodyPr/>
+                    <a:lstStyle/>
+                    <a:p>
+                      <a:pPr algn="r" fontAlgn="b"/>
+                      <a:r>
+                        <a:rPr lang="de-CH" sz="900" b="0" i="0" u="none" strike="noStrike">
+                          <a:solidFill>
+                            <a:srgbClr val="000000"/>
+                          </a:solidFill>
+                          <a:effectLst/>
+                          <a:latin typeface="Calibri" panose="020F0502020204030204" pitchFamily="34" charset="0"/>
+                        </a:rPr>
+                        <a:t>1</a:t>
+                      </a:r>
+                    </a:p>
+                  </a:txBody>
+                  <a:tcPr marL="5206" marR="5206" marT="5206" marB="37481" anchor="b">
+                    <a:lnL>
+                      <a:noFill/>
+                    </a:lnL>
+                    <a:lnR>
+                      <a:noFill/>
+                    </a:lnR>
+                    <a:lnT>
+                      <a:noFill/>
+                    </a:lnT>
+                    <a:lnB>
+                      <a:noFill/>
+                    </a:lnB>
+                    <a:lnTlToBr w="12700" cmpd="sng">
+                      <a:noFill/>
+                      <a:prstDash val="solid"/>
+                    </a:lnTlToBr>
+                    <a:lnBlToTr w="12700" cmpd="sng">
+                      <a:noFill/>
+                      <a:prstDash val="solid"/>
+                    </a:lnBlToTr>
+                    <a:solidFill>
+                      <a:srgbClr val="F8CBAD"/>
+                    </a:solidFill>
+                  </a:tcPr>
+                </a:tc>
+                <a:tc>
+                  <a:txBody>
+                    <a:bodyPr/>
+                    <a:lstStyle/>
+                    <a:p>
+                      <a:pPr algn="l" fontAlgn="b"/>
+                      <a:r>
+                        <a:rPr lang="de-CH" sz="900" b="0" i="0" u="none" strike="noStrike">
+                          <a:solidFill>
+                            <a:srgbClr val="000000"/>
+                          </a:solidFill>
+                          <a:effectLst/>
+                          <a:latin typeface="Calibri" panose="020F0502020204030204" pitchFamily="34" charset="0"/>
+                        </a:rPr>
+                        <a:t>User Authentication</a:t>
+                      </a:r>
+                    </a:p>
+                  </a:txBody>
+                  <a:tcPr marL="5206" marR="5206" marT="5206" marB="37481" anchor="b">
+                    <a:lnL>
+                      <a:noFill/>
+                    </a:lnL>
+                    <a:lnR>
+                      <a:noFill/>
+                    </a:lnR>
+                    <a:lnT>
+                      <a:noFill/>
+                    </a:lnT>
+                    <a:lnB>
+                      <a:noFill/>
+                    </a:lnB>
+                    <a:lnTlToBr w="12700" cmpd="sng">
+                      <a:noFill/>
+                      <a:prstDash val="solid"/>
+                    </a:lnTlToBr>
+                    <a:lnBlToTr w="12700" cmpd="sng">
+                      <a:noFill/>
+                      <a:prstDash val="solid"/>
+                    </a:lnBlToTr>
+                    <a:solidFill>
+                      <a:srgbClr val="F8CBAD"/>
                     </a:solidFill>
                   </a:tcPr>
                 </a:tc>
@@ -7107,7 +9141,7 @@
                           <a:effectLst/>
                           <a:latin typeface="Calibri" panose="020F0502020204030204" pitchFamily="34" charset="0"/>
                         </a:rPr>
-                        <a:t>Implenment Service and Class, providing a template for all future implementations</a:t>
+                        <a:t>User Access Control, possibility to authenticate as a user</a:t>
                       </a:r>
                     </a:p>
                   </a:txBody>
@@ -7124,8 +9158,16 @@
                     <a:lnB>
                       <a:noFill/>
                     </a:lnB>
+                    <a:lnTlToBr w="12700" cmpd="sng">
+                      <a:noFill/>
+                      <a:prstDash val="solid"/>
+                    </a:lnTlToBr>
+                    <a:lnBlToTr w="12700" cmpd="sng">
+                      <a:noFill/>
+                      <a:prstDash val="solid"/>
+                    </a:lnBlToTr>
                     <a:solidFill>
-                      <a:srgbClr val="FFF2CC"/>
+                      <a:srgbClr val="F8CBAD"/>
                     </a:solidFill>
                   </a:tcPr>
                 </a:tc>
@@ -7143,7 +9185,7 @@
                           <a:effectLst/>
                           <a:latin typeface="Calibri" panose="020F0502020204030204" pitchFamily="34" charset="0"/>
                         </a:rPr>
-                        <a:t>Model, Services</a:t>
+                        <a:t>Model</a:t>
                       </a:r>
                     </a:p>
                   </a:txBody>
@@ -7160,44 +9202,16 @@
                     <a:lnB>
                       <a:noFill/>
                     </a:lnB>
+                    <a:lnTlToBr w="12700" cmpd="sng">
+                      <a:noFill/>
+                      <a:prstDash val="solid"/>
+                    </a:lnTlToBr>
+                    <a:lnBlToTr w="12700" cmpd="sng">
+                      <a:noFill/>
+                      <a:prstDash val="solid"/>
+                    </a:lnBlToTr>
                     <a:solidFill>
-                      <a:srgbClr val="FFF2CC"/>
-                    </a:solidFill>
-                  </a:tcPr>
-                </a:tc>
-                <a:tc>
-                  <a:txBody>
-                    <a:bodyPr/>
-                    <a:lstStyle/>
-                    <a:p>
-                      <a:pPr algn="l" fontAlgn="b"/>
-                      <a:r>
-                        <a:rPr lang="de-CH" sz="900" b="0" i="0" u="none" strike="noStrike">
-                          <a:solidFill>
-                            <a:srgbClr val="000000"/>
-                          </a:solidFill>
-                          <a:effectLst/>
-                          <a:latin typeface="Calibri" panose="020F0502020204030204" pitchFamily="34" charset="0"/>
-                        </a:rPr>
-                        <a:t>Samuel</a:t>
-                      </a:r>
-                    </a:p>
-                  </a:txBody>
-                  <a:tcPr marL="5206" marR="5206" marT="5206" marB="37481" anchor="b">
-                    <a:lnL>
-                      <a:noFill/>
-                    </a:lnL>
-                    <a:lnR>
-                      <a:noFill/>
-                    </a:lnR>
-                    <a:lnT>
-                      <a:noFill/>
-                    </a:lnT>
-                    <a:lnB>
-                      <a:noFill/>
-                    </a:lnB>
-                    <a:solidFill>
-                      <a:srgbClr val="FFF2CC"/>
+                      <a:srgbClr val="F8CBAD"/>
                     </a:solidFill>
                   </a:tcPr>
                 </a:tc>
@@ -7232,8 +9246,16 @@
                     <a:lnB>
                       <a:noFill/>
                     </a:lnB>
+                    <a:lnTlToBr w="12700" cmpd="sng">
+                      <a:noFill/>
+                      <a:prstDash val="solid"/>
+                    </a:lnTlToBr>
+                    <a:lnBlToTr w="12700" cmpd="sng">
+                      <a:noFill/>
+                      <a:prstDash val="solid"/>
+                    </a:lnBlToTr>
                     <a:solidFill>
-                      <a:srgbClr val="FFF2CC"/>
+                      <a:srgbClr val="F8CBAD"/>
                     </a:solidFill>
                   </a:tcPr>
                 </a:tc>
@@ -7251,7 +9273,7 @@
                           <a:effectLst/>
                           <a:latin typeface="Calibri" panose="020F0502020204030204" pitchFamily="34" charset="0"/>
                         </a:rPr>
-                        <a:t>medium</a:t>
+                        <a:t>Ali</a:t>
                       </a:r>
                     </a:p>
                   </a:txBody>
@@ -7268,8 +9290,60 @@
                     <a:lnB>
                       <a:noFill/>
                     </a:lnB>
+                    <a:lnTlToBr w="12700" cmpd="sng">
+                      <a:noFill/>
+                      <a:prstDash val="solid"/>
+                    </a:lnTlToBr>
+                    <a:lnBlToTr w="12700" cmpd="sng">
+                      <a:noFill/>
+                      <a:prstDash val="solid"/>
+                    </a:lnBlToTr>
                     <a:solidFill>
-                      <a:srgbClr val="FFF2CC"/>
+                      <a:srgbClr val="F8CBAD"/>
+                    </a:solidFill>
+                  </a:tcPr>
+                </a:tc>
+                <a:tc>
+                  <a:txBody>
+                    <a:bodyPr/>
+                    <a:lstStyle/>
+                    <a:p>
+                      <a:pPr algn="l" fontAlgn="b"/>
+                      <a:r>
+                        <a:rPr lang="de-CH" sz="900" b="0" i="0" u="none" strike="noStrike">
+                          <a:solidFill>
+                            <a:srgbClr val="000000"/>
+                          </a:solidFill>
+                          <a:effectLst/>
+                          <a:latin typeface="Calibri" panose="020F0502020204030204" pitchFamily="34" charset="0"/>
+                        </a:rPr>
+                        <a:t>low</a:t>
+                      </a:r>
+                    </a:p>
+                  </a:txBody>
+                  <a:tcPr marL="5206" marR="5206" marT="5206" marB="37481" anchor="b">
+                    <a:lnL>
+                      <a:noFill/>
+                    </a:lnL>
+                    <a:lnR>
+                      <a:noFill/>
+                    </a:lnR>
+                    <a:lnT>
+                      <a:noFill/>
+                    </a:lnT>
+                    <a:lnB>
+                      <a:noFill/>
+                    </a:lnB>
+                    <a:lnTlToBr w="12700" cmpd="sng">
+                      <a:noFill/>
+                      <a:prstDash val="solid"/>
+                    </a:lnTlToBr>
+                    <a:lnBlToTr w="12700" cmpd="sng">
+                      <a:noFill/>
+                      <a:prstDash val="solid"/>
+                    </a:lnBlToTr>
+                    <a:solidFill>
+                      <a:srgbClr val="F8CBAD"/>
                     </a:solidFill>
                   </a:tcPr>
                 </a:tc>
@@ -7304,8 +9378,16 @@
                     <a:lnB>
                       <a:noFill/>
                     </a:lnB>
+                    <a:lnTlToBr w="12700" cmpd="sng">
+                      <a:noFill/>
+                      <a:prstDash val="solid"/>
+                    </a:lnTlToBr>
+                    <a:lnBlToTr w="12700" cmpd="sng">
+                      <a:noFill/>
+                      <a:prstDash val="solid"/>
+                    </a:lnBlToTr>
                     <a:solidFill>
-                      <a:srgbClr val="FFF2CC"/>
+                      <a:srgbClr val="F8CBAD"/>
                     </a:solidFill>
                   </a:tcPr>
                 </a:tc>
@@ -7337,11 +9419,117 @@
                     <a:lnB>
                       <a:noFill/>
                     </a:lnB>
+                    <a:lnTlToBr w="12700" cmpd="sng">
+                      <a:noFill/>
+                      <a:prstDash val="solid"/>
+                    </a:lnTlToBr>
+                    <a:lnBlToTr w="12700" cmpd="sng">
+                      <a:noFill/>
+                      <a:prstDash val="solid"/>
+                    </a:lnBlToTr>
                     <a:solidFill>
-                      <a:srgbClr val="FFF2CC"/>
+                      <a:srgbClr val="F8CBAD"/>
                     </a:solidFill>
                   </a:tcPr>
                 </a:tc>
+                <a:tc>
+                  <a:txBody>
+                    <a:bodyPr/>
+                    <a:lstStyle/>
+                    <a:p>
+                      <a:pPr algn="l" fontAlgn="b"/>
+                      <a:endParaRPr lang="de-CH" sz="900" b="0" i="0" u="none" strike="noStrike">
+                        <a:solidFill>
+                          <a:srgbClr val="000000"/>
+                        </a:solidFill>
+                        <a:effectLst/>
+                        <a:latin typeface="Calibri" panose="020F0502020204030204" pitchFamily="34" charset="0"/>
+                      </a:endParaRPr>
+                    </a:p>
+                  </a:txBody>
+                  <a:tcPr marL="5206" marR="5206" marT="5206" marB="37481" anchor="b">
+                    <a:lnL>
+                      <a:noFill/>
+                    </a:lnL>
+                    <a:lnR>
+                      <a:noFill/>
+                    </a:lnR>
+                    <a:lnT>
+                      <a:noFill/>
+                    </a:lnT>
+                    <a:lnB>
+                      <a:noFill/>
+                    </a:lnB>
+                    <a:lnTlToBr w="12700" cmpd="sng">
+                      <a:noFill/>
+                      <a:prstDash val="solid"/>
+                    </a:lnTlToBr>
+                    <a:lnBlToTr w="12700" cmpd="sng">
+                      <a:noFill/>
+                      <a:prstDash val="solid"/>
+                    </a:lnBlToTr>
+                    <a:solidFill>
+                      <a:srgbClr val="F8CBAD"/>
+                    </a:solidFill>
+                  </a:tcPr>
+                </a:tc>
+                <a:tc>
+                  <a:txBody>
+                    <a:bodyPr/>
+                    <a:lstStyle/>
+                    <a:p>
+                      <a:pPr algn="l" fontAlgn="b"/>
+                      <a:r>
+                        <a:rPr lang="de-CH" sz="900" b="0" i="0" u="none" strike="noStrike">
+                          <a:solidFill>
+                            <a:srgbClr val="000000"/>
+                          </a:solidFill>
+                          <a:effectLst/>
+                          <a:latin typeface="Calibri" panose="020F0502020204030204" pitchFamily="34" charset="0"/>
+                        </a:rPr>
+                        <a:t>Open</a:t>
+                      </a:r>
+                    </a:p>
+                  </a:txBody>
+                  <a:tcPr marL="5206" marR="5206" marT="5206" marB="37481" anchor="b">
+                    <a:lnL>
+                      <a:noFill/>
+                    </a:lnL>
+                    <a:lnR w="12700" cap="flat" cmpd="sng" algn="ctr">
+                      <a:solidFill>
+                        <a:schemeClr val="tx1"/>
+                      </a:solidFill>
+                      <a:prstDash val="solid"/>
+                      <a:round/>
+                      <a:headEnd type="none" w="med" len="med"/>
+                      <a:tailEnd type="none" w="med" len="med"/>
+                    </a:lnR>
+                    <a:lnT>
+                      <a:noFill/>
+                    </a:lnT>
+                    <a:lnB>
+                      <a:noFill/>
+                    </a:lnB>
+                    <a:lnTlToBr w="12700" cmpd="sng">
+                      <a:noFill/>
+                      <a:prstDash val="solid"/>
+                    </a:lnTlToBr>
+                    <a:lnBlToTr w="12700" cmpd="sng">
+                      <a:noFill/>
+                      <a:prstDash val="solid"/>
+                    </a:lnBlToTr>
+                    <a:solidFill>
+                      <a:srgbClr val="F8CBAD"/>
+                    </a:solidFill>
+                  </a:tcPr>
+                </a:tc>
+                <a:extLst>
+                  <a:ext uri="{0D108BD9-81ED-4DB2-BD59-A6C34878D82A}">
+                    <a16:rowId xmlns:a16="http://schemas.microsoft.com/office/drawing/2014/main" val="1305272799"/>
+                  </a:ext>
+                </a:extLst>
+              </a:tr>
+              <a:tr h="180119">
                 <a:tc>
                   <a:txBody>
                     <a:bodyPr/>
@@ -7356,92 +9544,7 @@
                           <a:effectLst/>
                           <a:latin typeface="Calibri" panose="020F0502020204030204" pitchFamily="34" charset="0"/>
                         </a:rPr>
-                        <a:t>-</a:t>
-                      </a:r>
-                    </a:p>
-                  </a:txBody>
-                  <a:tcPr marL="5206" marR="5206" marT="5206" marB="37481" anchor="b">
-                    <a:lnL>
-                      <a:noFill/>
-                    </a:lnL>
-                    <a:lnR>
-                      <a:noFill/>
-                    </a:lnR>
-                    <a:lnT>
-                      <a:noFill/>
-                    </a:lnT>
-                    <a:lnB>
-                      <a:noFill/>
-                    </a:lnB>
-                    <a:solidFill>
-                      <a:srgbClr val="FFF2CC"/>
-                    </a:solidFill>
-                  </a:tcPr>
-                </a:tc>
-                <a:tc>
-                  <a:txBody>
-                    <a:bodyPr/>
-                    <a:lstStyle/>
-                    <a:p>
-                      <a:pPr algn="l" fontAlgn="b"/>
-                      <a:r>
-                        <a:rPr lang="de-CH" sz="900" b="0" i="0" u="none" strike="noStrike">
-                          <a:solidFill>
-                            <a:srgbClr val="000000"/>
-                          </a:solidFill>
-                          <a:effectLst/>
-                          <a:latin typeface="Calibri" panose="020F0502020204030204" pitchFamily="34" charset="0"/>
-                        </a:rPr>
-                        <a:t>Partially Done (80%)</a:t>
-                      </a:r>
-                    </a:p>
-                  </a:txBody>
-                  <a:tcPr marL="5206" marR="5206" marT="5206" marB="37481" anchor="b">
-                    <a:lnL>
-                      <a:noFill/>
-                    </a:lnL>
-                    <a:lnR w="12700" cap="flat" cmpd="sng" algn="ctr">
-                      <a:solidFill>
-                        <a:schemeClr val="tx1"/>
-                      </a:solidFill>
-                      <a:prstDash val="solid"/>
-                      <a:round/>
-                      <a:headEnd type="none" w="med" len="med"/>
-                      <a:tailEnd type="none" w="med" len="med"/>
-                    </a:lnR>
-                    <a:lnT>
-                      <a:noFill/>
-                    </a:lnT>
-                    <a:lnB>
-                      <a:noFill/>
-                    </a:lnB>
-                    <a:solidFill>
-                      <a:srgbClr val="FFF2CC"/>
-                    </a:solidFill>
-                  </a:tcPr>
-                </a:tc>
-                <a:extLst>
-                  <a:ext uri="{0D108BD9-81ED-4DB2-BD59-A6C34878D82A}">
-                    <a16:rowId xmlns:a16="http://schemas.microsoft.com/office/drawing/2014/main" val="782019258"/>
-                  </a:ext>
-                </a:extLst>
-              </a:tr>
-              <a:tr h="180119">
-                <a:tc>
-                  <a:txBody>
-                    <a:bodyPr/>
-                    <a:lstStyle/>
-                    <a:p>
-                      <a:pPr algn="r" fontAlgn="b"/>
-                      <a:r>
-                        <a:rPr lang="de-CH" sz="900" b="0" i="0" u="none" strike="noStrike">
-                          <a:solidFill>
-                            <a:srgbClr val="000000"/>
-                          </a:solidFill>
-                          <a:effectLst/>
-                          <a:latin typeface="Calibri" panose="020F0502020204030204" pitchFamily="34" charset="0"/>
-                        </a:rPr>
-                        <a:t>0.1</a:t>
+                        <a:t>2.2</a:t>
                       </a:r>
                     </a:p>
                   </a:txBody>
@@ -7461,263 +9564,25 @@
                     <a:lnT>
                       <a:noFill/>
                     </a:lnT>
-                    <a:lnB>
-                      <a:noFill/>
-                    </a:lnB>
+                    <a:lnB w="12700" cap="flat" cmpd="sng" algn="ctr">
+                      <a:solidFill>
+                        <a:schemeClr val="tx1"/>
+                      </a:solidFill>
+                      <a:prstDash val="solid"/>
+                      <a:round/>
+                      <a:headEnd type="none" w="med" len="med"/>
+                      <a:tailEnd type="none" w="med" len="med"/>
+                    </a:lnB>
+                    <a:lnTlToBr w="12700" cmpd="sng">
+                      <a:noFill/>
+                      <a:prstDash val="solid"/>
+                    </a:lnTlToBr>
+                    <a:lnBlToTr w="12700" cmpd="sng">
+                      <a:noFill/>
+                      <a:prstDash val="solid"/>
+                    </a:lnBlToTr>
                     <a:solidFill>
-                      <a:srgbClr val="E2EFDA"/>
-                    </a:solidFill>
-                  </a:tcPr>
-                </a:tc>
-                <a:tc>
-                  <a:txBody>
-                    <a:bodyPr/>
-                    <a:lstStyle/>
-                    <a:p>
-                      <a:pPr algn="r" fontAlgn="b"/>
-                      <a:r>
-                        <a:rPr lang="de-CH" sz="900" b="0" i="0" u="none" strike="noStrike">
-                          <a:solidFill>
-                            <a:srgbClr val="000000"/>
-                          </a:solidFill>
-                          <a:effectLst/>
-                          <a:latin typeface="Calibri" panose="020F0502020204030204" pitchFamily="34" charset="0"/>
-                        </a:rPr>
-                        <a:t>1</a:t>
-                      </a:r>
-                    </a:p>
-                  </a:txBody>
-                  <a:tcPr marL="5206" marR="5206" marT="5206" marB="37481" anchor="b">
-                    <a:lnL>
-                      <a:noFill/>
-                    </a:lnL>
-                    <a:lnR>
-                      <a:noFill/>
-                    </a:lnR>
-                    <a:lnT>
-                      <a:noFill/>
-                    </a:lnT>
-                    <a:lnB>
-                      <a:noFill/>
-                    </a:lnB>
-                    <a:solidFill>
-                      <a:srgbClr val="E2EFDA"/>
-                    </a:solidFill>
-                  </a:tcPr>
-                </a:tc>
-                <a:tc>
-                  <a:txBody>
-                    <a:bodyPr/>
-                    <a:lstStyle/>
-                    <a:p>
-                      <a:pPr algn="l" fontAlgn="b"/>
-                      <a:r>
-                        <a:rPr lang="de-CH" sz="900" b="0" i="0" u="none" strike="noStrike">
-                          <a:solidFill>
-                            <a:srgbClr val="000000"/>
-                          </a:solidFill>
-                          <a:effectLst/>
-                          <a:latin typeface="Calibri" panose="020F0502020204030204" pitchFamily="34" charset="0"/>
-                        </a:rPr>
-                        <a:t>Basic project setup</a:t>
-                      </a:r>
-                    </a:p>
-                  </a:txBody>
-                  <a:tcPr marL="5206" marR="5206" marT="5206" marB="37481" anchor="b">
-                    <a:lnL>
-                      <a:noFill/>
-                    </a:lnL>
-                    <a:lnR>
-                      <a:noFill/>
-                    </a:lnR>
-                    <a:lnT>
-                      <a:noFill/>
-                    </a:lnT>
-                    <a:lnB>
-                      <a:noFill/>
-                    </a:lnB>
-                    <a:solidFill>
-                      <a:srgbClr val="E2EFDA"/>
-                    </a:solidFill>
-                  </a:tcPr>
-                </a:tc>
-                <a:tc>
-                  <a:txBody>
-                    <a:bodyPr/>
-                    <a:lstStyle/>
-                    <a:p>
-                      <a:pPr algn="l" fontAlgn="b"/>
-                      <a:r>
-                        <a:rPr lang="de-CH" sz="900" b="0" i="0" u="none" strike="noStrike">
-                          <a:solidFill>
-                            <a:srgbClr val="000000"/>
-                          </a:solidFill>
-                          <a:effectLst/>
-                          <a:latin typeface="Calibri" panose="020F0502020204030204" pitchFamily="34" charset="0"/>
-                        </a:rPr>
-                        <a:t>Create empty packages/classes etc…</a:t>
-                      </a:r>
-                    </a:p>
-                  </a:txBody>
-                  <a:tcPr marL="5206" marR="5206" marT="5206" marB="37481" anchor="b">
-                    <a:lnL>
-                      <a:noFill/>
-                    </a:lnL>
-                    <a:lnR>
-                      <a:noFill/>
-                    </a:lnR>
-                    <a:lnT>
-                      <a:noFill/>
-                    </a:lnT>
-                    <a:lnB>
-                      <a:noFill/>
-                    </a:lnB>
-                    <a:solidFill>
-                      <a:srgbClr val="E2EFDA"/>
-                    </a:solidFill>
-                  </a:tcPr>
-                </a:tc>
-                <a:tc>
-                  <a:txBody>
-                    <a:bodyPr/>
-                    <a:lstStyle/>
-                    <a:p>
-                      <a:pPr algn="l" fontAlgn="b"/>
-                      <a:r>
-                        <a:rPr lang="de-CH" sz="900" b="0" i="0" u="none" strike="noStrike">
-                          <a:solidFill>
-                            <a:srgbClr val="000000"/>
-                          </a:solidFill>
-                          <a:effectLst/>
-                          <a:latin typeface="Calibri" panose="020F0502020204030204" pitchFamily="34" charset="0"/>
-                        </a:rPr>
-                        <a:t>Implementation</a:t>
-                      </a:r>
-                    </a:p>
-                  </a:txBody>
-                  <a:tcPr marL="5206" marR="5206" marT="5206" marB="37481" anchor="b">
-                    <a:lnL>
-                      <a:noFill/>
-                    </a:lnL>
-                    <a:lnR>
-                      <a:noFill/>
-                    </a:lnR>
-                    <a:lnT>
-                      <a:noFill/>
-                    </a:lnT>
-                    <a:lnB>
-                      <a:noFill/>
-                    </a:lnB>
-                    <a:solidFill>
-                      <a:srgbClr val="E2EFDA"/>
-                    </a:solidFill>
-                  </a:tcPr>
-                </a:tc>
-                <a:tc>
-                  <a:txBody>
-                    <a:bodyPr/>
-                    <a:lstStyle/>
-                    <a:p>
-                      <a:pPr algn="l" fontAlgn="b"/>
-                      <a:r>
-                        <a:rPr lang="de-CH" sz="900" b="0" i="0" u="none" strike="noStrike">
-                          <a:solidFill>
-                            <a:srgbClr val="000000"/>
-                          </a:solidFill>
-                          <a:effectLst/>
-                          <a:latin typeface="Calibri" panose="020F0502020204030204" pitchFamily="34" charset="0"/>
-                        </a:rPr>
-                        <a:t>All</a:t>
-                      </a:r>
-                    </a:p>
-                  </a:txBody>
-                  <a:tcPr marL="5206" marR="5206" marT="5206" marB="37481" anchor="b">
-                    <a:lnL>
-                      <a:noFill/>
-                    </a:lnL>
-                    <a:lnR>
-                      <a:noFill/>
-                    </a:lnR>
-                    <a:lnT>
-                      <a:noFill/>
-                    </a:lnT>
-                    <a:lnB>
-                      <a:noFill/>
-                    </a:lnB>
-                    <a:solidFill>
-                      <a:srgbClr val="E2EFDA"/>
-                    </a:solidFill>
-                  </a:tcPr>
-                </a:tc>
-                <a:tc>
-                  <a:txBody>
-                    <a:bodyPr/>
-                    <a:lstStyle/>
-                    <a:p>
-                      <a:pPr algn="l" fontAlgn="b"/>
-                      <a:r>
-                        <a:rPr lang="de-CH" sz="900" b="0" i="0" u="none" strike="noStrike">
-                          <a:solidFill>
-                            <a:srgbClr val="000000"/>
-                          </a:solidFill>
-                          <a:effectLst/>
-                          <a:latin typeface="Calibri" panose="020F0502020204030204" pitchFamily="34" charset="0"/>
-                        </a:rPr>
-                        <a:t>All</a:t>
-                      </a:r>
-                    </a:p>
-                  </a:txBody>
-                  <a:tcPr marL="5206" marR="5206" marT="5206" marB="37481" anchor="b">
-                    <a:lnL>
-                      <a:noFill/>
-                    </a:lnL>
-                    <a:lnR>
-                      <a:noFill/>
-                    </a:lnR>
-                    <a:lnT>
-                      <a:noFill/>
-                    </a:lnT>
-                    <a:lnB>
-                      <a:noFill/>
-                    </a:lnB>
-                    <a:solidFill>
-                      <a:srgbClr val="E2EFDA"/>
-                    </a:solidFill>
-                  </a:tcPr>
-                </a:tc>
-                <a:tc>
-                  <a:txBody>
-                    <a:bodyPr/>
-                    <a:lstStyle/>
-                    <a:p>
-                      <a:pPr algn="l" fontAlgn="b"/>
-                      <a:r>
-                        <a:rPr lang="de-CH" sz="900" b="0" i="0" u="none" strike="noStrike">
-                          <a:solidFill>
-                            <a:srgbClr val="000000"/>
-                          </a:solidFill>
-                          <a:effectLst/>
-                          <a:latin typeface="Calibri" panose="020F0502020204030204" pitchFamily="34" charset="0"/>
-                        </a:rPr>
-                        <a:t>high</a:t>
-                      </a:r>
-                    </a:p>
-                  </a:txBody>
-                  <a:tcPr marL="5206" marR="5206" marT="5206" marB="37481" anchor="b">
-                    <a:lnL>
-                      <a:noFill/>
-                    </a:lnL>
-                    <a:lnR>
-                      <a:noFill/>
-                    </a:lnR>
-                    <a:lnT>
-                      <a:noFill/>
-                    </a:lnT>
-                    <a:lnB>
-                      <a:noFill/>
-                    </a:lnB>
-                    <a:solidFill>
-                      <a:srgbClr val="E2EFDA"/>
+                      <a:srgbClr val="D9D9D9"/>
                     </a:solidFill>
                   </a:tcPr>
                 </a:tc>
@@ -7749,80 +9614,25 @@
                     <a:lnT>
                       <a:noFill/>
                     </a:lnT>
-                    <a:lnB>
-                      <a:noFill/>
-                    </a:lnB>
+                    <a:lnB w="12700" cap="flat" cmpd="sng" algn="ctr">
+                      <a:solidFill>
+                        <a:schemeClr val="tx1"/>
+                      </a:solidFill>
+                      <a:prstDash val="solid"/>
+                      <a:round/>
+                      <a:headEnd type="none" w="med" len="med"/>
+                      <a:tailEnd type="none" w="med" len="med"/>
+                    </a:lnB>
+                    <a:lnTlToBr w="12700" cmpd="sng">
+                      <a:noFill/>
+                      <a:prstDash val="solid"/>
+                    </a:lnTlToBr>
+                    <a:lnBlToTr w="12700" cmpd="sng">
+                      <a:noFill/>
+                      <a:prstDash val="solid"/>
+                    </a:lnBlToTr>
                     <a:solidFill>
-                      <a:srgbClr val="E2EFDA"/>
-                    </a:solidFill>
-                  </a:tcPr>
-                </a:tc>
-                <a:tc>
-                  <a:txBody>
-                    <a:bodyPr/>
-                    <a:lstStyle/>
-                    <a:p>
-                      <a:pPr algn="l" fontAlgn="b"/>
-                      <a:endParaRPr lang="de-CH" sz="900" b="0" i="0" u="none" strike="noStrike">
-                        <a:solidFill>
-                          <a:srgbClr val="000000"/>
-                        </a:solidFill>
-                        <a:effectLst/>
-                        <a:latin typeface="Calibri" panose="020F0502020204030204" pitchFamily="34" charset="0"/>
-                      </a:endParaRPr>
-                    </a:p>
-                  </a:txBody>
-                  <a:tcPr marL="5206" marR="5206" marT="5206" marB="37481" anchor="b">
-                    <a:lnL>
-                      <a:noFill/>
-                    </a:lnL>
-                    <a:lnR>
-                      <a:noFill/>
-                    </a:lnR>
-                    <a:lnT>
-                      <a:noFill/>
-                    </a:lnT>
-                    <a:lnB>
-                      <a:noFill/>
-                    </a:lnB>
-                    <a:solidFill>
-                      <a:srgbClr val="E2EFDA"/>
-                    </a:solidFill>
-                  </a:tcPr>
-                </a:tc>
-                <a:tc>
-                  <a:txBody>
-                    <a:bodyPr/>
-                    <a:lstStyle/>
-                    <a:p>
-                      <a:pPr algn="r" fontAlgn="b"/>
-                      <a:r>
-                        <a:rPr lang="de-CH" sz="900" b="0" i="0" u="none" strike="noStrike">
-                          <a:solidFill>
-                            <a:srgbClr val="000000"/>
-                          </a:solidFill>
-                          <a:effectLst/>
-                          <a:latin typeface="Calibri" panose="020F0502020204030204" pitchFamily="34" charset="0"/>
-                        </a:rPr>
-                        <a:t>1</a:t>
-                      </a:r>
-                    </a:p>
-                  </a:txBody>
-                  <a:tcPr marL="5206" marR="5206" marT="5206" marB="37481" anchor="b">
-                    <a:lnL>
-                      <a:noFill/>
-                    </a:lnL>
-                    <a:lnR>
-                      <a:noFill/>
-                    </a:lnR>
-                    <a:lnT>
-                      <a:noFill/>
-                    </a:lnT>
-                    <a:lnB>
-                      <a:noFill/>
-                    </a:lnB>
-                    <a:solidFill>
-                      <a:srgbClr val="E2EFDA"/>
+                      <a:srgbClr val="D9D9D9"/>
                     </a:solidFill>
                   </a:tcPr>
                 </a:tc>
@@ -7840,7 +9650,7 @@
                           <a:effectLst/>
                           <a:latin typeface="Calibri" panose="020F0502020204030204" pitchFamily="34" charset="0"/>
                         </a:rPr>
-                        <a:t>Done</a:t>
+                        <a:t>Manage Users</a:t>
                       </a:r>
                     </a:p>
                   </a:txBody>
@@ -7848,7 +9658,13 @@
                     <a:lnL>
                       <a:noFill/>
                     </a:lnL>
-                    <a:lnR w="12700" cap="flat" cmpd="sng" algn="ctr">
+                    <a:lnR>
+                      <a:noFill/>
+                    </a:lnR>
+                    <a:lnT>
+                      <a:noFill/>
+                    </a:lnT>
+                    <a:lnB w="12700" cap="flat" cmpd="sng" algn="ctr">
                       <a:solidFill>
                         <a:schemeClr val="tx1"/>
                       </a:solidFill>
@@ -7856,45 +9672,49 @@
                       <a:round/>
                       <a:headEnd type="none" w="med" len="med"/>
                       <a:tailEnd type="none" w="med" len="med"/>
-                    </a:lnR>
-                    <a:lnT>
-                      <a:noFill/>
-                    </a:lnT>
-                    <a:lnB>
-                      <a:noFill/>
-                    </a:lnB>
+                    </a:lnB>
+                    <a:lnTlToBr w="12700" cmpd="sng">
+                      <a:noFill/>
+                      <a:prstDash val="solid"/>
+                    </a:lnTlToBr>
+                    <a:lnBlToTr w="12700" cmpd="sng">
+                      <a:noFill/>
+                      <a:prstDash val="solid"/>
+                    </a:lnBlToTr>
                     <a:solidFill>
-                      <a:srgbClr val="E2EFDA"/>
+                      <a:srgbClr val="D9D9D9"/>
                     </a:solidFill>
                   </a:tcPr>
                 </a:tc>
-                <a:extLst>
-                  <a:ext uri="{0D108BD9-81ED-4DB2-BD59-A6C34878D82A}">
-                    <a16:rowId xmlns:a16="http://schemas.microsoft.com/office/drawing/2014/main" val="69612666"/>
-                  </a:ext>
-                </a:extLst>
-              </a:tr>
-              <a:tr h="180119">
-                <a:tc>
-                  <a:txBody>
-                    <a:bodyPr/>
-                    <a:lstStyle/>
-                    <a:p>
-                      <a:pPr algn="r" fontAlgn="b"/>
+                <a:tc>
+                  <a:txBody>
+                    <a:bodyPr/>
+                    <a:lstStyle/>
+                    <a:p>
+                      <a:pPr algn="l" fontAlgn="b"/>
                       <a:r>
-                        <a:rPr lang="de-CH" sz="900" b="0" i="0" u="none" strike="noStrike">
+                        <a:rPr lang="en-US" sz="900" b="0" i="0" u="none" strike="noStrike">
                           <a:solidFill>
                             <a:srgbClr val="000000"/>
                           </a:solidFill>
                           <a:effectLst/>
                           <a:latin typeface="Calibri" panose="020F0502020204030204" pitchFamily="34" charset="0"/>
                         </a:rPr>
-                        <a:t>1.4</a:t>
+                        <a:t>Implement Service and Class for users</a:t>
                       </a:r>
                     </a:p>
                   </a:txBody>
                   <a:tcPr marL="5206" marR="5206" marT="5206" marB="37481" anchor="b">
-                    <a:lnL w="12700" cap="flat" cmpd="sng" algn="ctr">
+                    <a:lnL>
+                      <a:noFill/>
+                    </a:lnL>
+                    <a:lnR>
+                      <a:noFill/>
+                    </a:lnR>
+                    <a:lnT>
+                      <a:noFill/>
+                    </a:lnT>
+                    <a:lnB w="12700" cap="flat" cmpd="sng" algn="ctr">
                       <a:solidFill>
                         <a:schemeClr val="tx1"/>
                       </a:solidFill>
@@ -7902,54 +9722,17 @@
                       <a:round/>
                       <a:headEnd type="none" w="med" len="med"/>
                       <a:tailEnd type="none" w="med" len="med"/>
-                    </a:lnL>
-                    <a:lnR>
-                      <a:noFill/>
-                    </a:lnR>
-                    <a:lnT>
-                      <a:noFill/>
-                    </a:lnT>
-                    <a:lnB>
-                      <a:noFill/>
-                    </a:lnB>
+                    </a:lnB>
+                    <a:lnTlToBr w="12700" cmpd="sng">
+                      <a:noFill/>
+                      <a:prstDash val="solid"/>
+                    </a:lnTlToBr>
+                    <a:lnBlToTr w="12700" cmpd="sng">
+                      <a:noFill/>
+                      <a:prstDash val="solid"/>
+                    </a:lnBlToTr>
                     <a:solidFill>
-                      <a:srgbClr val="E2EFDA"/>
-                    </a:solidFill>
-                  </a:tcPr>
-                </a:tc>
-                <a:tc>
-                  <a:txBody>
-                    <a:bodyPr/>
-                    <a:lstStyle/>
-                    <a:p>
-                      <a:pPr algn="r" fontAlgn="b"/>
-                      <a:r>
-                        <a:rPr lang="de-CH" sz="900" b="0" i="0" u="none" strike="noStrike">
-                          <a:solidFill>
-                            <a:srgbClr val="000000"/>
-                          </a:solidFill>
-                          <a:effectLst/>
-                          <a:latin typeface="Calibri" panose="020F0502020204030204" pitchFamily="34" charset="0"/>
-                        </a:rPr>
-                        <a:t>1</a:t>
-                      </a:r>
-                    </a:p>
-                  </a:txBody>
-                  <a:tcPr marL="5206" marR="5206" marT="5206" marB="37481" anchor="b">
-                    <a:lnL>
-                      <a:noFill/>
-                    </a:lnL>
-                    <a:lnR>
-                      <a:noFill/>
-                    </a:lnR>
-                    <a:lnT>
-                      <a:noFill/>
-                    </a:lnT>
-                    <a:lnB>
-                      <a:noFill/>
-                    </a:lnB>
-                    <a:solidFill>
-                      <a:srgbClr val="E2EFDA"/>
+                      <a:srgbClr val="D9D9D9"/>
                     </a:solidFill>
                   </a:tcPr>
                 </a:tc>
@@ -7967,7 +9750,7 @@
                           <a:effectLst/>
                           <a:latin typeface="Calibri" panose="020F0502020204030204" pitchFamily="34" charset="0"/>
                         </a:rPr>
-                        <a:t>General UI Layout</a:t>
+                        <a:t>Access Control</a:t>
                       </a:r>
                     </a:p>
                   </a:txBody>
@@ -7981,11 +9764,25 @@
                     <a:lnT>
                       <a:noFill/>
                     </a:lnT>
-                    <a:lnB>
-                      <a:noFill/>
-                    </a:lnB>
+                    <a:lnB w="12700" cap="flat" cmpd="sng" algn="ctr">
+                      <a:solidFill>
+                        <a:schemeClr val="tx1"/>
+                      </a:solidFill>
+                      <a:prstDash val="solid"/>
+                      <a:round/>
+                      <a:headEnd type="none" w="med" len="med"/>
+                      <a:tailEnd type="none" w="med" len="med"/>
+                    </a:lnB>
+                    <a:lnTlToBr w="12700" cmpd="sng">
+                      <a:noFill/>
+                      <a:prstDash val="solid"/>
+                    </a:lnTlToBr>
+                    <a:lnBlToTr w="12700" cmpd="sng">
+                      <a:noFill/>
+                      <a:prstDash val="solid"/>
+                    </a:lnBlToTr>
                     <a:solidFill>
-                      <a:srgbClr val="E2EFDA"/>
+                      <a:srgbClr val="D9D9D9"/>
                     </a:solidFill>
                   </a:tcPr>
                 </a:tc>
@@ -8003,7 +9800,7 @@
                           <a:effectLst/>
                           <a:latin typeface="Calibri" panose="020F0502020204030204" pitchFamily="34" charset="0"/>
                         </a:rPr>
-                        <a:t>Vaadin layout definition</a:t>
+                        <a:t>Rolf</a:t>
                       </a:r>
                     </a:p>
                   </a:txBody>
@@ -8017,11 +9814,25 @@
                     <a:lnT>
                       <a:noFill/>
                     </a:lnT>
-                    <a:lnB>
-                      <a:noFill/>
-                    </a:lnB>
+                    <a:lnB w="12700" cap="flat" cmpd="sng" algn="ctr">
+                      <a:solidFill>
+                        <a:schemeClr val="tx1"/>
+                      </a:solidFill>
+                      <a:prstDash val="solid"/>
+                      <a:round/>
+                      <a:headEnd type="none" w="med" len="med"/>
+                      <a:tailEnd type="none" w="med" len="med"/>
+                    </a:lnB>
+                    <a:lnTlToBr w="12700" cmpd="sng">
+                      <a:noFill/>
+                      <a:prstDash val="solid"/>
+                    </a:lnTlToBr>
+                    <a:lnBlToTr w="12700" cmpd="sng">
+                      <a:noFill/>
+                      <a:prstDash val="solid"/>
+                    </a:lnBlToTr>
                     <a:solidFill>
-                      <a:srgbClr val="E2EFDA"/>
+                      <a:srgbClr val="D9D9D9"/>
                     </a:solidFill>
                   </a:tcPr>
                 </a:tc>
@@ -8039,7 +9850,7 @@
                           <a:effectLst/>
                           <a:latin typeface="Calibri" panose="020F0502020204030204" pitchFamily="34" charset="0"/>
                         </a:rPr>
-                        <a:t>UI</a:t>
+                        <a:t>Ali</a:t>
                       </a:r>
                     </a:p>
                   </a:txBody>
@@ -8053,11 +9864,25 @@
                     <a:lnT>
                       <a:noFill/>
                     </a:lnT>
-                    <a:lnB>
-                      <a:noFill/>
-                    </a:lnB>
+                    <a:lnB w="12700" cap="flat" cmpd="sng" algn="ctr">
+                      <a:solidFill>
+                        <a:schemeClr val="tx1"/>
+                      </a:solidFill>
+                      <a:prstDash val="solid"/>
+                      <a:round/>
+                      <a:headEnd type="none" w="med" len="med"/>
+                      <a:tailEnd type="none" w="med" len="med"/>
+                    </a:lnB>
+                    <a:lnTlToBr w="12700" cmpd="sng">
+                      <a:noFill/>
+                      <a:prstDash val="solid"/>
+                    </a:lnTlToBr>
+                    <a:lnBlToTr w="12700" cmpd="sng">
+                      <a:noFill/>
+                      <a:prstDash val="solid"/>
+                    </a:lnBlToTr>
                     <a:solidFill>
-                      <a:srgbClr val="E2EFDA"/>
+                      <a:srgbClr val="D9D9D9"/>
                     </a:solidFill>
                   </a:tcPr>
                 </a:tc>
@@ -8075,7 +9900,7 @@
                           <a:effectLst/>
                           <a:latin typeface="Calibri" panose="020F0502020204030204" pitchFamily="34" charset="0"/>
                         </a:rPr>
-                        <a:t>Ali/Adrian</a:t>
+                        <a:t>low</a:t>
                       </a:r>
                     </a:p>
                   </a:txBody>
@@ -8089,83 +9914,25 @@
                     <a:lnT>
                       <a:noFill/>
                     </a:lnT>
-                    <a:lnB>
-                      <a:noFill/>
-                    </a:lnB>
+                    <a:lnB w="12700" cap="flat" cmpd="sng" algn="ctr">
+                      <a:solidFill>
+                        <a:schemeClr val="tx1"/>
+                      </a:solidFill>
+                      <a:prstDash val="solid"/>
+                      <a:round/>
+                      <a:headEnd type="none" w="med" len="med"/>
+                      <a:tailEnd type="none" w="med" len="med"/>
+                    </a:lnB>
+                    <a:lnTlToBr w="12700" cmpd="sng">
+                      <a:noFill/>
+                      <a:prstDash val="solid"/>
+                    </a:lnTlToBr>
+                    <a:lnBlToTr w="12700" cmpd="sng">
+                      <a:noFill/>
+                      <a:prstDash val="solid"/>
+                    </a:lnBlToTr>
                     <a:solidFill>
-                      <a:srgbClr val="E2EFDA"/>
-                    </a:solidFill>
-                  </a:tcPr>
-                </a:tc>
-                <a:tc>
-                  <a:txBody>
-                    <a:bodyPr/>
-                    <a:lstStyle/>
-                    <a:p>
-                      <a:pPr algn="l" fontAlgn="b"/>
-                      <a:r>
-                        <a:rPr lang="de-CH" sz="900" b="0" i="0" u="none" strike="noStrike">
-                          <a:solidFill>
-                            <a:srgbClr val="000000"/>
-                          </a:solidFill>
-                          <a:effectLst/>
-                          <a:latin typeface="Calibri" panose="020F0502020204030204" pitchFamily="34" charset="0"/>
-                        </a:rPr>
-                        <a:t>Florian</a:t>
-                      </a:r>
-                    </a:p>
-                  </a:txBody>
-                  <a:tcPr marL="5206" marR="5206" marT="5206" marB="37481" anchor="b">
-                    <a:lnL>
-                      <a:noFill/>
-                    </a:lnL>
-                    <a:lnR>
-                      <a:noFill/>
-                    </a:lnR>
-                    <a:lnT>
-                      <a:noFill/>
-                    </a:lnT>
-                    <a:lnB>
-                      <a:noFill/>
-                    </a:lnB>
-                    <a:solidFill>
-                      <a:srgbClr val="E2EFDA"/>
-                    </a:solidFill>
-                  </a:tcPr>
-                </a:tc>
-                <a:tc>
-                  <a:txBody>
-                    <a:bodyPr/>
-                    <a:lstStyle/>
-                    <a:p>
-                      <a:pPr algn="l" fontAlgn="b"/>
-                      <a:r>
-                        <a:rPr lang="de-CH" sz="900" b="0" i="0" u="none" strike="noStrike">
-                          <a:solidFill>
-                            <a:srgbClr val="000000"/>
-                          </a:solidFill>
-                          <a:effectLst/>
-                          <a:latin typeface="Calibri" panose="020F0502020204030204" pitchFamily="34" charset="0"/>
-                        </a:rPr>
-                        <a:t>high</a:t>
-                      </a:r>
-                    </a:p>
-                  </a:txBody>
-                  <a:tcPr marL="5206" marR="5206" marT="5206" marB="37481" anchor="b">
-                    <a:lnL>
-                      <a:noFill/>
-                    </a:lnL>
-                    <a:lnR>
-                      <a:noFill/>
-                    </a:lnR>
-                    <a:lnT>
-                      <a:noFill/>
-                    </a:lnT>
-                    <a:lnB>
-                      <a:noFill/>
-                    </a:lnB>
-                    <a:solidFill>
-                      <a:srgbClr val="E2EFDA"/>
+                      <a:srgbClr val="D9D9D9"/>
                     </a:solidFill>
                   </a:tcPr>
                 </a:tc>
@@ -8197,11 +9964,25 @@
                     <a:lnT>
                       <a:noFill/>
                     </a:lnT>
-                    <a:lnB>
-                      <a:noFill/>
-                    </a:lnB>
+                    <a:lnB w="12700" cap="flat" cmpd="sng" algn="ctr">
+                      <a:solidFill>
+                        <a:schemeClr val="tx1"/>
+                      </a:solidFill>
+                      <a:prstDash val="solid"/>
+                      <a:round/>
+                      <a:headEnd type="none" w="med" len="med"/>
+                      <a:tailEnd type="none" w="med" len="med"/>
+                    </a:lnB>
+                    <a:lnTlToBr w="12700" cmpd="sng">
+                      <a:noFill/>
+                      <a:prstDash val="solid"/>
+                    </a:lnTlToBr>
+                    <a:lnBlToTr w="12700" cmpd="sng">
+                      <a:noFill/>
+                      <a:prstDash val="solid"/>
+                    </a:lnBlToTr>
                     <a:solidFill>
-                      <a:srgbClr val="E2EFDA"/>
+                      <a:srgbClr val="D9D9D9"/>
                     </a:solidFill>
                   </a:tcPr>
                 </a:tc>
@@ -8230,73 +10011,7 @@
                     <a:lnT>
                       <a:noFill/>
                     </a:lnT>
-                    <a:lnB>
-                      <a:noFill/>
-                    </a:lnB>
-                    <a:solidFill>
-                      <a:srgbClr val="E2EFDA"/>
-                    </a:solidFill>
-                  </a:tcPr>
-                </a:tc>
-                <a:tc>
-                  <a:txBody>
-                    <a:bodyPr/>
-                    <a:lstStyle/>
-                    <a:p>
-                      <a:pPr algn="r" fontAlgn="b"/>
-                      <a:r>
-                        <a:rPr lang="de-CH" sz="900" b="0" i="0" u="none" strike="noStrike">
-                          <a:solidFill>
-                            <a:srgbClr val="000000"/>
-                          </a:solidFill>
-                          <a:effectLst/>
-                          <a:latin typeface="Calibri" panose="020F0502020204030204" pitchFamily="34" charset="0"/>
-                        </a:rPr>
-                        <a:t>4</a:t>
-                      </a:r>
-                    </a:p>
-                  </a:txBody>
-                  <a:tcPr marL="5206" marR="5206" marT="5206" marB="37481" anchor="b">
-                    <a:lnL>
-                      <a:noFill/>
-                    </a:lnL>
-                    <a:lnR>
-                      <a:noFill/>
-                    </a:lnR>
-                    <a:lnT>
-                      <a:noFill/>
-                    </a:lnT>
-                    <a:lnB>
-                      <a:noFill/>
-                    </a:lnB>
-                    <a:solidFill>
-                      <a:srgbClr val="E2EFDA"/>
-                    </a:solidFill>
-                  </a:tcPr>
-                </a:tc>
-                <a:tc>
-                  <a:txBody>
-                    <a:bodyPr/>
-                    <a:lstStyle/>
-                    <a:p>
-                      <a:pPr algn="l" fontAlgn="b"/>
-                      <a:r>
-                        <a:rPr lang="de-CH" sz="900" b="0" i="0" u="none" strike="noStrike">
-                          <a:solidFill>
-                            <a:srgbClr val="000000"/>
-                          </a:solidFill>
-                          <a:effectLst/>
-                          <a:latin typeface="Calibri" panose="020F0502020204030204" pitchFamily="34" charset="0"/>
-                        </a:rPr>
-                        <a:t>Done</a:t>
-                      </a:r>
-                    </a:p>
-                  </a:txBody>
-                  <a:tcPr marL="5206" marR="5206" marT="5206" marB="37481" anchor="b">
-                    <a:lnL>
-                      <a:noFill/>
-                    </a:lnL>
-                    <a:lnR w="12700" cap="flat" cmpd="sng" algn="ctr">
+                    <a:lnB w="12700" cap="flat" cmpd="sng" algn="ctr">
                       <a:solidFill>
                         <a:schemeClr val="tx1"/>
                       </a:solidFill>
@@ -8304,352 +10019,17 @@
                       <a:round/>
                       <a:headEnd type="none" w="med" len="med"/>
                       <a:tailEnd type="none" w="med" len="med"/>
-                    </a:lnR>
-                    <a:lnT>
-                      <a:noFill/>
-                    </a:lnT>
-                    <a:lnB>
-                      <a:noFill/>
-                    </a:lnB>
+                    </a:lnB>
+                    <a:lnTlToBr w="12700" cmpd="sng">
+                      <a:noFill/>
+                      <a:prstDash val="solid"/>
+                    </a:lnTlToBr>
+                    <a:lnBlToTr w="12700" cmpd="sng">
+                      <a:noFill/>
+                      <a:prstDash val="solid"/>
+                    </a:lnBlToTr>
                     <a:solidFill>
-                      <a:srgbClr val="E2EFDA"/>
-                    </a:solidFill>
-                  </a:tcPr>
-                </a:tc>
-                <a:extLst>
-                  <a:ext uri="{0D108BD9-81ED-4DB2-BD59-A6C34878D82A}">
-                    <a16:rowId xmlns:a16="http://schemas.microsoft.com/office/drawing/2014/main" val="634853672"/>
-                  </a:ext>
-                </a:extLst>
-              </a:tr>
-              <a:tr h="180119">
-                <a:tc>
-                  <a:txBody>
-                    <a:bodyPr/>
-                    <a:lstStyle/>
-                    <a:p>
-                      <a:pPr algn="r" fontAlgn="b"/>
-                      <a:r>
-                        <a:rPr lang="de-CH" sz="900" b="0" i="0" u="none" strike="noStrike">
-                          <a:solidFill>
-                            <a:srgbClr val="000000"/>
-                          </a:solidFill>
-                          <a:effectLst/>
-                          <a:latin typeface="Calibri" panose="020F0502020204030204" pitchFamily="34" charset="0"/>
-                        </a:rPr>
-                        <a:t>2.1</a:t>
-                      </a:r>
-                    </a:p>
-                  </a:txBody>
-                  <a:tcPr marL="5206" marR="5206" marT="5206" marB="37481" anchor="b">
-                    <a:lnL w="12700" cap="flat" cmpd="sng" algn="ctr">
-                      <a:solidFill>
-                        <a:schemeClr val="tx1"/>
-                      </a:solidFill>
-                      <a:prstDash val="solid"/>
-                      <a:round/>
-                      <a:headEnd type="none" w="med" len="med"/>
-                      <a:tailEnd type="none" w="med" len="med"/>
-                    </a:lnL>
-                    <a:lnR>
-                      <a:noFill/>
-                    </a:lnR>
-                    <a:lnT>
-                      <a:noFill/>
-                    </a:lnT>
-                    <a:lnB>
-                      <a:noFill/>
-                    </a:lnB>
-                    <a:solidFill>
-                      <a:srgbClr val="E2EFDA"/>
-                    </a:solidFill>
-                  </a:tcPr>
-                </a:tc>
-                <a:tc>
-                  <a:txBody>
-                    <a:bodyPr/>
-                    <a:lstStyle/>
-                    <a:p>
-                      <a:pPr algn="r" fontAlgn="b"/>
-                      <a:r>
-                        <a:rPr lang="de-CH" sz="900" b="0" i="0" u="none" strike="noStrike">
-                          <a:solidFill>
-                            <a:srgbClr val="000000"/>
-                          </a:solidFill>
-                          <a:effectLst/>
-                          <a:latin typeface="Calibri" panose="020F0502020204030204" pitchFamily="34" charset="0"/>
-                        </a:rPr>
-                        <a:t>1</a:t>
-                      </a:r>
-                    </a:p>
-                  </a:txBody>
-                  <a:tcPr marL="5206" marR="5206" marT="5206" marB="37481" anchor="b">
-                    <a:lnL>
-                      <a:noFill/>
-                    </a:lnL>
-                    <a:lnR>
-                      <a:noFill/>
-                    </a:lnR>
-                    <a:lnT>
-                      <a:noFill/>
-                    </a:lnT>
-                    <a:lnB>
-                      <a:noFill/>
-                    </a:lnB>
-                    <a:solidFill>
-                      <a:srgbClr val="E2EFDA"/>
-                    </a:solidFill>
-                  </a:tcPr>
-                </a:tc>
-                <a:tc>
-                  <a:txBody>
-                    <a:bodyPr/>
-                    <a:lstStyle/>
-                    <a:p>
-                      <a:pPr algn="l" fontAlgn="b"/>
-                      <a:r>
-                        <a:rPr lang="de-CH" sz="900" b="0" i="0" u="none" strike="noStrike">
-                          <a:solidFill>
-                            <a:srgbClr val="000000"/>
-                          </a:solidFill>
-                          <a:effectLst/>
-                          <a:latin typeface="Calibri" panose="020F0502020204030204" pitchFamily="34" charset="0"/>
-                        </a:rPr>
-                        <a:t>User Authentication</a:t>
-                      </a:r>
-                    </a:p>
-                  </a:txBody>
-                  <a:tcPr marL="5206" marR="5206" marT="5206" marB="37481" anchor="b">
-                    <a:lnL>
-                      <a:noFill/>
-                    </a:lnL>
-                    <a:lnR>
-                      <a:noFill/>
-                    </a:lnR>
-                    <a:lnT>
-                      <a:noFill/>
-                    </a:lnT>
-                    <a:lnB>
-                      <a:noFill/>
-                    </a:lnB>
-                    <a:solidFill>
-                      <a:srgbClr val="E2EFDA"/>
-                    </a:solidFill>
-                  </a:tcPr>
-                </a:tc>
-                <a:tc>
-                  <a:txBody>
-                    <a:bodyPr/>
-                    <a:lstStyle/>
-                    <a:p>
-                      <a:pPr algn="l" fontAlgn="b"/>
-                      <a:r>
-                        <a:rPr lang="en-US" sz="900" b="0" i="0" u="none" strike="noStrike">
-                          <a:solidFill>
-                            <a:srgbClr val="000000"/>
-                          </a:solidFill>
-                          <a:effectLst/>
-                          <a:latin typeface="Calibri" panose="020F0502020204030204" pitchFamily="34" charset="0"/>
-                        </a:rPr>
-                        <a:t>User Access Control, possibility to authenticate as a user</a:t>
-                      </a:r>
-                    </a:p>
-                  </a:txBody>
-                  <a:tcPr marL="5206" marR="5206" marT="5206" marB="37481" anchor="b">
-                    <a:lnL>
-                      <a:noFill/>
-                    </a:lnL>
-                    <a:lnR>
-                      <a:noFill/>
-                    </a:lnR>
-                    <a:lnT>
-                      <a:noFill/>
-                    </a:lnT>
-                    <a:lnB>
-                      <a:noFill/>
-                    </a:lnB>
-                    <a:solidFill>
-                      <a:srgbClr val="E2EFDA"/>
-                    </a:solidFill>
-                  </a:tcPr>
-                </a:tc>
-                <a:tc>
-                  <a:txBody>
-                    <a:bodyPr/>
-                    <a:lstStyle/>
-                    <a:p>
-                      <a:pPr algn="l" fontAlgn="b"/>
-                      <a:r>
-                        <a:rPr lang="de-CH" sz="900" b="0" i="0" u="none" strike="noStrike">
-                          <a:solidFill>
-                            <a:srgbClr val="000000"/>
-                          </a:solidFill>
-                          <a:effectLst/>
-                          <a:latin typeface="Calibri" panose="020F0502020204030204" pitchFamily="34" charset="0"/>
-                        </a:rPr>
-                        <a:t>Model</a:t>
-                      </a:r>
-                    </a:p>
-                  </a:txBody>
-                  <a:tcPr marL="5206" marR="5206" marT="5206" marB="37481" anchor="b">
-                    <a:lnL>
-                      <a:noFill/>
-                    </a:lnL>
-                    <a:lnR>
-                      <a:noFill/>
-                    </a:lnR>
-                    <a:lnT>
-                      <a:noFill/>
-                    </a:lnT>
-                    <a:lnB>
-                      <a:noFill/>
-                    </a:lnB>
-                    <a:solidFill>
-                      <a:srgbClr val="E2EFDA"/>
-                    </a:solidFill>
-                  </a:tcPr>
-                </a:tc>
-                <a:tc>
-                  <a:txBody>
-                    <a:bodyPr/>
-                    <a:lstStyle/>
-                    <a:p>
-                      <a:pPr algn="l" fontAlgn="b"/>
-                      <a:r>
-                        <a:rPr lang="de-CH" sz="900" b="0" i="0" u="none" strike="noStrike">
-                          <a:solidFill>
-                            <a:srgbClr val="000000"/>
-                          </a:solidFill>
-                          <a:effectLst/>
-                          <a:latin typeface="Calibri" panose="020F0502020204030204" pitchFamily="34" charset="0"/>
-                        </a:rPr>
-                        <a:t>Rolf</a:t>
-                      </a:r>
-                    </a:p>
-                  </a:txBody>
-                  <a:tcPr marL="5206" marR="5206" marT="5206" marB="37481" anchor="b">
-                    <a:lnL>
-                      <a:noFill/>
-                    </a:lnL>
-                    <a:lnR>
-                      <a:noFill/>
-                    </a:lnR>
-                    <a:lnT>
-                      <a:noFill/>
-                    </a:lnT>
-                    <a:lnB>
-                      <a:noFill/>
-                    </a:lnB>
-                    <a:solidFill>
-                      <a:srgbClr val="E2EFDA"/>
-                    </a:solidFill>
-                  </a:tcPr>
-                </a:tc>
-                <a:tc>
-                  <a:txBody>
-                    <a:bodyPr/>
-                    <a:lstStyle/>
-                    <a:p>
-                      <a:pPr algn="l" fontAlgn="b"/>
-                      <a:r>
-                        <a:rPr lang="de-CH" sz="900" b="0" i="0" u="none" strike="noStrike">
-                          <a:solidFill>
-                            <a:srgbClr val="000000"/>
-                          </a:solidFill>
-                          <a:effectLst/>
-                          <a:latin typeface="Calibri" panose="020F0502020204030204" pitchFamily="34" charset="0"/>
-                        </a:rPr>
-                        <a:t>Ali</a:t>
-                      </a:r>
-                    </a:p>
-                  </a:txBody>
-                  <a:tcPr marL="5206" marR="5206" marT="5206" marB="37481" anchor="b">
-                    <a:lnL>
-                      <a:noFill/>
-                    </a:lnL>
-                    <a:lnR>
-                      <a:noFill/>
-                    </a:lnR>
-                    <a:lnT>
-                      <a:noFill/>
-                    </a:lnT>
-                    <a:lnB>
-                      <a:noFill/>
-                    </a:lnB>
-                    <a:solidFill>
-                      <a:srgbClr val="E2EFDA"/>
-                    </a:solidFill>
-                  </a:tcPr>
-                </a:tc>
-                <a:tc>
-                  <a:txBody>
-                    <a:bodyPr/>
-                    <a:lstStyle/>
-                    <a:p>
-                      <a:pPr algn="l" fontAlgn="b"/>
-                      <a:r>
-                        <a:rPr lang="de-CH" sz="900" b="0" i="0" u="none" strike="noStrike">
-                          <a:solidFill>
-                            <a:srgbClr val="000000"/>
-                          </a:solidFill>
-                          <a:effectLst/>
-                          <a:latin typeface="Calibri" panose="020F0502020204030204" pitchFamily="34" charset="0"/>
-                        </a:rPr>
-                        <a:t>low</a:t>
-                      </a:r>
-                    </a:p>
-                  </a:txBody>
-                  <a:tcPr marL="5206" marR="5206" marT="5206" marB="37481" anchor="b">
-                    <a:lnL>
-                      <a:noFill/>
-                    </a:lnL>
-                    <a:lnR>
-                      <a:noFill/>
-                    </a:lnR>
-                    <a:lnT>
-                      <a:noFill/>
-                    </a:lnT>
-                    <a:lnB>
-                      <a:noFill/>
-                    </a:lnB>
-                    <a:solidFill>
-                      <a:srgbClr val="E2EFDA"/>
-                    </a:solidFill>
-                  </a:tcPr>
-                </a:tc>
-                <a:tc>
-                  <a:txBody>
-                    <a:bodyPr/>
-                    <a:lstStyle/>
-                    <a:p>
-                      <a:pPr algn="r" fontAlgn="b"/>
-                      <a:r>
-                        <a:rPr lang="de-CH" sz="900" b="0" i="0" u="none" strike="noStrike">
-                          <a:solidFill>
-                            <a:srgbClr val="000000"/>
-                          </a:solidFill>
-                          <a:effectLst/>
-                          <a:latin typeface="Calibri" panose="020F0502020204030204" pitchFamily="34" charset="0"/>
-                        </a:rPr>
-                        <a:t>4</a:t>
-                      </a:r>
-                    </a:p>
-                  </a:txBody>
-                  <a:tcPr marL="5206" marR="5206" marT="5206" marB="37481" anchor="b">
-                    <a:lnL>
-                      <a:noFill/>
-                    </a:lnL>
-                    <a:lnR>
-                      <a:noFill/>
-                    </a:lnR>
-                    <a:lnT>
-                      <a:noFill/>
-                    </a:lnT>
-                    <a:lnB>
-                      <a:noFill/>
-                    </a:lnB>
-                    <a:solidFill>
-                      <a:srgbClr val="E2EFDA"/>
+                      <a:srgbClr val="D9D9D9"/>
                     </a:solidFill>
                   </a:tcPr>
                 </a:tc>
@@ -8678,133 +10058,6 @@
                     <a:lnT>
                       <a:noFill/>
                     </a:lnT>
-                    <a:lnB>
-                      <a:noFill/>
-                    </a:lnB>
-                    <a:solidFill>
-                      <a:srgbClr val="E2EFDA"/>
-                    </a:solidFill>
-                  </a:tcPr>
-                </a:tc>
-                <a:tc>
-                  <a:txBody>
-                    <a:bodyPr/>
-                    <a:lstStyle/>
-                    <a:p>
-                      <a:pPr algn="r" fontAlgn="b"/>
-                      <a:r>
-                        <a:rPr lang="de-CH" sz="900" b="0" i="0" u="none" strike="noStrike">
-                          <a:solidFill>
-                            <a:srgbClr val="000000"/>
-                          </a:solidFill>
-                          <a:effectLst/>
-                          <a:latin typeface="Calibri" panose="020F0502020204030204" pitchFamily="34" charset="0"/>
-                        </a:rPr>
-                        <a:t>2</a:t>
-                      </a:r>
-                    </a:p>
-                  </a:txBody>
-                  <a:tcPr marL="5206" marR="5206" marT="5206" marB="37481" anchor="b">
-                    <a:lnL>
-                      <a:noFill/>
-                    </a:lnL>
-                    <a:lnR>
-                      <a:noFill/>
-                    </a:lnR>
-                    <a:lnT>
-                      <a:noFill/>
-                    </a:lnT>
-                    <a:lnB>
-                      <a:noFill/>
-                    </a:lnB>
-                    <a:solidFill>
-                      <a:srgbClr val="E2EFDA"/>
-                    </a:solidFill>
-                  </a:tcPr>
-                </a:tc>
-                <a:tc>
-                  <a:txBody>
-                    <a:bodyPr/>
-                    <a:lstStyle/>
-                    <a:p>
-                      <a:pPr algn="l" fontAlgn="b"/>
-                      <a:r>
-                        <a:rPr lang="de-CH" sz="900" b="0" i="0" u="none" strike="noStrike">
-                          <a:solidFill>
-                            <a:srgbClr val="000000"/>
-                          </a:solidFill>
-                          <a:effectLst/>
-                          <a:latin typeface="Calibri" panose="020F0502020204030204" pitchFamily="34" charset="0"/>
-                        </a:rPr>
-                        <a:t>Done</a:t>
-                      </a:r>
-                    </a:p>
-                  </a:txBody>
-                  <a:tcPr marL="5206" marR="5206" marT="5206" marB="37481" anchor="b">
-                    <a:lnL>
-                      <a:noFill/>
-                    </a:lnL>
-                    <a:lnR w="12700" cap="flat" cmpd="sng" algn="ctr">
-                      <a:solidFill>
-                        <a:schemeClr val="tx1"/>
-                      </a:solidFill>
-                      <a:prstDash val="solid"/>
-                      <a:round/>
-                      <a:headEnd type="none" w="med" len="med"/>
-                      <a:tailEnd type="none" w="med" len="med"/>
-                    </a:lnR>
-                    <a:lnT>
-                      <a:noFill/>
-                    </a:lnT>
-                    <a:lnB>
-                      <a:noFill/>
-                    </a:lnB>
-                    <a:solidFill>
-                      <a:srgbClr val="E2EFDA"/>
-                    </a:solidFill>
-                  </a:tcPr>
-                </a:tc>
-                <a:extLst>
-                  <a:ext uri="{0D108BD9-81ED-4DB2-BD59-A6C34878D82A}">
-                    <a16:rowId xmlns:a16="http://schemas.microsoft.com/office/drawing/2014/main" val="246782945"/>
-                  </a:ext>
-                </a:extLst>
-              </a:tr>
-              <a:tr h="180119">
-                <a:tc>
-                  <a:txBody>
-                    <a:bodyPr/>
-                    <a:lstStyle/>
-                    <a:p>
-                      <a:pPr algn="r" fontAlgn="b"/>
-                      <a:r>
-                        <a:rPr lang="de-CH" sz="900" b="0" i="0" u="none" strike="noStrike">
-                          <a:solidFill>
-                            <a:srgbClr val="000000"/>
-                          </a:solidFill>
-                          <a:effectLst/>
-                          <a:latin typeface="Calibri" panose="020F0502020204030204" pitchFamily="34" charset="0"/>
-                        </a:rPr>
-                        <a:t>2.2</a:t>
-                      </a:r>
-                    </a:p>
-                  </a:txBody>
-                  <a:tcPr marL="5206" marR="5206" marT="5206" marB="37481" anchor="b">
-                    <a:lnL w="12700" cap="flat" cmpd="sng" algn="ctr">
-                      <a:solidFill>
-                        <a:schemeClr val="tx1"/>
-                      </a:solidFill>
-                      <a:prstDash val="solid"/>
-                      <a:round/>
-                      <a:headEnd type="none" w="med" len="med"/>
-                      <a:tailEnd type="none" w="med" len="med"/>
-                    </a:lnL>
-                    <a:lnR>
-                      <a:noFill/>
-                    </a:lnR>
-                    <a:lnT>
-                      <a:noFill/>
-                    </a:lnT>
                     <a:lnB w="12700" cap="flat" cmpd="sng" algn="ctr">
                       <a:solidFill>
                         <a:schemeClr val="tx1"/>
@@ -8814,425 +10067,16 @@
                       <a:headEnd type="none" w="med" len="med"/>
                       <a:tailEnd type="none" w="med" len="med"/>
                     </a:lnB>
+                    <a:lnTlToBr w="12700" cmpd="sng">
+                      <a:noFill/>
+                      <a:prstDash val="solid"/>
+                    </a:lnTlToBr>
+                    <a:lnBlToTr w="12700" cmpd="sng">
+                      <a:noFill/>
+                      <a:prstDash val="solid"/>
+                    </a:lnBlToTr>
                     <a:solidFill>
-                      <a:srgbClr val="F8CBAD"/>
-                    </a:solidFill>
-                  </a:tcPr>
-                </a:tc>
-                <a:tc>
-                  <a:txBody>
-                    <a:bodyPr/>
-                    <a:lstStyle/>
-                    <a:p>
-                      <a:pPr algn="r" fontAlgn="b"/>
-                      <a:r>
-                        <a:rPr lang="de-CH" sz="900" b="0" i="0" u="none" strike="noStrike">
-                          <a:solidFill>
-                            <a:srgbClr val="000000"/>
-                          </a:solidFill>
-                          <a:effectLst/>
-                          <a:latin typeface="Calibri" panose="020F0502020204030204" pitchFamily="34" charset="0"/>
-                        </a:rPr>
-                        <a:t>2</a:t>
-                      </a:r>
-                    </a:p>
-                  </a:txBody>
-                  <a:tcPr marL="5206" marR="5206" marT="5206" marB="37481" anchor="b">
-                    <a:lnL>
-                      <a:noFill/>
-                    </a:lnL>
-                    <a:lnR>
-                      <a:noFill/>
-                    </a:lnR>
-                    <a:lnT>
-                      <a:noFill/>
-                    </a:lnT>
-                    <a:lnB w="12700" cap="flat" cmpd="sng" algn="ctr">
-                      <a:solidFill>
-                        <a:schemeClr val="tx1"/>
-                      </a:solidFill>
-                      <a:prstDash val="solid"/>
-                      <a:round/>
-                      <a:headEnd type="none" w="med" len="med"/>
-                      <a:tailEnd type="none" w="med" len="med"/>
-                    </a:lnB>
-                    <a:solidFill>
-                      <a:srgbClr val="F8CBAD"/>
-                    </a:solidFill>
-                  </a:tcPr>
-                </a:tc>
-                <a:tc>
-                  <a:txBody>
-                    <a:bodyPr/>
-                    <a:lstStyle/>
-                    <a:p>
-                      <a:pPr algn="l" fontAlgn="b"/>
-                      <a:r>
-                        <a:rPr lang="de-CH" sz="900" b="0" i="0" u="none" strike="noStrike">
-                          <a:solidFill>
-                            <a:srgbClr val="000000"/>
-                          </a:solidFill>
-                          <a:effectLst/>
-                          <a:latin typeface="Calibri" panose="020F0502020204030204" pitchFamily="34" charset="0"/>
-                        </a:rPr>
-                        <a:t>Manage Users</a:t>
-                      </a:r>
-                    </a:p>
-                  </a:txBody>
-                  <a:tcPr marL="5206" marR="5206" marT="5206" marB="37481" anchor="b">
-                    <a:lnL>
-                      <a:noFill/>
-                    </a:lnL>
-                    <a:lnR>
-                      <a:noFill/>
-                    </a:lnR>
-                    <a:lnT>
-                      <a:noFill/>
-                    </a:lnT>
-                    <a:lnB w="12700" cap="flat" cmpd="sng" algn="ctr">
-                      <a:solidFill>
-                        <a:schemeClr val="tx1"/>
-                      </a:solidFill>
-                      <a:prstDash val="solid"/>
-                      <a:round/>
-                      <a:headEnd type="none" w="med" len="med"/>
-                      <a:tailEnd type="none" w="med" len="med"/>
-                    </a:lnB>
-                    <a:solidFill>
-                      <a:srgbClr val="F8CBAD"/>
-                    </a:solidFill>
-                  </a:tcPr>
-                </a:tc>
-                <a:tc>
-                  <a:txBody>
-                    <a:bodyPr/>
-                    <a:lstStyle/>
-                    <a:p>
-                      <a:pPr algn="l" fontAlgn="b"/>
-                      <a:r>
-                        <a:rPr lang="en-US" sz="900" b="0" i="0" u="none" strike="noStrike" dirty="0">
-                          <a:solidFill>
-                            <a:srgbClr val="000000"/>
-                          </a:solidFill>
-                          <a:effectLst/>
-                          <a:latin typeface="Calibri" panose="020F0502020204030204" pitchFamily="34" charset="0"/>
-                        </a:rPr>
-                        <a:t>Implement Service and Class for users</a:t>
-                      </a:r>
-                    </a:p>
-                  </a:txBody>
-                  <a:tcPr marL="5206" marR="5206" marT="5206" marB="37481" anchor="b">
-                    <a:lnL>
-                      <a:noFill/>
-                    </a:lnL>
-                    <a:lnR>
-                      <a:noFill/>
-                    </a:lnR>
-                    <a:lnT>
-                      <a:noFill/>
-                    </a:lnT>
-                    <a:lnB w="12700" cap="flat" cmpd="sng" algn="ctr">
-                      <a:solidFill>
-                        <a:schemeClr val="tx1"/>
-                      </a:solidFill>
-                      <a:prstDash val="solid"/>
-                      <a:round/>
-                      <a:headEnd type="none" w="med" len="med"/>
-                      <a:tailEnd type="none" w="med" len="med"/>
-                    </a:lnB>
-                    <a:solidFill>
-                      <a:srgbClr val="F8CBAD"/>
-                    </a:solidFill>
-                  </a:tcPr>
-                </a:tc>
-                <a:tc>
-                  <a:txBody>
-                    <a:bodyPr/>
-                    <a:lstStyle/>
-                    <a:p>
-                      <a:pPr algn="l" fontAlgn="b"/>
-                      <a:r>
-                        <a:rPr lang="de-CH" sz="900" b="0" i="0" u="none" strike="noStrike">
-                          <a:solidFill>
-                            <a:srgbClr val="000000"/>
-                          </a:solidFill>
-                          <a:effectLst/>
-                          <a:latin typeface="Calibri" panose="020F0502020204030204" pitchFamily="34" charset="0"/>
-                        </a:rPr>
-                        <a:t>Access Control</a:t>
-                      </a:r>
-                    </a:p>
-                  </a:txBody>
-                  <a:tcPr marL="5206" marR="5206" marT="5206" marB="37481" anchor="b">
-                    <a:lnL>
-                      <a:noFill/>
-                    </a:lnL>
-                    <a:lnR>
-                      <a:noFill/>
-                    </a:lnR>
-                    <a:lnT>
-                      <a:noFill/>
-                    </a:lnT>
-                    <a:lnB w="12700" cap="flat" cmpd="sng" algn="ctr">
-                      <a:solidFill>
-                        <a:schemeClr val="tx1"/>
-                      </a:solidFill>
-                      <a:prstDash val="solid"/>
-                      <a:round/>
-                      <a:headEnd type="none" w="med" len="med"/>
-                      <a:tailEnd type="none" w="med" len="med"/>
-                    </a:lnB>
-                    <a:solidFill>
-                      <a:srgbClr val="F8CBAD"/>
-                    </a:solidFill>
-                  </a:tcPr>
-                </a:tc>
-                <a:tc>
-                  <a:txBody>
-                    <a:bodyPr/>
-                    <a:lstStyle/>
-                    <a:p>
-                      <a:pPr algn="l" fontAlgn="b"/>
-                      <a:r>
-                        <a:rPr lang="de-CH" sz="900" b="0" i="0" u="none" strike="noStrike">
-                          <a:solidFill>
-                            <a:srgbClr val="000000"/>
-                          </a:solidFill>
-                          <a:effectLst/>
-                          <a:latin typeface="Calibri" panose="020F0502020204030204" pitchFamily="34" charset="0"/>
-                        </a:rPr>
-                        <a:t>Rolf</a:t>
-                      </a:r>
-                    </a:p>
-                  </a:txBody>
-                  <a:tcPr marL="5206" marR="5206" marT="5206" marB="37481" anchor="b">
-                    <a:lnL>
-                      <a:noFill/>
-                    </a:lnL>
-                    <a:lnR>
-                      <a:noFill/>
-                    </a:lnR>
-                    <a:lnT>
-                      <a:noFill/>
-                    </a:lnT>
-                    <a:lnB w="12700" cap="flat" cmpd="sng" algn="ctr">
-                      <a:solidFill>
-                        <a:schemeClr val="tx1"/>
-                      </a:solidFill>
-                      <a:prstDash val="solid"/>
-                      <a:round/>
-                      <a:headEnd type="none" w="med" len="med"/>
-                      <a:tailEnd type="none" w="med" len="med"/>
-                    </a:lnB>
-                    <a:solidFill>
-                      <a:srgbClr val="F8CBAD"/>
-                    </a:solidFill>
-                  </a:tcPr>
-                </a:tc>
-                <a:tc>
-                  <a:txBody>
-                    <a:bodyPr/>
-                    <a:lstStyle/>
-                    <a:p>
-                      <a:pPr algn="l" fontAlgn="b"/>
-                      <a:r>
-                        <a:rPr lang="de-CH" sz="900" b="0" i="0" u="none" strike="noStrike">
-                          <a:solidFill>
-                            <a:srgbClr val="000000"/>
-                          </a:solidFill>
-                          <a:effectLst/>
-                          <a:latin typeface="Calibri" panose="020F0502020204030204" pitchFamily="34" charset="0"/>
-                        </a:rPr>
-                        <a:t>Ali</a:t>
-                      </a:r>
-                    </a:p>
-                  </a:txBody>
-                  <a:tcPr marL="5206" marR="5206" marT="5206" marB="37481" anchor="b">
-                    <a:lnL>
-                      <a:noFill/>
-                    </a:lnL>
-                    <a:lnR>
-                      <a:noFill/>
-                    </a:lnR>
-                    <a:lnT>
-                      <a:noFill/>
-                    </a:lnT>
-                    <a:lnB w="12700" cap="flat" cmpd="sng" algn="ctr">
-                      <a:solidFill>
-                        <a:schemeClr val="tx1"/>
-                      </a:solidFill>
-                      <a:prstDash val="solid"/>
-                      <a:round/>
-                      <a:headEnd type="none" w="med" len="med"/>
-                      <a:tailEnd type="none" w="med" len="med"/>
-                    </a:lnB>
-                    <a:solidFill>
-                      <a:srgbClr val="F8CBAD"/>
-                    </a:solidFill>
-                  </a:tcPr>
-                </a:tc>
-                <a:tc>
-                  <a:txBody>
-                    <a:bodyPr/>
-                    <a:lstStyle/>
-                    <a:p>
-                      <a:pPr algn="l" fontAlgn="b"/>
-                      <a:r>
-                        <a:rPr lang="de-CH" sz="900" b="0" i="0" u="none" strike="noStrike">
-                          <a:solidFill>
-                            <a:srgbClr val="000000"/>
-                          </a:solidFill>
-                          <a:effectLst/>
-                          <a:latin typeface="Calibri" panose="020F0502020204030204" pitchFamily="34" charset="0"/>
-                        </a:rPr>
-                        <a:t>low</a:t>
-                      </a:r>
-                    </a:p>
-                  </a:txBody>
-                  <a:tcPr marL="5206" marR="5206" marT="5206" marB="37481" anchor="b">
-                    <a:lnL>
-                      <a:noFill/>
-                    </a:lnL>
-                    <a:lnR>
-                      <a:noFill/>
-                    </a:lnR>
-                    <a:lnT>
-                      <a:noFill/>
-                    </a:lnT>
-                    <a:lnB w="12700" cap="flat" cmpd="sng" algn="ctr">
-                      <a:solidFill>
-                        <a:schemeClr val="tx1"/>
-                      </a:solidFill>
-                      <a:prstDash val="solid"/>
-                      <a:round/>
-                      <a:headEnd type="none" w="med" len="med"/>
-                      <a:tailEnd type="none" w="med" len="med"/>
-                    </a:lnB>
-                    <a:solidFill>
-                      <a:srgbClr val="F8CBAD"/>
-                    </a:solidFill>
-                  </a:tcPr>
-                </a:tc>
-                <a:tc>
-                  <a:txBody>
-                    <a:bodyPr/>
-                    <a:lstStyle/>
-                    <a:p>
-                      <a:pPr algn="r" fontAlgn="b"/>
-                      <a:r>
-                        <a:rPr lang="de-CH" sz="900" b="0" i="0" u="none" strike="noStrike">
-                          <a:solidFill>
-                            <a:srgbClr val="000000"/>
-                          </a:solidFill>
-                          <a:effectLst/>
-                          <a:latin typeface="Calibri" panose="020F0502020204030204" pitchFamily="34" charset="0"/>
-                        </a:rPr>
-                        <a:t>8</a:t>
-                      </a:r>
-                    </a:p>
-                  </a:txBody>
-                  <a:tcPr marL="5206" marR="5206" marT="5206" marB="37481" anchor="b">
-                    <a:lnL>
-                      <a:noFill/>
-                    </a:lnL>
-                    <a:lnR>
-                      <a:noFill/>
-                    </a:lnR>
-                    <a:lnT>
-                      <a:noFill/>
-                    </a:lnT>
-                    <a:lnB w="12700" cap="flat" cmpd="sng" algn="ctr">
-                      <a:solidFill>
-                        <a:schemeClr val="tx1"/>
-                      </a:solidFill>
-                      <a:prstDash val="solid"/>
-                      <a:round/>
-                      <a:headEnd type="none" w="med" len="med"/>
-                      <a:tailEnd type="none" w="med" len="med"/>
-                    </a:lnB>
-                    <a:solidFill>
-                      <a:srgbClr val="F8CBAD"/>
-                    </a:solidFill>
-                  </a:tcPr>
-                </a:tc>
-                <a:tc>
-                  <a:txBody>
-                    <a:bodyPr/>
-                    <a:lstStyle/>
-                    <a:p>
-                      <a:pPr algn="l" fontAlgn="b"/>
-                      <a:endParaRPr lang="de-CH" sz="900" b="0" i="0" u="none" strike="noStrike">
-                        <a:solidFill>
-                          <a:srgbClr val="000000"/>
-                        </a:solidFill>
-                        <a:effectLst/>
-                        <a:latin typeface="Calibri" panose="020F0502020204030204" pitchFamily="34" charset="0"/>
-                      </a:endParaRPr>
-                    </a:p>
-                  </a:txBody>
-                  <a:tcPr marL="5206" marR="5206" marT="5206" marB="37481" anchor="b">
-                    <a:lnL>
-                      <a:noFill/>
-                    </a:lnL>
-                    <a:lnR>
-                      <a:noFill/>
-                    </a:lnR>
-                    <a:lnT>
-                      <a:noFill/>
-                    </a:lnT>
-                    <a:lnB w="12700" cap="flat" cmpd="sng" algn="ctr">
-                      <a:solidFill>
-                        <a:schemeClr val="tx1"/>
-                      </a:solidFill>
-                      <a:prstDash val="solid"/>
-                      <a:round/>
-                      <a:headEnd type="none" w="med" len="med"/>
-                      <a:tailEnd type="none" w="med" len="med"/>
-                    </a:lnB>
-                    <a:solidFill>
-                      <a:srgbClr val="F8CBAD"/>
-                    </a:solidFill>
-                  </a:tcPr>
-                </a:tc>
-                <a:tc>
-                  <a:txBody>
-                    <a:bodyPr/>
-                    <a:lstStyle/>
-                    <a:p>
-                      <a:pPr algn="r" fontAlgn="b"/>
-                      <a:r>
-                        <a:rPr lang="de-CH" sz="900" b="0" i="0" u="none" strike="noStrike">
-                          <a:solidFill>
-                            <a:srgbClr val="000000"/>
-                          </a:solidFill>
-                          <a:effectLst/>
-                          <a:latin typeface="Calibri" panose="020F0502020204030204" pitchFamily="34" charset="0"/>
-                        </a:rPr>
-                        <a:t>4</a:t>
-                      </a:r>
-                    </a:p>
-                  </a:txBody>
-                  <a:tcPr marL="5206" marR="5206" marT="5206" marB="37481" anchor="b">
-                    <a:lnL>
-                      <a:noFill/>
-                    </a:lnL>
-                    <a:lnR>
-                      <a:noFill/>
-                    </a:lnR>
-                    <a:lnT>
-                      <a:noFill/>
-                    </a:lnT>
-                    <a:lnB w="12700" cap="flat" cmpd="sng" algn="ctr">
-                      <a:solidFill>
-                        <a:schemeClr val="tx1"/>
-                      </a:solidFill>
-                      <a:prstDash val="solid"/>
-                      <a:round/>
-                      <a:headEnd type="none" w="med" len="med"/>
-                      <a:tailEnd type="none" w="med" len="med"/>
-                    </a:lnB>
-                    <a:solidFill>
-                      <a:srgbClr val="F8CBAD"/>
+                      <a:srgbClr val="D9D9D9"/>
                     </a:solidFill>
                   </a:tcPr>
                 </a:tc>
@@ -9279,14 +10123,22 @@
                       <a:headEnd type="none" w="med" len="med"/>
                       <a:tailEnd type="none" w="med" len="med"/>
                     </a:lnB>
+                    <a:lnTlToBr w="12700" cmpd="sng">
+                      <a:noFill/>
+                      <a:prstDash val="solid"/>
+                    </a:lnTlToBr>
+                    <a:lnBlToTr w="12700" cmpd="sng">
+                      <a:noFill/>
+                      <a:prstDash val="solid"/>
+                    </a:lnBlToTr>
                     <a:solidFill>
-                      <a:srgbClr val="F8CBAD"/>
+                      <a:srgbClr val="D9D9D9"/>
                     </a:solidFill>
                   </a:tcPr>
                 </a:tc>
                 <a:extLst>
                   <a:ext uri="{0D108BD9-81ED-4DB2-BD59-A6C34878D82A}">
-                    <a16:rowId xmlns:a16="http://schemas.microsoft.com/office/drawing/2014/main" val="3437771555"/>
+                    <a16:rowId xmlns:a16="http://schemas.microsoft.com/office/drawing/2014/main" val="1547619966"/>
                   </a:ext>
                 </a:extLst>
               </a:tr>
@@ -9380,6 +10232,32 @@
             <a:endParaRPr lang="en-US" dirty="0"/>
           </a:p>
           <a:p>
+            <a:pPr lvl="1"/>
+            <a:r>
+              <a:rPr lang="en-US" dirty="0" err="1"/>
+              <a:t>Geplant</a:t>
+            </a:r>
+            <a:r>
+              <a:rPr lang="en-US" dirty="0"/>
+              <a:t>: 35h</a:t>
+            </a:r>
+          </a:p>
+          <a:p>
+            <a:pPr lvl="1"/>
+            <a:r>
+              <a:rPr lang="en-US" dirty="0" err="1"/>
+              <a:t>Erreicht</a:t>
+            </a:r>
+            <a:r>
+              <a:rPr lang="en-US" dirty="0"/>
+              <a:t>: 26h</a:t>
+            </a:r>
+            <a:endParaRPr lang="de-CH" dirty="0"/>
+          </a:p>
+          <a:p>
+            <a:endParaRPr lang="en-US" dirty="0"/>
+          </a:p>
+          <a:p>
             <a:endParaRPr lang="en-US" dirty="0"/>
           </a:p>
           <a:p>
@@ -9398,7 +10276,7 @@
       </p:sp>
       <p:graphicFrame>
         <p:nvGraphicFramePr>
-          <p:cNvPr id="9" name="Chart 8">
+          <p:cNvPr id="8" name="Chart 7">
             <a:extLst>
               <a:ext uri="{FF2B5EF4-FFF2-40B4-BE49-F238E27FC236}">
                 <a16:creationId xmlns:a16="http://schemas.microsoft.com/office/drawing/2014/main" id="{F4509BF8-FDB2-49A6-92D3-5A1113511C84}"/>
@@ -9411,14 +10289,14 @@
           <p:nvPr>
             <p:extLst>
               <p:ext uri="{D42A27DB-BD31-4B8C-83A1-F6EECF244321}">
-                <p14:modId xmlns:p14="http://schemas.microsoft.com/office/powerpoint/2010/main" val="2269271777"/>
+                <p14:modId xmlns:p14="http://schemas.microsoft.com/office/powerpoint/2010/main" val="1597796763"/>
               </p:ext>
             </p:extLst>
           </p:nvPr>
         </p:nvGraphicFramePr>
         <p:xfrm>
-          <a:off x="4253345" y="1505888"/>
-          <a:ext cx="7204363" cy="3482254"/>
+          <a:off x="4774478" y="1101437"/>
+          <a:ext cx="6579322" cy="3773011"/>
         </p:xfrm>
         <a:graphic>
           <a:graphicData uri="http://schemas.openxmlformats.org/drawingml/2006/chart">
@@ -9428,57 +10306,57 @@
       </p:graphicFrame>
       <p:graphicFrame>
         <p:nvGraphicFramePr>
-          <p:cNvPr id="11" name="Table 10"/>
+          <p:cNvPr id="7" name="Table 6"/>
           <p:cNvGraphicFramePr>
             <a:graphicFrameLocks noGrp="1"/>
           </p:cNvGraphicFramePr>
           <p:nvPr>
             <p:extLst>
               <p:ext uri="{D42A27DB-BD31-4B8C-83A1-F6EECF244321}">
-                <p14:modId xmlns:p14="http://schemas.microsoft.com/office/powerpoint/2010/main" val="2324525355"/>
+                <p14:modId xmlns:p14="http://schemas.microsoft.com/office/powerpoint/2010/main" val="2906631782"/>
               </p:ext>
             </p:extLst>
           </p:nvPr>
         </p:nvGraphicFramePr>
         <p:xfrm>
-          <a:off x="5479471" y="5362864"/>
-          <a:ext cx="4752109" cy="814099"/>
+          <a:off x="5979391" y="5350193"/>
+          <a:ext cx="3530600" cy="826770"/>
         </p:xfrm>
         <a:graphic>
           <a:graphicData uri="http://schemas.openxmlformats.org/drawingml/2006/table">
             <a:tbl>
               <a:tblPr/>
               <a:tblGrid>
-                <a:gridCol w="803414">
+                <a:gridCol w="596900">
                   <a:extLst>
                     <a:ext uri="{9D8B030D-6E8A-4147-A177-3AD203B41FA5}">
-                      <a16:colId xmlns:a16="http://schemas.microsoft.com/office/drawing/2014/main" val="1844460245"/>
+                      <a16:colId xmlns:a16="http://schemas.microsoft.com/office/drawing/2014/main" val="3245054339"/>
                     </a:ext>
                   </a:extLst>
                 </a:gridCol>
-                <a:gridCol w="1230763">
+                <a:gridCol w="914400">
                   <a:extLst>
                     <a:ext uri="{9D8B030D-6E8A-4147-A177-3AD203B41FA5}">
-                      <a16:colId xmlns:a16="http://schemas.microsoft.com/office/drawing/2014/main" val="181743606"/>
+                      <a16:colId xmlns:a16="http://schemas.microsoft.com/office/drawing/2014/main" val="2197943830"/>
                     </a:ext>
                   </a:extLst>
                 </a:gridCol>
-                <a:gridCol w="1367513">
+                <a:gridCol w="1016000">
                   <a:extLst>
                     <a:ext uri="{9D8B030D-6E8A-4147-A177-3AD203B41FA5}">
-                      <a16:colId xmlns:a16="http://schemas.microsoft.com/office/drawing/2014/main" val="1472848221"/>
+                      <a16:colId xmlns:a16="http://schemas.microsoft.com/office/drawing/2014/main" val="724434416"/>
                     </a:ext>
                   </a:extLst>
                 </a:gridCol>
-                <a:gridCol w="1350419">
+                <a:gridCol w="1003300">
                   <a:extLst>
                     <a:ext uri="{9D8B030D-6E8A-4147-A177-3AD203B41FA5}">
-                      <a16:colId xmlns:a16="http://schemas.microsoft.com/office/drawing/2014/main" val="3047889948"/>
+                      <a16:colId xmlns:a16="http://schemas.microsoft.com/office/drawing/2014/main" val="3028545738"/>
                     </a:ext>
                   </a:extLst>
                 </a:gridCol>
               </a:tblGrid>
-              <a:tr h="240177">
+              <a:tr h="333375">
                 <a:tc>
                   <a:txBody>
                     <a:bodyPr/>
@@ -9534,121 +10412,57 @@
                     <a:p>
                       <a:pPr algn="l" fontAlgn="b"/>
                       <a:r>
-                        <a:rPr lang="de-CH" sz="1100" b="1" i="0" u="none" strike="noStrike" dirty="0">
+                        <a:rPr lang="de-CH" sz="1100" b="1" i="0" u="none" strike="noStrike">
                           <a:solidFill>
                             <a:srgbClr val="FFFFFF"/>
                           </a:solidFill>
                           <a:effectLst/>
                           <a:latin typeface="Calibri" panose="020F0502020204030204" pitchFamily="34" charset="0"/>
                         </a:rPr>
-                        <a:t>Time </a:t>
+                        <a:t>Time of Record</a:t>
                       </a:r>
+                    </a:p>
+                  </a:txBody>
+                  <a:tcPr marL="6350" marR="6350" marT="6350" anchor="b">
+                    <a:lnL>
+                      <a:noFill/>
+                    </a:lnL>
+                    <a:lnR>
+                      <a:noFill/>
+                    </a:lnR>
+                    <a:lnT w="12700" cap="flat" cmpd="sng" algn="ctr">
+                      <a:solidFill>
+                        <a:schemeClr val="tx1"/>
+                      </a:solidFill>
+                      <a:prstDash val="solid"/>
+                      <a:round/>
+                      <a:headEnd type="none" w="med" len="med"/>
+                      <a:tailEnd type="none" w="med" len="med"/>
+                    </a:lnT>
+                    <a:lnB>
+                      <a:noFill/>
+                    </a:lnB>
+                    <a:solidFill>
+                      <a:srgbClr val="1F497D"/>
+                    </a:solidFill>
+                  </a:tcPr>
+                </a:tc>
+                <a:tc>
+                  <a:txBody>
+                    <a:bodyPr/>
+                    <a:lstStyle/>
+                    <a:p>
+                      <a:pPr algn="l" fontAlgn="b"/>
                       <a:r>
-                        <a:rPr lang="de-CH" sz="1100" b="1" i="0" u="none" strike="noStrike" dirty="0" err="1">
+                        <a:rPr lang="de-CH" sz="1100" b="1" i="0" u="none" strike="noStrike">
                           <a:solidFill>
                             <a:srgbClr val="FFFFFF"/>
                           </a:solidFill>
                           <a:effectLst/>
                           <a:latin typeface="Calibri" panose="020F0502020204030204" pitchFamily="34" charset="0"/>
                         </a:rPr>
-                        <a:t>of</a:t>
+                        <a:t>Remaining Effort</a:t>
                       </a:r>
-                      <a:r>
-                        <a:rPr lang="de-CH" sz="1100" b="1" i="0" u="none" strike="noStrike" dirty="0">
-                          <a:solidFill>
-                            <a:srgbClr val="FFFFFF"/>
-                          </a:solidFill>
-                          <a:effectLst/>
-                          <a:latin typeface="Calibri" panose="020F0502020204030204" pitchFamily="34" charset="0"/>
-                        </a:rPr>
-                        <a:t> </a:t>
-                      </a:r>
-                      <a:r>
-                        <a:rPr lang="de-CH" sz="1100" b="1" i="0" u="none" strike="noStrike" dirty="0" err="1">
-                          <a:solidFill>
-                            <a:srgbClr val="FFFFFF"/>
-                          </a:solidFill>
-                          <a:effectLst/>
-                          <a:latin typeface="Calibri" panose="020F0502020204030204" pitchFamily="34" charset="0"/>
-                        </a:rPr>
-                        <a:t>Record</a:t>
-                      </a:r>
-                      <a:endParaRPr lang="de-CH" sz="1100" b="1" i="0" u="none" strike="noStrike" dirty="0">
-                        <a:solidFill>
-                          <a:srgbClr val="FFFFFF"/>
-                        </a:solidFill>
-                        <a:effectLst/>
-                        <a:latin typeface="Calibri" panose="020F0502020204030204" pitchFamily="34" charset="0"/>
-                      </a:endParaRPr>
-                    </a:p>
-                  </a:txBody>
-                  <a:tcPr marL="6350" marR="6350" marT="6350" anchor="b">
-                    <a:lnL>
-                      <a:noFill/>
-                    </a:lnL>
-                    <a:lnR>
-                      <a:noFill/>
-                    </a:lnR>
-                    <a:lnT w="12700" cap="flat" cmpd="sng" algn="ctr">
-                      <a:solidFill>
-                        <a:schemeClr val="tx1"/>
-                      </a:solidFill>
-                      <a:prstDash val="solid"/>
-                      <a:round/>
-                      <a:headEnd type="none" w="med" len="med"/>
-                      <a:tailEnd type="none" w="med" len="med"/>
-                    </a:lnT>
-                    <a:lnB>
-                      <a:noFill/>
-                    </a:lnB>
-                    <a:solidFill>
-                      <a:srgbClr val="1F497D"/>
-                    </a:solidFill>
-                  </a:tcPr>
-                </a:tc>
-                <a:tc>
-                  <a:txBody>
-                    <a:bodyPr/>
-                    <a:lstStyle/>
-                    <a:p>
-                      <a:pPr algn="l" fontAlgn="b"/>
-                      <a:r>
-                        <a:rPr lang="de-CH" sz="1100" b="1" i="0" u="none" strike="noStrike" dirty="0" err="1">
-                          <a:solidFill>
-                            <a:srgbClr val="FFFFFF"/>
-                          </a:solidFill>
-                          <a:effectLst/>
-                          <a:latin typeface="Calibri" panose="020F0502020204030204" pitchFamily="34" charset="0"/>
-                        </a:rPr>
-                        <a:t>Remaining</a:t>
-                      </a:r>
-                      <a:r>
-                        <a:rPr lang="de-CH" sz="1100" b="1" i="0" u="none" strike="noStrike" dirty="0">
-                          <a:solidFill>
-                            <a:srgbClr val="FFFFFF"/>
-                          </a:solidFill>
-                          <a:effectLst/>
-                          <a:latin typeface="Calibri" panose="020F0502020204030204" pitchFamily="34" charset="0"/>
-                        </a:rPr>
-                        <a:t> </a:t>
-                      </a:r>
-                      <a:r>
-                        <a:rPr lang="de-CH" sz="1100" b="1" i="0" u="none" strike="noStrike" dirty="0" err="1">
-                          <a:solidFill>
-                            <a:srgbClr val="FFFFFF"/>
-                          </a:solidFill>
-                          <a:effectLst/>
-                          <a:latin typeface="Calibri" panose="020F0502020204030204" pitchFamily="34" charset="0"/>
-                        </a:rPr>
-                        <a:t>Effort</a:t>
-                      </a:r>
-                      <a:endParaRPr lang="de-CH" sz="1100" b="1" i="0" u="none" strike="noStrike" dirty="0">
-                        <a:solidFill>
-                          <a:srgbClr val="FFFFFF"/>
-                        </a:solidFill>
-                        <a:effectLst/>
-                        <a:latin typeface="Calibri" panose="020F0502020204030204" pitchFamily="34" charset="0"/>
-                      </a:endParaRPr>
                     </a:p>
                   </a:txBody>
                   <a:tcPr marL="6350" marR="6350" marT="6350" anchor="b">
@@ -9725,11 +10539,11 @@
                 </a:tc>
                 <a:extLst>
                   <a:ext uri="{0D108BD9-81ED-4DB2-BD59-A6C34878D82A}">
-                    <a16:rowId xmlns:a16="http://schemas.microsoft.com/office/drawing/2014/main" val="1937542692"/>
+                    <a16:rowId xmlns:a16="http://schemas.microsoft.com/office/drawing/2014/main" val="2128057274"/>
                   </a:ext>
                 </a:extLst>
               </a:tr>
-              <a:tr h="286961">
+              <a:tr h="180975">
                 <a:tc>
                   <a:txBody>
                     <a:bodyPr/>
@@ -9876,11 +10690,11 @@
                 </a:tc>
                 <a:extLst>
                   <a:ext uri="{0D108BD9-81ED-4DB2-BD59-A6C34878D82A}">
-                    <a16:rowId xmlns:a16="http://schemas.microsoft.com/office/drawing/2014/main" val="811172132"/>
+                    <a16:rowId xmlns:a16="http://schemas.microsoft.com/office/drawing/2014/main" val="3697107621"/>
                   </a:ext>
                 </a:extLst>
               </a:tr>
-              <a:tr h="286961">
+              <a:tr h="180975">
                 <a:tc>
                   <a:txBody>
                     <a:bodyPr/>
@@ -9979,7 +10793,7 @@
                           <a:effectLst/>
                           <a:latin typeface="Calibri" panose="020F0502020204030204" pitchFamily="34" charset="0"/>
                         </a:rPr>
-                        <a:t>235</a:t>
+                        <a:t>244</a:t>
                       </a:r>
                     </a:p>
                   </a:txBody>
@@ -10018,7 +10832,7 @@
                           <a:effectLst/>
                           <a:latin typeface="Calibri" panose="020F0502020204030204" pitchFamily="34" charset="0"/>
                         </a:rPr>
-                        <a:t>236</a:t>
+                        <a:t>233</a:t>
                       </a:r>
                     </a:p>
                   </a:txBody>
@@ -10051,7 +10865,7 @@
                 </a:tc>
                 <a:extLst>
                   <a:ext uri="{0D108BD9-81ED-4DB2-BD59-A6C34878D82A}">
-                    <a16:rowId xmlns:a16="http://schemas.microsoft.com/office/drawing/2014/main" val="2276574448"/>
+                    <a16:rowId xmlns:a16="http://schemas.microsoft.com/office/drawing/2014/main" val="4282633151"/>
                   </a:ext>
                 </a:extLst>
               </a:tr>
@@ -10133,11 +10947,11 @@
           <a:p>
             <a:r>
               <a:rPr lang="en-US" dirty="0"/>
-              <a:t>Fast </a:t>
+              <a:t>Sprint </a:t>
             </a:r>
             <a:r>
               <a:rPr lang="en-US" dirty="0" err="1"/>
-              <a:t>alle</a:t>
+              <a:t>Planung</a:t>
             </a:r>
             <a:r>
               <a:rPr lang="en-US" dirty="0"/>
@@ -10145,7 +10959,14 @@
             </a:r>
             <a:r>
               <a:rPr lang="en-US" dirty="0" err="1"/>
-              <a:t>Ziele</a:t>
+              <a:t>ineffizient</a:t>
+            </a:r>
+            <a:endParaRPr lang="en-US" dirty="0"/>
+          </a:p>
+          <a:p>
+            <a:r>
+              <a:rPr lang="en-US" dirty="0" err="1"/>
+              <a:t>Weniger</a:t>
             </a:r>
             <a:r>
               <a:rPr lang="en-US" dirty="0"/>
@@ -10153,15 +10974,7 @@
             </a:r>
             <a:r>
               <a:rPr lang="en-US" dirty="0" err="1"/>
-              <a:t>erreicht</a:t>
-            </a:r>
-            <a:r>
-              <a:rPr lang="en-US" dirty="0"/>
-              <a:t>, </a:t>
-            </a:r>
-            <a:r>
-              <a:rPr lang="en-US" dirty="0" err="1"/>
-              <a:t>ausstehende</a:t>
+              <a:t>Ressourcen</a:t>
             </a:r>
             <a:r>
               <a:rPr lang="en-US" dirty="0"/>
@@ -10169,7 +10982,7 @@
             </a:r>
             <a:r>
               <a:rPr lang="en-US" dirty="0" err="1"/>
-              <a:t>Ziele</a:t>
+              <a:t>als</a:t>
             </a:r>
             <a:r>
               <a:rPr lang="en-US" dirty="0"/>
@@ -10177,89 +10990,7 @@
             </a:r>
             <a:r>
               <a:rPr lang="en-US" dirty="0" err="1"/>
-              <a:t>aus</a:t>
-            </a:r>
-            <a:r>
-              <a:rPr lang="en-US" dirty="0"/>
-              <a:t> Sprint 1 </a:t>
-            </a:r>
-            <a:r>
-              <a:rPr lang="en-US" dirty="0" err="1"/>
-              <a:t>jedoch</a:t>
-            </a:r>
-            <a:r>
-              <a:rPr lang="en-US" dirty="0"/>
-              <a:t> </a:t>
-            </a:r>
-            <a:r>
-              <a:rPr lang="en-US" dirty="0" err="1"/>
-              <a:t>erledigtes</a:t>
-            </a:r>
-            <a:r>
-              <a:rPr lang="en-US" dirty="0"/>
-              <a:t> </a:t>
-            </a:r>
-            <a:r>
-              <a:rPr lang="en-US" dirty="0" err="1"/>
-              <a:t>aus</a:t>
-            </a:r>
-            <a:r>
-              <a:rPr lang="en-US" dirty="0"/>
-              <a:t> Sprint 2.</a:t>
-            </a:r>
-          </a:p>
-          <a:p>
-            <a:r>
-              <a:rPr lang="en-US" dirty="0" err="1"/>
-              <a:t>Wenig</a:t>
-            </a:r>
-            <a:r>
-              <a:rPr lang="en-US" dirty="0"/>
-              <a:t> </a:t>
-            </a:r>
-            <a:r>
-              <a:rPr lang="en-US" dirty="0" err="1"/>
-              <a:t>Kapazität</a:t>
-            </a:r>
-            <a:r>
-              <a:rPr lang="en-US" dirty="0"/>
-              <a:t>, </a:t>
-            </a:r>
-            <a:r>
-              <a:rPr lang="en-US" dirty="0" err="1"/>
-              <a:t>Ausgleich</a:t>
-            </a:r>
-            <a:r>
-              <a:rPr lang="en-US" dirty="0"/>
-              <a:t> </a:t>
-            </a:r>
-            <a:r>
-              <a:rPr lang="en-US" dirty="0" err="1"/>
-              <a:t>durch</a:t>
-            </a:r>
-            <a:r>
-              <a:rPr lang="en-US" dirty="0"/>
-              <a:t> </a:t>
-            </a:r>
-            <a:r>
-              <a:rPr lang="en-US" dirty="0" err="1"/>
-              <a:t>zu</a:t>
-            </a:r>
-            <a:r>
-              <a:rPr lang="en-US" dirty="0"/>
-              <a:t> </a:t>
-            </a:r>
-            <a:r>
-              <a:rPr lang="en-US" dirty="0" err="1"/>
-              <a:t>hohe</a:t>
-            </a:r>
-            <a:r>
-              <a:rPr lang="en-US" dirty="0"/>
-              <a:t> </a:t>
-            </a:r>
-            <a:r>
-              <a:rPr lang="en-US" dirty="0" err="1"/>
-              <a:t>Einschätzung</a:t>
+              <a:t>erwartet</a:t>
             </a:r>
             <a:endParaRPr lang="en-US" dirty="0"/>
           </a:p>
